--- a/Rapport/P8 - Présentation.pptx
+++ b/Rapport/P8 - Présentation.pptx
@@ -5,7 +5,7 @@
     <p:sldMasterId id="2147483648" r:id="rId1"/>
   </p:sldMasterIdLst>
   <p:notesMasterIdLst>
-    <p:notesMasterId r:id="rId39"/>
+    <p:notesMasterId r:id="rId40"/>
   </p:notesMasterIdLst>
   <p:sldIdLst>
     <p:sldId id="256" r:id="rId2"/>
@@ -13,38 +13,39 @@
     <p:sldId id="308" r:id="rId4"/>
     <p:sldId id="258" r:id="rId5"/>
     <p:sldId id="355" r:id="rId6"/>
-    <p:sldId id="354" r:id="rId7"/>
-    <p:sldId id="353" r:id="rId8"/>
-    <p:sldId id="336" r:id="rId9"/>
-    <p:sldId id="348" r:id="rId10"/>
+    <p:sldId id="356" r:id="rId7"/>
+    <p:sldId id="354" r:id="rId8"/>
+    <p:sldId id="353" r:id="rId9"/>
+    <p:sldId id="336" r:id="rId10"/>
     <p:sldId id="350" r:id="rId11"/>
-    <p:sldId id="320" r:id="rId12"/>
-    <p:sldId id="326" r:id="rId13"/>
-    <p:sldId id="337" r:id="rId14"/>
-    <p:sldId id="327" r:id="rId15"/>
-    <p:sldId id="328" r:id="rId16"/>
-    <p:sldId id="335" r:id="rId17"/>
-    <p:sldId id="344" r:id="rId18"/>
-    <p:sldId id="331" r:id="rId19"/>
-    <p:sldId id="330" r:id="rId20"/>
-    <p:sldId id="332" r:id="rId21"/>
-    <p:sldId id="333" r:id="rId22"/>
-    <p:sldId id="343" r:id="rId23"/>
-    <p:sldId id="334" r:id="rId24"/>
-    <p:sldId id="346" r:id="rId25"/>
-    <p:sldId id="345" r:id="rId26"/>
-    <p:sldId id="339" r:id="rId27"/>
-    <p:sldId id="347" r:id="rId28"/>
-    <p:sldId id="340" r:id="rId29"/>
-    <p:sldId id="341" r:id="rId30"/>
-    <p:sldId id="338" r:id="rId31"/>
-    <p:sldId id="352" r:id="rId32"/>
-    <p:sldId id="351" r:id="rId33"/>
-    <p:sldId id="297" r:id="rId34"/>
-    <p:sldId id="307" r:id="rId35"/>
-    <p:sldId id="269" r:id="rId36"/>
-    <p:sldId id="321" r:id="rId37"/>
-    <p:sldId id="317" r:id="rId38"/>
+    <p:sldId id="357" r:id="rId12"/>
+    <p:sldId id="358" r:id="rId13"/>
+    <p:sldId id="359" r:id="rId14"/>
+    <p:sldId id="326" r:id="rId15"/>
+    <p:sldId id="337" r:id="rId16"/>
+    <p:sldId id="327" r:id="rId17"/>
+    <p:sldId id="328" r:id="rId18"/>
+    <p:sldId id="335" r:id="rId19"/>
+    <p:sldId id="320" r:id="rId20"/>
+    <p:sldId id="344" r:id="rId21"/>
+    <p:sldId id="331" r:id="rId22"/>
+    <p:sldId id="330" r:id="rId23"/>
+    <p:sldId id="332" r:id="rId24"/>
+    <p:sldId id="333" r:id="rId25"/>
+    <p:sldId id="360" r:id="rId26"/>
+    <p:sldId id="343" r:id="rId27"/>
+    <p:sldId id="334" r:id="rId28"/>
+    <p:sldId id="346" r:id="rId29"/>
+    <p:sldId id="347" r:id="rId30"/>
+    <p:sldId id="340" r:id="rId31"/>
+    <p:sldId id="341" r:id="rId32"/>
+    <p:sldId id="338" r:id="rId33"/>
+    <p:sldId id="352" r:id="rId34"/>
+    <p:sldId id="351" r:id="rId35"/>
+    <p:sldId id="307" r:id="rId36"/>
+    <p:sldId id="297" r:id="rId37"/>
+    <p:sldId id="269" r:id="rId38"/>
+    <p:sldId id="321" r:id="rId39"/>
   </p:sldIdLst>
   <p:sldSz cx="12192000" cy="6858000"/>
   <p:notesSz cx="6858000" cy="9144000"/>
@@ -183,38 +184,39 @@
             <p14:sldId id="308"/>
             <p14:sldId id="258"/>
             <p14:sldId id="355"/>
+            <p14:sldId id="356"/>
             <p14:sldId id="354"/>
             <p14:sldId id="353"/>
             <p14:sldId id="336"/>
-            <p14:sldId id="348"/>
             <p14:sldId id="350"/>
-            <p14:sldId id="320"/>
+            <p14:sldId id="357"/>
+            <p14:sldId id="358"/>
+            <p14:sldId id="359"/>
             <p14:sldId id="326"/>
             <p14:sldId id="337"/>
             <p14:sldId id="327"/>
             <p14:sldId id="328"/>
             <p14:sldId id="335"/>
+            <p14:sldId id="320"/>
             <p14:sldId id="344"/>
             <p14:sldId id="331"/>
             <p14:sldId id="330"/>
             <p14:sldId id="332"/>
             <p14:sldId id="333"/>
+            <p14:sldId id="360"/>
             <p14:sldId id="343"/>
             <p14:sldId id="334"/>
             <p14:sldId id="346"/>
-            <p14:sldId id="345"/>
-            <p14:sldId id="339"/>
             <p14:sldId id="347"/>
             <p14:sldId id="340"/>
             <p14:sldId id="341"/>
             <p14:sldId id="338"/>
             <p14:sldId id="352"/>
             <p14:sldId id="351"/>
+            <p14:sldId id="307"/>
             <p14:sldId id="297"/>
-            <p14:sldId id="307"/>
             <p14:sldId id="269"/>
             <p14:sldId id="321"/>
-            <p14:sldId id="317"/>
           </p14:sldIdLst>
         </p14:section>
       </p14:sectionLst>
@@ -1394,7 +1396,7 @@
               <a:pPr>
                 <a:defRPr/>
               </a:pPr>
-              <a:t>02/06/2018</a:t>
+              <a:t>04/06/2018</a:t>
             </a:fld>
             <a:endParaRPr lang="fr-FR"/>
           </a:p>
@@ -1871,32 +1873,308 @@
           <a:lstStyle/>
           <a:p>
             <a:r>
-              <a:rPr lang="fr-FR" dirty="0"/>
-              <a:t>Chiffres avec le jeu de test pour pouvoir comparer avec les modèles qui suivent</a:t>
-            </a:r>
-          </a:p>
-          <a:p>
-            <a:endParaRPr lang="fr-FR" dirty="0"/>
-          </a:p>
-          <a:p>
-            <a:r>
-              <a:rPr lang="fr-FR" dirty="0"/>
-              <a:t>TN | FP</a:t>
-            </a:r>
-          </a:p>
-          <a:p>
-            <a:r>
-              <a:rPr lang="fr-FR" dirty="0"/>
-              <a:t>FN | TP</a:t>
-            </a:r>
-          </a:p>
-          <a:p>
-            <a:endParaRPr lang="fr-FR" dirty="0"/>
-          </a:p>
-          <a:p>
-            <a:r>
-              <a:rPr lang="fr-FR" dirty="0"/>
-              <a:t>Problème avec FP</a:t>
+              <a:rPr lang="fr-FR" sz="1200" b="0" i="0" u="none" strike="noStrike" kern="1200" dirty="0">
+                <a:solidFill>
+                  <a:schemeClr val="tx1"/>
+                </a:solidFill>
+                <a:effectLst/>
+                <a:latin typeface="+mn-lt"/>
+                <a:ea typeface="+mn-ea"/>
+                <a:cs typeface="+mn-cs"/>
+              </a:rPr>
+              <a:t>1</a:t>
+            </a:r>
+            <a:r>
+              <a:rPr lang="fr-FR" dirty="0"/>
+              <a:t> </a:t>
+            </a:r>
+            <a:r>
+              <a:rPr lang="fr-FR" sz="1200" b="0" i="0" u="none" strike="noStrike" kern="1200" dirty="0">
+                <a:solidFill>
+                  <a:schemeClr val="tx1"/>
+                </a:solidFill>
+                <a:effectLst/>
+                <a:latin typeface="+mn-lt"/>
+                <a:ea typeface="+mn-ea"/>
+                <a:cs typeface="+mn-cs"/>
+              </a:rPr>
+              <a:t>Entrepreneur individuel</a:t>
+            </a:r>
+            <a:r>
+              <a:rPr lang="fr-FR" dirty="0"/>
+              <a:t> </a:t>
+            </a:r>
+          </a:p>
+          <a:p>
+            <a:r>
+              <a:rPr lang="fr-FR" sz="1200" b="0" i="0" u="none" strike="noStrike" kern="1200" dirty="0">
+                <a:solidFill>
+                  <a:schemeClr val="tx1"/>
+                </a:solidFill>
+                <a:effectLst/>
+                <a:latin typeface="+mn-lt"/>
+                <a:ea typeface="+mn-ea"/>
+                <a:cs typeface="+mn-cs"/>
+              </a:rPr>
+              <a:t>2</a:t>
+            </a:r>
+            <a:r>
+              <a:rPr lang="fr-FR" dirty="0"/>
+              <a:t> </a:t>
+            </a:r>
+            <a:r>
+              <a:rPr lang="fr-FR" sz="1200" b="0" i="0" u="none" strike="noStrike" kern="1200" dirty="0">
+                <a:solidFill>
+                  <a:schemeClr val="tx1"/>
+                </a:solidFill>
+                <a:effectLst/>
+                <a:latin typeface="+mn-lt"/>
+                <a:ea typeface="+mn-ea"/>
+                <a:cs typeface="+mn-cs"/>
+              </a:rPr>
+              <a:t>Groupement de droit privé non doté de la personnalité morale</a:t>
+            </a:r>
+            <a:r>
+              <a:rPr lang="fr-FR" dirty="0"/>
+              <a:t> </a:t>
+            </a:r>
+          </a:p>
+          <a:p>
+            <a:r>
+              <a:rPr lang="fr-FR" sz="1200" b="0" i="0" u="none" strike="noStrike" kern="1200" dirty="0">
+                <a:solidFill>
+                  <a:schemeClr val="tx1"/>
+                </a:solidFill>
+                <a:effectLst/>
+                <a:latin typeface="+mn-lt"/>
+                <a:ea typeface="+mn-ea"/>
+                <a:cs typeface="+mn-cs"/>
+              </a:rPr>
+              <a:t>3</a:t>
+            </a:r>
+            <a:r>
+              <a:rPr lang="fr-FR" dirty="0"/>
+              <a:t> </a:t>
+            </a:r>
+            <a:r>
+              <a:rPr lang="fr-FR" sz="1200" b="0" i="0" u="none" strike="noStrike" kern="1200" dirty="0">
+                <a:solidFill>
+                  <a:schemeClr val="tx1"/>
+                </a:solidFill>
+                <a:effectLst/>
+                <a:latin typeface="+mn-lt"/>
+                <a:ea typeface="+mn-ea"/>
+                <a:cs typeface="+mn-cs"/>
+              </a:rPr>
+              <a:t>Personne morale de droit étranger</a:t>
+            </a:r>
+            <a:r>
+              <a:rPr lang="fr-FR" dirty="0"/>
+              <a:t> </a:t>
+            </a:r>
+          </a:p>
+          <a:p>
+            <a:r>
+              <a:rPr lang="fr-FR" sz="1200" b="0" i="0" u="none" strike="noStrike" kern="1200" dirty="0">
+                <a:solidFill>
+                  <a:schemeClr val="tx1"/>
+                </a:solidFill>
+                <a:effectLst/>
+                <a:latin typeface="+mn-lt"/>
+                <a:ea typeface="+mn-ea"/>
+                <a:cs typeface="+mn-cs"/>
+              </a:rPr>
+              <a:t>4</a:t>
+            </a:r>
+            <a:r>
+              <a:rPr lang="fr-FR" dirty="0"/>
+              <a:t> </a:t>
+            </a:r>
+            <a:r>
+              <a:rPr lang="fr-FR" sz="1200" b="0" i="0" u="none" strike="noStrike" kern="1200" dirty="0">
+                <a:solidFill>
+                  <a:schemeClr val="tx1"/>
+                </a:solidFill>
+                <a:effectLst/>
+                <a:latin typeface="+mn-lt"/>
+                <a:ea typeface="+mn-ea"/>
+                <a:cs typeface="+mn-cs"/>
+              </a:rPr>
+              <a:t>Personne morale de droit public soumise au droit commercial</a:t>
+            </a:r>
+            <a:r>
+              <a:rPr lang="fr-FR" dirty="0"/>
+              <a:t> </a:t>
+            </a:r>
+          </a:p>
+          <a:p>
+            <a:r>
+              <a:rPr lang="fr-FR" sz="1200" b="0" i="0" u="none" strike="noStrike" kern="1200" dirty="0">
+                <a:solidFill>
+                  <a:schemeClr val="tx1"/>
+                </a:solidFill>
+                <a:effectLst/>
+                <a:latin typeface="+mn-lt"/>
+                <a:ea typeface="+mn-ea"/>
+                <a:cs typeface="+mn-cs"/>
+              </a:rPr>
+              <a:t>5</a:t>
+            </a:r>
+            <a:r>
+              <a:rPr lang="fr-FR" dirty="0"/>
+              <a:t> </a:t>
+            </a:r>
+            <a:r>
+              <a:rPr lang="fr-FR" sz="1200" b="0" i="0" u="none" strike="noStrike" kern="1200" dirty="0">
+                <a:solidFill>
+                  <a:schemeClr val="tx1"/>
+                </a:solidFill>
+                <a:effectLst/>
+                <a:latin typeface="+mn-lt"/>
+                <a:ea typeface="+mn-ea"/>
+                <a:cs typeface="+mn-cs"/>
+              </a:rPr>
+              <a:t>Société commerciale</a:t>
+            </a:r>
+            <a:r>
+              <a:rPr lang="fr-FR" dirty="0"/>
+              <a:t> </a:t>
+            </a:r>
+          </a:p>
+          <a:p>
+            <a:r>
+              <a:rPr lang="fr-FR" sz="1200" b="0" i="0" u="none" strike="noStrike" kern="1200" dirty="0">
+                <a:solidFill>
+                  <a:schemeClr val="tx1"/>
+                </a:solidFill>
+                <a:effectLst/>
+                <a:latin typeface="+mn-lt"/>
+                <a:ea typeface="+mn-ea"/>
+                <a:cs typeface="+mn-cs"/>
+              </a:rPr>
+              <a:t>6</a:t>
+            </a:r>
+            <a:r>
+              <a:rPr lang="fr-FR" dirty="0"/>
+              <a:t> </a:t>
+            </a:r>
+            <a:r>
+              <a:rPr lang="fr-FR" sz="1200" b="0" i="0" u="none" strike="noStrike" kern="1200" dirty="0">
+                <a:solidFill>
+                  <a:schemeClr val="tx1"/>
+                </a:solidFill>
+                <a:effectLst/>
+                <a:latin typeface="+mn-lt"/>
+                <a:ea typeface="+mn-ea"/>
+                <a:cs typeface="+mn-cs"/>
+              </a:rPr>
+              <a:t>Autre personne morale immatriculée au RCS</a:t>
+            </a:r>
+            <a:r>
+              <a:rPr lang="fr-FR" dirty="0"/>
+              <a:t> </a:t>
+            </a:r>
+          </a:p>
+          <a:p>
+            <a:r>
+              <a:rPr lang="fr-FR" sz="1200" b="0" i="0" u="none" strike="noStrike" kern="1200" dirty="0">
+                <a:solidFill>
+                  <a:schemeClr val="tx1"/>
+                </a:solidFill>
+                <a:effectLst/>
+                <a:latin typeface="+mn-lt"/>
+                <a:ea typeface="+mn-ea"/>
+                <a:cs typeface="+mn-cs"/>
+              </a:rPr>
+              <a:t>7</a:t>
+            </a:r>
+            <a:r>
+              <a:rPr lang="fr-FR" dirty="0"/>
+              <a:t> </a:t>
+            </a:r>
+            <a:r>
+              <a:rPr lang="fr-FR" sz="1200" b="0" i="0" u="none" strike="noStrike" kern="1200" dirty="0">
+                <a:solidFill>
+                  <a:schemeClr val="tx1"/>
+                </a:solidFill>
+                <a:effectLst/>
+                <a:latin typeface="+mn-lt"/>
+                <a:ea typeface="+mn-ea"/>
+                <a:cs typeface="+mn-cs"/>
+              </a:rPr>
+              <a:t>Personne morale et organisme soumis au droit administratif</a:t>
+            </a:r>
+            <a:r>
+              <a:rPr lang="fr-FR" dirty="0"/>
+              <a:t> </a:t>
+            </a:r>
+          </a:p>
+          <a:p>
+            <a:r>
+              <a:rPr lang="fr-FR" sz="1200" b="0" i="0" u="none" strike="noStrike" kern="1200" dirty="0">
+                <a:solidFill>
+                  <a:schemeClr val="tx1"/>
+                </a:solidFill>
+                <a:effectLst/>
+                <a:latin typeface="+mn-lt"/>
+                <a:ea typeface="+mn-ea"/>
+                <a:cs typeface="+mn-cs"/>
+              </a:rPr>
+              <a:t>8</a:t>
+            </a:r>
+            <a:r>
+              <a:rPr lang="fr-FR" dirty="0"/>
+              <a:t> </a:t>
+            </a:r>
+            <a:r>
+              <a:rPr lang="fr-FR" sz="1200" b="0" i="0" u="none" strike="noStrike" kern="1200" dirty="0">
+                <a:solidFill>
+                  <a:schemeClr val="tx1"/>
+                </a:solidFill>
+                <a:effectLst/>
+                <a:latin typeface="+mn-lt"/>
+                <a:ea typeface="+mn-ea"/>
+                <a:cs typeface="+mn-cs"/>
+              </a:rPr>
+              <a:t>Organisme privé spécialisé</a:t>
+            </a:r>
+            <a:r>
+              <a:rPr lang="fr-FR" dirty="0"/>
+              <a:t> </a:t>
+            </a:r>
+          </a:p>
+          <a:p>
+            <a:r>
+              <a:rPr lang="fr-FR" sz="1200" b="0" i="0" u="none" strike="noStrike" kern="1200" dirty="0">
+                <a:solidFill>
+                  <a:schemeClr val="tx1"/>
+                </a:solidFill>
+                <a:effectLst/>
+                <a:latin typeface="+mn-lt"/>
+                <a:ea typeface="+mn-ea"/>
+                <a:cs typeface="+mn-cs"/>
+              </a:rPr>
+              <a:t>9</a:t>
+            </a:r>
+            <a:r>
+              <a:rPr lang="fr-FR" dirty="0"/>
+              <a:t> </a:t>
+            </a:r>
+            <a:r>
+              <a:rPr lang="fr-FR" sz="1200" b="0" i="0" u="none" strike="noStrike" kern="1200" dirty="0">
+                <a:solidFill>
+                  <a:schemeClr val="tx1"/>
+                </a:solidFill>
+                <a:effectLst/>
+                <a:latin typeface="+mn-lt"/>
+                <a:ea typeface="+mn-ea"/>
+                <a:cs typeface="+mn-cs"/>
+              </a:rPr>
+              <a:t>Groupement de droit privé</a:t>
+            </a:r>
+            <a:r>
+              <a:rPr lang="fr-FR" dirty="0"/>
+              <a:t> </a:t>
             </a:r>
           </a:p>
         </p:txBody>
@@ -1933,7 +2211,7 @@
     </p:spTree>
     <p:extLst>
       <p:ext uri="{BB962C8B-B14F-4D97-AF65-F5344CB8AC3E}">
-        <p14:creationId xmlns:p14="http://schemas.microsoft.com/office/powerpoint/2010/main" val="947670805"/>
+        <p14:creationId xmlns:p14="http://schemas.microsoft.com/office/powerpoint/2010/main" val="1838796515"/>
       </p:ext>
     </p:extLst>
   </p:cSld>
@@ -1988,30 +2266,24 @@
           <a:lstStyle/>
           <a:p>
             <a:r>
-              <a:rPr lang="fr-FR" sz="1200" b="0" i="0" u="none" strike="noStrike" kern="1200" dirty="0" err="1">
-                <a:solidFill>
-                  <a:schemeClr val="tx1"/>
-                </a:solidFill>
-                <a:effectLst/>
-                <a:latin typeface="+mn-lt"/>
-                <a:ea typeface="+mn-ea"/>
-                <a:cs typeface="+mn-cs"/>
-              </a:rPr>
-              <a:t>Done</a:t>
-            </a:r>
-            <a:r>
-              <a:rPr lang="fr-FR" sz="1200" b="0" i="0" u="none" strike="noStrike" kern="1200" dirty="0">
-                <a:solidFill>
-                  <a:schemeClr val="tx1"/>
-                </a:solidFill>
-                <a:effectLst/>
-                <a:latin typeface="+mn-lt"/>
-                <a:ea typeface="+mn-ea"/>
-                <a:cs typeface="+mn-cs"/>
-              </a:rPr>
-              <a:t> in 3901s </a:t>
-            </a:r>
+              <a:rPr lang="fr-FR" dirty="0"/>
+              <a:t>TN | FP</a:t>
+            </a:r>
+          </a:p>
+          <a:p>
+            <a:r>
+              <a:rPr lang="fr-FR" dirty="0"/>
+              <a:t>FN | TP</a:t>
+            </a:r>
+          </a:p>
+          <a:p>
             <a:endParaRPr lang="fr-FR" dirty="0"/>
+          </a:p>
+          <a:p>
+            <a:r>
+              <a:rPr lang="fr-FR" dirty="0"/>
+              <a:t>Problème avec FP</a:t>
+            </a:r>
           </a:p>
         </p:txBody>
       </p:sp>
@@ -2038,7 +2310,7 @@
               <a:pPr>
                 <a:defRPr/>
               </a:pPr>
-              <a:t>20</a:t>
+              <a:t>17</a:t>
             </a:fld>
             <a:endParaRPr lang="fr-FR"/>
           </a:p>
@@ -2047,7 +2319,7 @@
     </p:spTree>
     <p:extLst>
       <p:ext uri="{BB962C8B-B14F-4D97-AF65-F5344CB8AC3E}">
-        <p14:creationId xmlns:p14="http://schemas.microsoft.com/office/powerpoint/2010/main" val="1524379260"/>
+        <p14:creationId xmlns:p14="http://schemas.microsoft.com/office/powerpoint/2010/main" val="754746972"/>
       </p:ext>
     </p:extLst>
   </p:cSld>
@@ -2103,13 +2375,31 @@
           <a:p>
             <a:r>
               <a:rPr lang="fr-FR" dirty="0"/>
-              <a:t>NBDF : contentieux judiciaire défendeur</a:t>
-            </a:r>
-          </a:p>
-          <a:p>
-            <a:r>
-              <a:rPr lang="fr-FR" dirty="0"/>
-              <a:t>NBDE : demandeur</a:t>
+              <a:t>Chiffres avec le jeu de test pour pouvoir comparer avec les modèles qui suivent</a:t>
+            </a:r>
+          </a:p>
+          <a:p>
+            <a:endParaRPr lang="fr-FR" dirty="0"/>
+          </a:p>
+          <a:p>
+            <a:r>
+              <a:rPr lang="fr-FR" dirty="0"/>
+              <a:t>TN | FP</a:t>
+            </a:r>
+          </a:p>
+          <a:p>
+            <a:r>
+              <a:rPr lang="fr-FR" dirty="0"/>
+              <a:t>FN | TP</a:t>
+            </a:r>
+          </a:p>
+          <a:p>
+            <a:endParaRPr lang="fr-FR" dirty="0"/>
+          </a:p>
+          <a:p>
+            <a:r>
+              <a:rPr lang="fr-FR" dirty="0"/>
+              <a:t>Problème avec FP</a:t>
             </a:r>
           </a:p>
         </p:txBody>
@@ -2137,7 +2427,7 @@
               <a:pPr>
                 <a:defRPr/>
               </a:pPr>
-              <a:t>23</a:t>
+              <a:t>18</a:t>
             </a:fld>
             <a:endParaRPr lang="fr-FR"/>
           </a:p>
@@ -2146,7 +2436,7 @@
     </p:spTree>
     <p:extLst>
       <p:ext uri="{BB962C8B-B14F-4D97-AF65-F5344CB8AC3E}">
-        <p14:creationId xmlns:p14="http://schemas.microsoft.com/office/powerpoint/2010/main" val="1811128982"/>
+        <p14:creationId xmlns:p14="http://schemas.microsoft.com/office/powerpoint/2010/main" val="947670805"/>
       </p:ext>
     </p:extLst>
   </p:cSld>
@@ -2200,10 +2490,7 @@
           <a:bodyPr/>
           <a:lstStyle/>
           <a:p>
-            <a:r>
-              <a:rPr lang="fr-FR" dirty="0"/>
-              <a:t>Grosse difficulté avec les faux positifs</a:t>
-            </a:r>
+            <a:endParaRPr lang="fr-FR" dirty="0"/>
           </a:p>
         </p:txBody>
       </p:sp>
@@ -2230,7 +2517,7 @@
               <a:pPr>
                 <a:defRPr/>
               </a:pPr>
-              <a:t>24</a:t>
+              <a:t>19</a:t>
             </a:fld>
             <a:endParaRPr lang="fr-FR"/>
           </a:p>
@@ -2239,7 +2526,7 @@
     </p:spTree>
     <p:extLst>
       <p:ext uri="{BB962C8B-B14F-4D97-AF65-F5344CB8AC3E}">
-        <p14:creationId xmlns:p14="http://schemas.microsoft.com/office/powerpoint/2010/main" val="3427289035"/>
+        <p14:creationId xmlns:p14="http://schemas.microsoft.com/office/powerpoint/2010/main" val="540322229"/>
       </p:ext>
     </p:extLst>
   </p:cSld>
@@ -2293,10 +2580,62 @@
           <a:bodyPr/>
           <a:lstStyle/>
           <a:p>
-            <a:r>
-              <a:rPr lang="fr-FR" dirty="0"/>
-              <a:t>Résultats biens moins bons</a:t>
-            </a:r>
+            <a:pPr marL="0" marR="0" lvl="0" indent="0" algn="l" defTabSz="914400" rtl="0" eaLnBrk="1" fontAlgn="base" latinLnBrk="0" hangingPunct="1">
+              <a:lnSpc>
+                <a:spcPct val="100000"/>
+              </a:lnSpc>
+              <a:spcBef>
+                <a:spcPct val="30000"/>
+              </a:spcBef>
+              <a:spcAft>
+                <a:spcPct val="0"/>
+              </a:spcAft>
+              <a:buClrTx/>
+              <a:buSzTx/>
+              <a:buFontTx/>
+              <a:buNone/>
+              <a:tabLst/>
+              <a:defRPr/>
+            </a:pPr>
+            <a:r>
+              <a:rPr lang="fr-FR" sz="1200" kern="1200" dirty="0">
+                <a:solidFill>
+                  <a:schemeClr val="tx1"/>
+                </a:solidFill>
+                <a:effectLst/>
+                <a:latin typeface="+mn-lt"/>
+                <a:ea typeface="+mn-ea"/>
+                <a:cs typeface="+mn-cs"/>
+              </a:rPr>
+              <a:t>La régression logistique donne vraiment un très bon résultat en terme d’AUC et de </a:t>
+            </a:r>
+            <a:r>
+              <a:rPr lang="fr-FR" sz="1200" kern="1200" dirty="0" err="1">
+                <a:solidFill>
+                  <a:schemeClr val="tx1"/>
+                </a:solidFill>
+                <a:effectLst/>
+                <a:latin typeface="+mn-lt"/>
+                <a:ea typeface="+mn-ea"/>
+                <a:cs typeface="+mn-cs"/>
+              </a:rPr>
+              <a:t>recall</a:t>
+            </a:r>
+            <a:r>
+              <a:rPr lang="fr-FR" sz="1200" kern="1200" dirty="0">
+                <a:solidFill>
+                  <a:schemeClr val="tx1"/>
+                </a:solidFill>
+                <a:effectLst/>
+                <a:latin typeface="+mn-lt"/>
+                <a:ea typeface="+mn-ea"/>
+                <a:cs typeface="+mn-cs"/>
+              </a:rPr>
+              <a:t>, en revanche et c’est peut-être le plus important la spécificité reste haute ce qui n’est pas un bon point pour la suite.</a:t>
+            </a:r>
+          </a:p>
+          <a:p>
+            <a:endParaRPr lang="fr-FR" dirty="0"/>
           </a:p>
         </p:txBody>
       </p:sp>
@@ -2323,7 +2662,7 @@
               <a:pPr>
                 <a:defRPr/>
               </a:pPr>
-              <a:t>25</a:t>
+              <a:t>21</a:t>
             </a:fld>
             <a:endParaRPr lang="fr-FR"/>
           </a:p>
@@ -2332,7 +2671,7 @@
     </p:spTree>
     <p:extLst>
       <p:ext uri="{BB962C8B-B14F-4D97-AF65-F5344CB8AC3E}">
-        <p14:creationId xmlns:p14="http://schemas.microsoft.com/office/powerpoint/2010/main" val="26895963"/>
+        <p14:creationId xmlns:p14="http://schemas.microsoft.com/office/powerpoint/2010/main" val="730025346"/>
       </p:ext>
     </p:extLst>
   </p:cSld>
@@ -2386,16 +2725,62 @@
           <a:bodyPr/>
           <a:lstStyle/>
           <a:p>
-            <a:r>
-              <a:rPr lang="fr-FR" dirty="0"/>
-              <a:t>NBDF : contentieux judiciaire défendeur</a:t>
-            </a:r>
-          </a:p>
-          <a:p>
-            <a:r>
-              <a:rPr lang="fr-FR" dirty="0"/>
-              <a:t>NBDE : demandeur</a:t>
-            </a:r>
+            <a:pPr marL="0" marR="0" lvl="0" indent="0" algn="l" defTabSz="914400" rtl="0" eaLnBrk="1" fontAlgn="base" latinLnBrk="0" hangingPunct="1">
+              <a:lnSpc>
+                <a:spcPct val="100000"/>
+              </a:lnSpc>
+              <a:spcBef>
+                <a:spcPct val="30000"/>
+              </a:spcBef>
+              <a:spcAft>
+                <a:spcPct val="0"/>
+              </a:spcAft>
+              <a:buClrTx/>
+              <a:buSzTx/>
+              <a:buFontTx/>
+              <a:buNone/>
+              <a:tabLst/>
+              <a:defRPr/>
+            </a:pPr>
+            <a:r>
+              <a:rPr lang="fr-FR" sz="1200" kern="1200" dirty="0">
+                <a:solidFill>
+                  <a:schemeClr val="tx1"/>
+                </a:solidFill>
+                <a:effectLst/>
+                <a:latin typeface="+mn-lt"/>
+                <a:ea typeface="+mn-ea"/>
+                <a:cs typeface="+mn-cs"/>
+              </a:rPr>
+              <a:t>Les extra </a:t>
+            </a:r>
+            <a:r>
+              <a:rPr lang="fr-FR" sz="1200" kern="1200" dirty="0" err="1">
+                <a:solidFill>
+                  <a:schemeClr val="tx1"/>
+                </a:solidFill>
+                <a:effectLst/>
+                <a:latin typeface="+mn-lt"/>
+                <a:ea typeface="+mn-ea"/>
+                <a:cs typeface="+mn-cs"/>
+              </a:rPr>
+              <a:t>trees</a:t>
+            </a:r>
+            <a:r>
+              <a:rPr lang="fr-FR" sz="1200" kern="1200" dirty="0">
+                <a:solidFill>
+                  <a:schemeClr val="tx1"/>
+                </a:solidFill>
+                <a:effectLst/>
+                <a:latin typeface="+mn-lt"/>
+                <a:ea typeface="+mn-ea"/>
+                <a:cs typeface="+mn-cs"/>
+              </a:rPr>
+              <a:t> montrent eux une AUC bien moins bonne mais un taux de faux positifs bien meilleur.</a:t>
+            </a:r>
+          </a:p>
+          <a:p>
+            <a:endParaRPr lang="fr-FR" dirty="0"/>
           </a:p>
         </p:txBody>
       </p:sp>
@@ -2422,7 +2807,7 @@
               <a:pPr>
                 <a:defRPr/>
               </a:pPr>
-              <a:t>26</a:t>
+              <a:t>22</a:t>
             </a:fld>
             <a:endParaRPr lang="fr-FR"/>
           </a:p>
@@ -2431,7 +2816,7 @@
     </p:spTree>
     <p:extLst>
       <p:ext uri="{BB962C8B-B14F-4D97-AF65-F5344CB8AC3E}">
-        <p14:creationId xmlns:p14="http://schemas.microsoft.com/office/powerpoint/2010/main" val="2227341956"/>
+        <p14:creationId xmlns:p14="http://schemas.microsoft.com/office/powerpoint/2010/main" val="1175516822"/>
       </p:ext>
     </p:extLst>
   </p:cSld>
@@ -2485,10 +2870,62 @@
           <a:bodyPr/>
           <a:lstStyle/>
           <a:p>
-            <a:r>
-              <a:rPr lang="fr-FR" dirty="0"/>
-              <a:t>On ne voit pas 2 nuages mais il y a quand même une distinction qui semble se faire entre les points en haut à gauche et les autres</a:t>
-            </a:r>
+            <a:pPr marL="0" marR="0" lvl="0" indent="0" algn="l" defTabSz="914400" rtl="0" eaLnBrk="1" fontAlgn="base" latinLnBrk="0" hangingPunct="1">
+              <a:lnSpc>
+                <a:spcPct val="100000"/>
+              </a:lnSpc>
+              <a:spcBef>
+                <a:spcPct val="30000"/>
+              </a:spcBef>
+              <a:spcAft>
+                <a:spcPct val="0"/>
+              </a:spcAft>
+              <a:buClrTx/>
+              <a:buSzTx/>
+              <a:buFontTx/>
+              <a:buNone/>
+              <a:tabLst/>
+              <a:defRPr/>
+            </a:pPr>
+            <a:r>
+              <a:rPr lang="fr-FR" sz="1200" kern="1200" dirty="0">
+                <a:solidFill>
+                  <a:schemeClr val="tx1"/>
+                </a:solidFill>
+                <a:effectLst/>
+                <a:latin typeface="+mn-lt"/>
+                <a:ea typeface="+mn-ea"/>
+                <a:cs typeface="+mn-cs"/>
+              </a:rPr>
+              <a:t>La régression logistique donne vraiment un très bon résultat en terme d’AUC et de </a:t>
+            </a:r>
+            <a:r>
+              <a:rPr lang="fr-FR" sz="1200" kern="1200" dirty="0" err="1">
+                <a:solidFill>
+                  <a:schemeClr val="tx1"/>
+                </a:solidFill>
+                <a:effectLst/>
+                <a:latin typeface="+mn-lt"/>
+                <a:ea typeface="+mn-ea"/>
+                <a:cs typeface="+mn-cs"/>
+              </a:rPr>
+              <a:t>recall</a:t>
+            </a:r>
+            <a:r>
+              <a:rPr lang="fr-FR" sz="1200" kern="1200" dirty="0">
+                <a:solidFill>
+                  <a:schemeClr val="tx1"/>
+                </a:solidFill>
+                <a:effectLst/>
+                <a:latin typeface="+mn-lt"/>
+                <a:ea typeface="+mn-ea"/>
+                <a:cs typeface="+mn-cs"/>
+              </a:rPr>
+              <a:t>, en revanche et c’est peut-être le plus important la spécificité reste haute ce qui n’est pas un bon point pour la suite.</a:t>
+            </a:r>
+          </a:p>
+          <a:p>
+            <a:endParaRPr lang="fr-FR" dirty="0"/>
           </a:p>
         </p:txBody>
       </p:sp>
@@ -2515,7 +2952,7 @@
               <a:pPr>
                 <a:defRPr/>
               </a:pPr>
-              <a:t>29</a:t>
+              <a:t>23</a:t>
             </a:fld>
             <a:endParaRPr lang="fr-FR"/>
           </a:p>
@@ -2524,7 +2961,7 @@
     </p:spTree>
     <p:extLst>
       <p:ext uri="{BB962C8B-B14F-4D97-AF65-F5344CB8AC3E}">
-        <p14:creationId xmlns:p14="http://schemas.microsoft.com/office/powerpoint/2010/main" val="3288358195"/>
+        <p14:creationId xmlns:p14="http://schemas.microsoft.com/office/powerpoint/2010/main" val="1524379260"/>
       </p:ext>
     </p:extLst>
   </p:cSld>
@@ -2578,7 +3015,46 @@
           <a:bodyPr/>
           <a:lstStyle/>
           <a:p>
-            <a:endParaRPr lang="fr-FR" dirty="0"/>
+            <a:r>
+              <a:rPr lang="fr-FR" dirty="0"/>
+              <a:t>1 nos modèles sont au-dessus des résultats du score actuel</a:t>
+            </a:r>
+          </a:p>
+          <a:p>
+            <a:r>
+              <a:rPr lang="fr-FR" dirty="0"/>
+              <a:t>2 </a:t>
+            </a:r>
+            <a:r>
+              <a:rPr lang="fr-FR" dirty="0" err="1"/>
+              <a:t>ExtraTree</a:t>
+            </a:r>
+            <a:r>
+              <a:rPr lang="fr-FR" dirty="0"/>
+              <a:t> bien en dessous des 2 autres</a:t>
+            </a:r>
+          </a:p>
+          <a:p>
+            <a:r>
+              <a:rPr lang="fr-FR" dirty="0"/>
+              <a:t>3 Egalité entre </a:t>
+            </a:r>
+            <a:r>
+              <a:rPr lang="fr-FR" dirty="0" err="1"/>
+              <a:t>RandomForest</a:t>
+            </a:r>
+            <a:r>
+              <a:rPr lang="fr-FR" dirty="0"/>
+              <a:t> et </a:t>
+            </a:r>
+            <a:r>
+              <a:rPr lang="fr-FR" dirty="0" err="1"/>
+              <a:t>Logistic</a:t>
+            </a:r>
+            <a:r>
+              <a:rPr lang="fr-FR" dirty="0"/>
+              <a:t> Régression</a:t>
+            </a:r>
           </a:p>
         </p:txBody>
       </p:sp>
@@ -2605,7 +3081,7 @@
               <a:pPr>
                 <a:defRPr/>
               </a:pPr>
-              <a:t>30</a:t>
+              <a:t>25</a:t>
             </a:fld>
             <a:endParaRPr lang="fr-FR"/>
           </a:p>
@@ -2614,7 +3090,7 @@
     </p:spTree>
     <p:extLst>
       <p:ext uri="{BB962C8B-B14F-4D97-AF65-F5344CB8AC3E}">
-        <p14:creationId xmlns:p14="http://schemas.microsoft.com/office/powerpoint/2010/main" val="330445904"/>
+        <p14:creationId xmlns:p14="http://schemas.microsoft.com/office/powerpoint/2010/main" val="4155785513"/>
       </p:ext>
     </p:extLst>
   </p:cSld>
@@ -2668,6 +3144,109 @@
           <a:bodyPr/>
           <a:lstStyle/>
           <a:p>
+            <a:pPr marL="0" marR="0" lvl="0" indent="0" algn="l" defTabSz="914400" rtl="0" eaLnBrk="1" fontAlgn="base" latinLnBrk="0" hangingPunct="1">
+              <a:lnSpc>
+                <a:spcPct val="100000"/>
+              </a:lnSpc>
+              <a:spcBef>
+                <a:spcPct val="30000"/>
+              </a:spcBef>
+              <a:spcAft>
+                <a:spcPct val="0"/>
+              </a:spcAft>
+              <a:buClrTx/>
+              <a:buSzTx/>
+              <a:buFontTx/>
+              <a:buNone/>
+              <a:tabLst/>
+              <a:defRPr/>
+            </a:pPr>
+            <a:r>
+              <a:rPr lang="fr-FR" sz="1200" kern="1200" dirty="0">
+                <a:solidFill>
+                  <a:schemeClr val="tx1"/>
+                </a:solidFill>
+                <a:effectLst/>
+                <a:latin typeface="+mn-lt"/>
+                <a:ea typeface="+mn-ea"/>
+                <a:cs typeface="+mn-cs"/>
+              </a:rPr>
+              <a:t>pour une AUC équivalente, et sachant que la taille du modèle n’est pas une contrainte contrairement au temps de calcul, la </a:t>
+            </a:r>
+            <a:r>
+              <a:rPr lang="fr-FR" sz="1200" kern="1200" dirty="0" err="1">
+                <a:solidFill>
+                  <a:schemeClr val="tx1"/>
+                </a:solidFill>
+                <a:effectLst/>
+                <a:latin typeface="+mn-lt"/>
+                <a:ea typeface="+mn-ea"/>
+                <a:cs typeface="+mn-cs"/>
+              </a:rPr>
+              <a:t>random</a:t>
+            </a:r>
+            <a:r>
+              <a:rPr lang="fr-FR" sz="1200" kern="1200" dirty="0">
+                <a:solidFill>
+                  <a:schemeClr val="tx1"/>
+                </a:solidFill>
+                <a:effectLst/>
+                <a:latin typeface="+mn-lt"/>
+                <a:ea typeface="+mn-ea"/>
+                <a:cs typeface="+mn-cs"/>
+              </a:rPr>
+              <a:t> </a:t>
+            </a:r>
+            <a:r>
+              <a:rPr lang="fr-FR" sz="1200" kern="1200" dirty="0" err="1">
+                <a:solidFill>
+                  <a:schemeClr val="tx1"/>
+                </a:solidFill>
+                <a:effectLst/>
+                <a:latin typeface="+mn-lt"/>
+                <a:ea typeface="+mn-ea"/>
+                <a:cs typeface="+mn-cs"/>
+              </a:rPr>
+              <a:t>forest</a:t>
+            </a:r>
+            <a:r>
+              <a:rPr lang="fr-FR" sz="1200" kern="1200" dirty="0">
+                <a:solidFill>
+                  <a:schemeClr val="tx1"/>
+                </a:solidFill>
+                <a:effectLst/>
+                <a:latin typeface="+mn-lt"/>
+                <a:ea typeface="+mn-ea"/>
+                <a:cs typeface="+mn-cs"/>
+              </a:rPr>
+              <a:t> l’emporte sur la régression logistique, d’autant que son </a:t>
+            </a:r>
+            <a:r>
+              <a:rPr lang="fr-FR" sz="1200" kern="1200" dirty="0" err="1">
+                <a:solidFill>
+                  <a:schemeClr val="tx1"/>
+                </a:solidFill>
+                <a:effectLst/>
+                <a:latin typeface="+mn-lt"/>
+                <a:ea typeface="+mn-ea"/>
+                <a:cs typeface="+mn-cs"/>
+              </a:rPr>
+              <a:t>recall</a:t>
+            </a:r>
+            <a:r>
+              <a:rPr lang="fr-FR" sz="1200" kern="1200" dirty="0">
+                <a:solidFill>
+                  <a:schemeClr val="tx1"/>
+                </a:solidFill>
+                <a:effectLst/>
+                <a:latin typeface="+mn-lt"/>
+                <a:ea typeface="+mn-ea"/>
+                <a:cs typeface="+mn-cs"/>
+              </a:rPr>
+              <a:t> est aussi meilleur.</a:t>
+            </a:r>
+          </a:p>
+          <a:p>
             <a:endParaRPr lang="fr-FR" dirty="0"/>
           </a:p>
         </p:txBody>
@@ -2695,7 +3274,7 @@
               <a:pPr>
                 <a:defRPr/>
               </a:pPr>
-              <a:t>33</a:t>
+              <a:t>26</a:t>
             </a:fld>
             <a:endParaRPr lang="fr-FR"/>
           </a:p>
@@ -2704,7 +3283,7 @@
     </p:spTree>
     <p:extLst>
       <p:ext uri="{BB962C8B-B14F-4D97-AF65-F5344CB8AC3E}">
-        <p14:creationId xmlns:p14="http://schemas.microsoft.com/office/powerpoint/2010/main" val="507417155"/>
+        <p14:creationId xmlns:p14="http://schemas.microsoft.com/office/powerpoint/2010/main" val="2483814112"/>
       </p:ext>
     </p:extLst>
   </p:cSld>
@@ -2758,7 +3337,16 @@
           <a:bodyPr/>
           <a:lstStyle/>
           <a:p>
-            <a:endParaRPr lang="fr-FR" dirty="0"/>
+            <a:r>
+              <a:rPr lang="fr-FR" dirty="0"/>
+              <a:t>NBDF : contentieux judiciaire défendeur</a:t>
+            </a:r>
+          </a:p>
+          <a:p>
+            <a:r>
+              <a:rPr lang="fr-FR" dirty="0"/>
+              <a:t>NBDE : demandeur</a:t>
+            </a:r>
           </a:p>
         </p:txBody>
       </p:sp>
@@ -2785,7 +3373,7 @@
               <a:pPr>
                 <a:defRPr/>
               </a:pPr>
-              <a:t>34</a:t>
+              <a:t>27</a:t>
             </a:fld>
             <a:endParaRPr lang="fr-FR"/>
           </a:p>
@@ -2794,7 +3382,7 @@
     </p:spTree>
     <p:extLst>
       <p:ext uri="{BB962C8B-B14F-4D97-AF65-F5344CB8AC3E}">
-        <p14:creationId xmlns:p14="http://schemas.microsoft.com/office/powerpoint/2010/main" val="1713022703"/>
+        <p14:creationId xmlns:p14="http://schemas.microsoft.com/office/powerpoint/2010/main" val="1811128982"/>
       </p:ext>
     </p:extLst>
   </p:cSld>
@@ -2938,6 +3526,619 @@
           <a:bodyPr/>
           <a:lstStyle/>
           <a:p>
+            <a:r>
+              <a:rPr lang="fr-FR" dirty="0"/>
+              <a:t>Grosse difficulté avec les faux positifs</a:t>
+            </a:r>
+          </a:p>
+        </p:txBody>
+      </p:sp>
+      <p:sp>
+        <p:nvSpPr>
+          <p:cNvPr id="4" name="Espace réservé du numéro de diapositive 3"/>
+          <p:cNvSpPr>
+            <a:spLocks noGrp="1"/>
+          </p:cNvSpPr>
+          <p:nvPr>
+            <p:ph type="sldNum" sz="quarter" idx="10"/>
+          </p:nvPr>
+        </p:nvSpPr>
+        <p:spPr/>
+        <p:txBody>
+          <a:bodyPr/>
+          <a:lstStyle/>
+          <a:p>
+            <a:pPr>
+              <a:defRPr/>
+            </a:pPr>
+            <a:fld id="{CC32C800-F1EC-4563-A4CB-7BFB6B498BC5}" type="slidenum">
+              <a:rPr lang="fr-FR" smtClean="0"/>
+              <a:pPr>
+                <a:defRPr/>
+              </a:pPr>
+              <a:t>28</a:t>
+            </a:fld>
+            <a:endParaRPr lang="fr-FR"/>
+          </a:p>
+        </p:txBody>
+      </p:sp>
+    </p:spTree>
+    <p:extLst>
+      <p:ext uri="{BB962C8B-B14F-4D97-AF65-F5344CB8AC3E}">
+        <p14:creationId xmlns:p14="http://schemas.microsoft.com/office/powerpoint/2010/main" val="3427289035"/>
+      </p:ext>
+    </p:extLst>
+  </p:cSld>
+  <p:clrMapOvr>
+    <a:masterClrMapping/>
+  </p:clrMapOvr>
+</p:notes>
+</file>
+
+<file path=ppt/notesSlides/notesSlide21.xml><?xml version="1.0" encoding="utf-8"?>
+<p:notes xmlns:a="http://schemas.openxmlformats.org/drawingml/2006/main" xmlns:r="http://schemas.openxmlformats.org/officeDocument/2006/relationships" xmlns:p="http://schemas.openxmlformats.org/presentationml/2006/main">
+  <p:cSld>
+    <p:spTree>
+      <p:nvGrpSpPr>
+        <p:cNvPr id="1" name=""/>
+        <p:cNvGrpSpPr/>
+        <p:nvPr/>
+      </p:nvGrpSpPr>
+      <p:grpSpPr>
+        <a:xfrm>
+          <a:off x="0" y="0"/>
+          <a:ext cx="0" cy="0"/>
+          <a:chOff x="0" y="0"/>
+          <a:chExt cx="0" cy="0"/>
+        </a:xfrm>
+      </p:grpSpPr>
+      <p:sp>
+        <p:nvSpPr>
+          <p:cNvPr id="2" name="Espace réservé de l'image des diapositives 1"/>
+          <p:cNvSpPr>
+            <a:spLocks noGrp="1" noRot="1" noChangeAspect="1"/>
+          </p:cNvSpPr>
+          <p:nvPr>
+            <p:ph type="sldImg"/>
+          </p:nvPr>
+        </p:nvSpPr>
+        <p:spPr/>
+      </p:sp>
+      <p:sp>
+        <p:nvSpPr>
+          <p:cNvPr id="3" name="Espace réservé des notes 2"/>
+          <p:cNvSpPr>
+            <a:spLocks noGrp="1"/>
+          </p:cNvSpPr>
+          <p:nvPr>
+            <p:ph type="body" idx="1"/>
+          </p:nvPr>
+        </p:nvSpPr>
+        <p:spPr/>
+        <p:txBody>
+          <a:bodyPr/>
+          <a:lstStyle/>
+          <a:p>
+            <a:r>
+              <a:rPr lang="fr-FR" dirty="0"/>
+              <a:t>On ne voit pas 2 nuages mais il y a quand même une distinction qui semble se faire entre les points en haut à gauche et les autres</a:t>
+            </a:r>
+          </a:p>
+        </p:txBody>
+      </p:sp>
+      <p:sp>
+        <p:nvSpPr>
+          <p:cNvPr id="4" name="Espace réservé du numéro de diapositive 3"/>
+          <p:cNvSpPr>
+            <a:spLocks noGrp="1"/>
+          </p:cNvSpPr>
+          <p:nvPr>
+            <p:ph type="sldNum" sz="quarter" idx="10"/>
+          </p:nvPr>
+        </p:nvSpPr>
+        <p:spPr/>
+        <p:txBody>
+          <a:bodyPr/>
+          <a:lstStyle/>
+          <a:p>
+            <a:pPr>
+              <a:defRPr/>
+            </a:pPr>
+            <a:fld id="{CC32C800-F1EC-4563-A4CB-7BFB6B498BC5}" type="slidenum">
+              <a:rPr lang="fr-FR" smtClean="0"/>
+              <a:pPr>
+                <a:defRPr/>
+              </a:pPr>
+              <a:t>31</a:t>
+            </a:fld>
+            <a:endParaRPr lang="fr-FR"/>
+          </a:p>
+        </p:txBody>
+      </p:sp>
+    </p:spTree>
+    <p:extLst>
+      <p:ext uri="{BB962C8B-B14F-4D97-AF65-F5344CB8AC3E}">
+        <p14:creationId xmlns:p14="http://schemas.microsoft.com/office/powerpoint/2010/main" val="3288358195"/>
+      </p:ext>
+    </p:extLst>
+  </p:cSld>
+  <p:clrMapOvr>
+    <a:masterClrMapping/>
+  </p:clrMapOvr>
+</p:notes>
+</file>
+
+<file path=ppt/notesSlides/notesSlide22.xml><?xml version="1.0" encoding="utf-8"?>
+<p:notes xmlns:a="http://schemas.openxmlformats.org/drawingml/2006/main" xmlns:r="http://schemas.openxmlformats.org/officeDocument/2006/relationships" xmlns:p="http://schemas.openxmlformats.org/presentationml/2006/main">
+  <p:cSld>
+    <p:spTree>
+      <p:nvGrpSpPr>
+        <p:cNvPr id="1" name=""/>
+        <p:cNvGrpSpPr/>
+        <p:nvPr/>
+      </p:nvGrpSpPr>
+      <p:grpSpPr>
+        <a:xfrm>
+          <a:off x="0" y="0"/>
+          <a:ext cx="0" cy="0"/>
+          <a:chOff x="0" y="0"/>
+          <a:chExt cx="0" cy="0"/>
+        </a:xfrm>
+      </p:grpSpPr>
+      <p:sp>
+        <p:nvSpPr>
+          <p:cNvPr id="2" name="Espace réservé de l'image des diapositives 1"/>
+          <p:cNvSpPr>
+            <a:spLocks noGrp="1" noRot="1" noChangeAspect="1"/>
+          </p:cNvSpPr>
+          <p:nvPr>
+            <p:ph type="sldImg"/>
+          </p:nvPr>
+        </p:nvSpPr>
+        <p:spPr/>
+      </p:sp>
+      <p:sp>
+        <p:nvSpPr>
+          <p:cNvPr id="3" name="Espace réservé des notes 2"/>
+          <p:cNvSpPr>
+            <a:spLocks noGrp="1"/>
+          </p:cNvSpPr>
+          <p:nvPr>
+            <p:ph type="body" idx="1"/>
+          </p:nvPr>
+        </p:nvSpPr>
+        <p:spPr/>
+        <p:txBody>
+          <a:bodyPr/>
+          <a:lstStyle/>
+          <a:p>
+            <a:endParaRPr lang="fr-FR" dirty="0"/>
+          </a:p>
+        </p:txBody>
+      </p:sp>
+      <p:sp>
+        <p:nvSpPr>
+          <p:cNvPr id="4" name="Espace réservé du numéro de diapositive 3"/>
+          <p:cNvSpPr>
+            <a:spLocks noGrp="1"/>
+          </p:cNvSpPr>
+          <p:nvPr>
+            <p:ph type="sldNum" sz="quarter" idx="10"/>
+          </p:nvPr>
+        </p:nvSpPr>
+        <p:spPr/>
+        <p:txBody>
+          <a:bodyPr/>
+          <a:lstStyle/>
+          <a:p>
+            <a:pPr>
+              <a:defRPr/>
+            </a:pPr>
+            <a:fld id="{CC32C800-F1EC-4563-A4CB-7BFB6B498BC5}" type="slidenum">
+              <a:rPr lang="fr-FR" smtClean="0"/>
+              <a:pPr>
+                <a:defRPr/>
+              </a:pPr>
+              <a:t>32</a:t>
+            </a:fld>
+            <a:endParaRPr lang="fr-FR"/>
+          </a:p>
+        </p:txBody>
+      </p:sp>
+    </p:spTree>
+    <p:extLst>
+      <p:ext uri="{BB962C8B-B14F-4D97-AF65-F5344CB8AC3E}">
+        <p14:creationId xmlns:p14="http://schemas.microsoft.com/office/powerpoint/2010/main" val="330445904"/>
+      </p:ext>
+    </p:extLst>
+  </p:cSld>
+  <p:clrMapOvr>
+    <a:masterClrMapping/>
+  </p:clrMapOvr>
+</p:notes>
+</file>
+
+<file path=ppt/notesSlides/notesSlide23.xml><?xml version="1.0" encoding="utf-8"?>
+<p:notes xmlns:a="http://schemas.openxmlformats.org/drawingml/2006/main" xmlns:r="http://schemas.openxmlformats.org/officeDocument/2006/relationships" xmlns:p="http://schemas.openxmlformats.org/presentationml/2006/main">
+  <p:cSld>
+    <p:spTree>
+      <p:nvGrpSpPr>
+        <p:cNvPr id="1" name=""/>
+        <p:cNvGrpSpPr/>
+        <p:nvPr/>
+      </p:nvGrpSpPr>
+      <p:grpSpPr>
+        <a:xfrm>
+          <a:off x="0" y="0"/>
+          <a:ext cx="0" cy="0"/>
+          <a:chOff x="0" y="0"/>
+          <a:chExt cx="0" cy="0"/>
+        </a:xfrm>
+      </p:grpSpPr>
+      <p:sp>
+        <p:nvSpPr>
+          <p:cNvPr id="2" name="Espace réservé de l'image des diapositives 1"/>
+          <p:cNvSpPr>
+            <a:spLocks noGrp="1" noRot="1" noChangeAspect="1"/>
+          </p:cNvSpPr>
+          <p:nvPr>
+            <p:ph type="sldImg"/>
+          </p:nvPr>
+        </p:nvSpPr>
+        <p:spPr/>
+      </p:sp>
+      <p:sp>
+        <p:nvSpPr>
+          <p:cNvPr id="3" name="Espace réservé des notes 2"/>
+          <p:cNvSpPr>
+            <a:spLocks noGrp="1"/>
+          </p:cNvSpPr>
+          <p:nvPr>
+            <p:ph type="body" idx="1"/>
+          </p:nvPr>
+        </p:nvSpPr>
+        <p:spPr/>
+        <p:txBody>
+          <a:bodyPr/>
+          <a:lstStyle/>
+          <a:p>
+            <a:endParaRPr lang="fr-FR" dirty="0"/>
+          </a:p>
+        </p:txBody>
+      </p:sp>
+      <p:sp>
+        <p:nvSpPr>
+          <p:cNvPr id="4" name="Espace réservé du numéro de diapositive 3"/>
+          <p:cNvSpPr>
+            <a:spLocks noGrp="1"/>
+          </p:cNvSpPr>
+          <p:nvPr>
+            <p:ph type="sldNum" sz="quarter" idx="10"/>
+          </p:nvPr>
+        </p:nvSpPr>
+        <p:spPr/>
+        <p:txBody>
+          <a:bodyPr/>
+          <a:lstStyle/>
+          <a:p>
+            <a:pPr>
+              <a:defRPr/>
+            </a:pPr>
+            <a:fld id="{CC32C800-F1EC-4563-A4CB-7BFB6B498BC5}" type="slidenum">
+              <a:rPr lang="fr-FR" smtClean="0"/>
+              <a:pPr>
+                <a:defRPr/>
+              </a:pPr>
+              <a:t>33</a:t>
+            </a:fld>
+            <a:endParaRPr lang="fr-FR"/>
+          </a:p>
+        </p:txBody>
+      </p:sp>
+    </p:spTree>
+    <p:extLst>
+      <p:ext uri="{BB962C8B-B14F-4D97-AF65-F5344CB8AC3E}">
+        <p14:creationId xmlns:p14="http://schemas.microsoft.com/office/powerpoint/2010/main" val="3676612126"/>
+      </p:ext>
+    </p:extLst>
+  </p:cSld>
+  <p:clrMapOvr>
+    <a:masterClrMapping/>
+  </p:clrMapOvr>
+</p:notes>
+</file>
+
+<file path=ppt/notesSlides/notesSlide24.xml><?xml version="1.0" encoding="utf-8"?>
+<p:notes xmlns:a="http://schemas.openxmlformats.org/drawingml/2006/main" xmlns:r="http://schemas.openxmlformats.org/officeDocument/2006/relationships" xmlns:p="http://schemas.openxmlformats.org/presentationml/2006/main">
+  <p:cSld>
+    <p:spTree>
+      <p:nvGrpSpPr>
+        <p:cNvPr id="1" name=""/>
+        <p:cNvGrpSpPr/>
+        <p:nvPr/>
+      </p:nvGrpSpPr>
+      <p:grpSpPr>
+        <a:xfrm>
+          <a:off x="0" y="0"/>
+          <a:ext cx="0" cy="0"/>
+          <a:chOff x="0" y="0"/>
+          <a:chExt cx="0" cy="0"/>
+        </a:xfrm>
+      </p:grpSpPr>
+      <p:sp>
+        <p:nvSpPr>
+          <p:cNvPr id="2" name="Espace réservé de l'image des diapositives 1"/>
+          <p:cNvSpPr>
+            <a:spLocks noGrp="1" noRot="1" noChangeAspect="1"/>
+          </p:cNvSpPr>
+          <p:nvPr>
+            <p:ph type="sldImg"/>
+          </p:nvPr>
+        </p:nvSpPr>
+        <p:spPr/>
+      </p:sp>
+      <p:sp>
+        <p:nvSpPr>
+          <p:cNvPr id="3" name="Espace réservé des notes 2"/>
+          <p:cNvSpPr>
+            <a:spLocks noGrp="1"/>
+          </p:cNvSpPr>
+          <p:nvPr>
+            <p:ph type="body" idx="1"/>
+          </p:nvPr>
+        </p:nvSpPr>
+        <p:spPr/>
+        <p:txBody>
+          <a:bodyPr/>
+          <a:lstStyle/>
+          <a:p>
+            <a:r>
+              <a:rPr lang="fr-FR" sz="1200" kern="1200" dirty="0">
+                <a:solidFill>
+                  <a:schemeClr val="tx1"/>
+                </a:solidFill>
+                <a:effectLst/>
+                <a:latin typeface="+mn-lt"/>
+                <a:ea typeface="+mn-ea"/>
+                <a:cs typeface="+mn-cs"/>
+              </a:rPr>
+              <a:t>On peut maintenant utiliser le modèle qu’on vient de définir pour donner une note actuelle à nos entreprises. En effet, en utilisant les probabilités sur la prédiction que nous donne notre modèle il est aisé de rapporter les résultats sur une note sur 20.</a:t>
+            </a:r>
+          </a:p>
+          <a:p>
+            <a:r>
+              <a:rPr lang="fr-FR" sz="1200" kern="1200" dirty="0">
+                <a:solidFill>
+                  <a:schemeClr val="tx1"/>
+                </a:solidFill>
+                <a:effectLst/>
+                <a:latin typeface="+mn-lt"/>
+                <a:ea typeface="+mn-ea"/>
+                <a:cs typeface="+mn-cs"/>
+              </a:rPr>
+              <a:t>On va donc pouvoir utiliser non seulement notre modèle sauvegardé mais aussi le </a:t>
+            </a:r>
+            <a:r>
+              <a:rPr lang="fr-FR" sz="1200" kern="1200" dirty="0" err="1">
+                <a:solidFill>
+                  <a:schemeClr val="tx1"/>
+                </a:solidFill>
+                <a:effectLst/>
+                <a:latin typeface="+mn-lt"/>
+                <a:ea typeface="+mn-ea"/>
+                <a:cs typeface="+mn-cs"/>
+              </a:rPr>
+              <a:t>scaler</a:t>
+            </a:r>
+            <a:r>
+              <a:rPr lang="fr-FR" sz="1200" kern="1200" dirty="0">
+                <a:solidFill>
+                  <a:schemeClr val="tx1"/>
+                </a:solidFill>
+                <a:effectLst/>
+                <a:latin typeface="+mn-lt"/>
+                <a:ea typeface="+mn-ea"/>
+                <a:cs typeface="+mn-cs"/>
+              </a:rPr>
+              <a:t> et la liste des catégories permettant la binarisation de nos données dans les mêmes dimensions que lors de l’entrainement de notre modèle.</a:t>
+            </a:r>
+          </a:p>
+          <a:p>
+            <a:r>
+              <a:rPr lang="fr-FR" sz="1200" kern="1200" dirty="0">
+                <a:solidFill>
+                  <a:schemeClr val="tx1"/>
+                </a:solidFill>
+                <a:effectLst/>
+                <a:latin typeface="+mn-lt"/>
+                <a:ea typeface="+mn-ea"/>
+                <a:cs typeface="+mn-cs"/>
+              </a:rPr>
+              <a:t>Il faut aussi se rappeler que pour entrainer le modèle on s’est positionné 12 mois dans le passé et ainsi comparer notre prédiction avec l’état actuel des entreprise.</a:t>
+            </a:r>
+          </a:p>
+          <a:p>
+            <a:r>
+              <a:rPr lang="fr-FR" sz="1200" kern="1200" dirty="0">
+                <a:solidFill>
+                  <a:schemeClr val="tx1"/>
+                </a:solidFill>
+                <a:effectLst/>
+                <a:latin typeface="+mn-lt"/>
+                <a:ea typeface="+mn-ea"/>
+                <a:cs typeface="+mn-cs"/>
+              </a:rPr>
+              <a:t>Ainsi pour effectuer une prédiction à 12 mois il va falloir adapter les </a:t>
+            </a:r>
+            <a:r>
+              <a:rPr lang="fr-FR" sz="1200" kern="1200" dirty="0" err="1">
+                <a:solidFill>
+                  <a:schemeClr val="tx1"/>
+                </a:solidFill>
+                <a:effectLst/>
+                <a:latin typeface="+mn-lt"/>
+                <a:ea typeface="+mn-ea"/>
+                <a:cs typeface="+mn-cs"/>
+              </a:rPr>
+              <a:t>features</a:t>
+            </a:r>
+            <a:r>
+              <a:rPr lang="fr-FR" sz="1200" kern="1200" dirty="0">
+                <a:solidFill>
+                  <a:schemeClr val="tx1"/>
+                </a:solidFill>
+                <a:effectLst/>
+                <a:latin typeface="+mn-lt"/>
+                <a:ea typeface="+mn-ea"/>
+                <a:cs typeface="+mn-cs"/>
+              </a:rPr>
+              <a:t> temporelles et faire le décalage adéquat pour s’intégrer à notre modèle.</a:t>
+            </a:r>
+          </a:p>
+          <a:p>
+            <a:endParaRPr lang="fr-FR" sz="1200" kern="1200" dirty="0">
+              <a:solidFill>
+                <a:schemeClr val="tx1"/>
+              </a:solidFill>
+              <a:effectLst/>
+              <a:latin typeface="+mn-lt"/>
+              <a:ea typeface="+mn-ea"/>
+              <a:cs typeface="+mn-cs"/>
+            </a:endParaRPr>
+          </a:p>
+          <a:p>
+            <a:r>
+              <a:rPr lang="fr-FR" sz="1200" kern="1200" dirty="0">
+                <a:solidFill>
+                  <a:schemeClr val="tx1"/>
+                </a:solidFill>
+                <a:effectLst/>
+                <a:latin typeface="+mn-lt"/>
+                <a:ea typeface="+mn-ea"/>
+                <a:cs typeface="+mn-cs"/>
+              </a:rPr>
+              <a:t>On constate une très grande majorité des notes proches de 20, c’est la transcription directe d’une forte probabilité de bonne santé de la majorité des entreprises. Il n’est pas si évident donc d’étaler le résultat d’une classification binaire sur une plage de note de 0 à 20. Mais en même temps cela reflète bien ce qu’on voulait, à savoir estimer si oui ou non une entreprise est assez solide pour passer l’année.</a:t>
+            </a:r>
+          </a:p>
+          <a:p>
+            <a:r>
+              <a:rPr lang="fr-FR" sz="1200" kern="1200" dirty="0">
+                <a:solidFill>
+                  <a:schemeClr val="tx1"/>
+                </a:solidFill>
+                <a:effectLst/>
+                <a:latin typeface="+mn-lt"/>
+                <a:ea typeface="+mn-ea"/>
+                <a:cs typeface="+mn-cs"/>
+              </a:rPr>
+              <a:t>On voit aussi deux autres groupes de notes, les notes quasi nulles pour lesquelles on prédit peu de chance à l’entreprise, mais aussi il y a tout un groupe de notes qui oscillent autour de la moyenne, c’est ici qu’on a de la marge pour régler l’algorithme, le seuil qu’on va choisir peut nous permettre d’améliorer ou le taux de faux positifs ou celui des faux négatifs.</a:t>
+            </a:r>
+          </a:p>
+          <a:p>
+            <a:r>
+              <a:rPr lang="fr-FR" sz="1200" kern="1200" dirty="0">
+                <a:solidFill>
+                  <a:schemeClr val="tx1"/>
+                </a:solidFill>
+                <a:effectLst/>
+                <a:latin typeface="+mn-lt"/>
+                <a:ea typeface="+mn-ea"/>
+                <a:cs typeface="+mn-cs"/>
+              </a:rPr>
+              <a:t>Il faudra voir avec les fonctionnels et peut-être aussi les clients si cette répartition leur va, sachant qu’on pourra toujours trouver un moyen d’étaler la répartition comme on veut</a:t>
+            </a:r>
+          </a:p>
+          <a:p>
+            <a:endParaRPr lang="fr-FR" dirty="0"/>
+          </a:p>
+        </p:txBody>
+      </p:sp>
+      <p:sp>
+        <p:nvSpPr>
+          <p:cNvPr id="4" name="Espace réservé du numéro de diapositive 3"/>
+          <p:cNvSpPr>
+            <a:spLocks noGrp="1"/>
+          </p:cNvSpPr>
+          <p:nvPr>
+            <p:ph type="sldNum" sz="quarter" idx="10"/>
+          </p:nvPr>
+        </p:nvSpPr>
+        <p:spPr/>
+        <p:txBody>
+          <a:bodyPr/>
+          <a:lstStyle/>
+          <a:p>
+            <a:pPr>
+              <a:defRPr/>
+            </a:pPr>
+            <a:fld id="{CC32C800-F1EC-4563-A4CB-7BFB6B498BC5}" type="slidenum">
+              <a:rPr lang="fr-FR" smtClean="0"/>
+              <a:pPr>
+                <a:defRPr/>
+              </a:pPr>
+              <a:t>34</a:t>
+            </a:fld>
+            <a:endParaRPr lang="fr-FR"/>
+          </a:p>
+        </p:txBody>
+      </p:sp>
+    </p:spTree>
+    <p:extLst>
+      <p:ext uri="{BB962C8B-B14F-4D97-AF65-F5344CB8AC3E}">
+        <p14:creationId xmlns:p14="http://schemas.microsoft.com/office/powerpoint/2010/main" val="2689624306"/>
+      </p:ext>
+    </p:extLst>
+  </p:cSld>
+  <p:clrMapOvr>
+    <a:masterClrMapping/>
+  </p:clrMapOvr>
+</p:notes>
+</file>
+
+<file path=ppt/notesSlides/notesSlide25.xml><?xml version="1.0" encoding="utf-8"?>
+<p:notes xmlns:a="http://schemas.openxmlformats.org/drawingml/2006/main" xmlns:r="http://schemas.openxmlformats.org/officeDocument/2006/relationships" xmlns:p="http://schemas.openxmlformats.org/presentationml/2006/main">
+  <p:cSld>
+    <p:spTree>
+      <p:nvGrpSpPr>
+        <p:cNvPr id="1" name=""/>
+        <p:cNvGrpSpPr/>
+        <p:nvPr/>
+      </p:nvGrpSpPr>
+      <p:grpSpPr>
+        <a:xfrm>
+          <a:off x="0" y="0"/>
+          <a:ext cx="0" cy="0"/>
+          <a:chOff x="0" y="0"/>
+          <a:chExt cx="0" cy="0"/>
+        </a:xfrm>
+      </p:grpSpPr>
+      <p:sp>
+        <p:nvSpPr>
+          <p:cNvPr id="2" name="Espace réservé de l'image des diapositives 1"/>
+          <p:cNvSpPr>
+            <a:spLocks noGrp="1" noRot="1" noChangeAspect="1"/>
+          </p:cNvSpPr>
+          <p:nvPr>
+            <p:ph type="sldImg"/>
+          </p:nvPr>
+        </p:nvSpPr>
+        <p:spPr/>
+      </p:sp>
+      <p:sp>
+        <p:nvSpPr>
+          <p:cNvPr id="3" name="Espace réservé des notes 2"/>
+          <p:cNvSpPr>
+            <a:spLocks noGrp="1"/>
+          </p:cNvSpPr>
+          <p:nvPr>
+            <p:ph type="body" idx="1"/>
+          </p:nvPr>
+        </p:nvSpPr>
+        <p:spPr/>
+        <p:txBody>
+          <a:bodyPr/>
+          <a:lstStyle/>
+          <a:p>
             <a:endParaRPr lang="fr-FR" dirty="0"/>
           </a:p>
         </p:txBody>
@@ -2966,6 +4167,254 @@
                 <a:defRPr/>
               </a:pPr>
               <a:t>35</a:t>
+            </a:fld>
+            <a:endParaRPr lang="fr-FR"/>
+          </a:p>
+        </p:txBody>
+      </p:sp>
+    </p:spTree>
+    <p:extLst>
+      <p:ext uri="{BB962C8B-B14F-4D97-AF65-F5344CB8AC3E}">
+        <p14:creationId xmlns:p14="http://schemas.microsoft.com/office/powerpoint/2010/main" val="1713022703"/>
+      </p:ext>
+    </p:extLst>
+  </p:cSld>
+  <p:clrMapOvr>
+    <a:masterClrMapping/>
+  </p:clrMapOvr>
+</p:notes>
+</file>
+
+<file path=ppt/notesSlides/notesSlide26.xml><?xml version="1.0" encoding="utf-8"?>
+<p:notes xmlns:a="http://schemas.openxmlformats.org/drawingml/2006/main" xmlns:r="http://schemas.openxmlformats.org/officeDocument/2006/relationships" xmlns:p="http://schemas.openxmlformats.org/presentationml/2006/main">
+  <p:cSld>
+    <p:spTree>
+      <p:nvGrpSpPr>
+        <p:cNvPr id="1" name=""/>
+        <p:cNvGrpSpPr/>
+        <p:nvPr/>
+      </p:nvGrpSpPr>
+      <p:grpSpPr>
+        <a:xfrm>
+          <a:off x="0" y="0"/>
+          <a:ext cx="0" cy="0"/>
+          <a:chOff x="0" y="0"/>
+          <a:chExt cx="0" cy="0"/>
+        </a:xfrm>
+      </p:grpSpPr>
+      <p:sp>
+        <p:nvSpPr>
+          <p:cNvPr id="2" name="Espace réservé de l'image des diapositives 1"/>
+          <p:cNvSpPr>
+            <a:spLocks noGrp="1" noRot="1" noChangeAspect="1"/>
+          </p:cNvSpPr>
+          <p:nvPr>
+            <p:ph type="sldImg"/>
+          </p:nvPr>
+        </p:nvSpPr>
+        <p:spPr/>
+      </p:sp>
+      <p:sp>
+        <p:nvSpPr>
+          <p:cNvPr id="3" name="Espace réservé des notes 2"/>
+          <p:cNvSpPr>
+            <a:spLocks noGrp="1"/>
+          </p:cNvSpPr>
+          <p:nvPr>
+            <p:ph type="body" idx="1"/>
+          </p:nvPr>
+        </p:nvSpPr>
+        <p:spPr/>
+        <p:txBody>
+          <a:bodyPr/>
+          <a:lstStyle/>
+          <a:p>
+            <a:r>
+              <a:rPr lang="fr-FR" dirty="0"/>
+              <a:t>Basic mais vrai : il y a ce qu’on apprend à l’école et ce qu’on fait  en entreprise</a:t>
+            </a:r>
+          </a:p>
+          <a:p>
+            <a:endParaRPr lang="fr-FR" dirty="0"/>
+          </a:p>
+          <a:p>
+            <a:r>
+              <a:rPr lang="fr-FR" dirty="0"/>
+              <a:t>Au final j’ai qd </a:t>
+            </a:r>
+            <a:r>
+              <a:rPr lang="fr-FR" dirty="0" err="1"/>
+              <a:t>meme</a:t>
+            </a:r>
+            <a:r>
+              <a:rPr lang="fr-FR" dirty="0"/>
+              <a:t> pu expliquer certaines parties</a:t>
+            </a:r>
+          </a:p>
+        </p:txBody>
+      </p:sp>
+      <p:sp>
+        <p:nvSpPr>
+          <p:cNvPr id="4" name="Espace réservé du numéro de diapositive 3"/>
+          <p:cNvSpPr>
+            <a:spLocks noGrp="1"/>
+          </p:cNvSpPr>
+          <p:nvPr>
+            <p:ph type="sldNum" sz="quarter" idx="10"/>
+          </p:nvPr>
+        </p:nvSpPr>
+        <p:spPr/>
+        <p:txBody>
+          <a:bodyPr/>
+          <a:lstStyle/>
+          <a:p>
+            <a:pPr>
+              <a:defRPr/>
+            </a:pPr>
+            <a:fld id="{CC32C800-F1EC-4563-A4CB-7BFB6B498BC5}" type="slidenum">
+              <a:rPr lang="fr-FR" smtClean="0"/>
+              <a:pPr>
+                <a:defRPr/>
+              </a:pPr>
+              <a:t>36</a:t>
+            </a:fld>
+            <a:endParaRPr lang="fr-FR"/>
+          </a:p>
+        </p:txBody>
+      </p:sp>
+    </p:spTree>
+    <p:extLst>
+      <p:ext uri="{BB962C8B-B14F-4D97-AF65-F5344CB8AC3E}">
+        <p14:creationId xmlns:p14="http://schemas.microsoft.com/office/powerpoint/2010/main" val="507417155"/>
+      </p:ext>
+    </p:extLst>
+  </p:cSld>
+  <p:clrMapOvr>
+    <a:masterClrMapping/>
+  </p:clrMapOvr>
+</p:notes>
+</file>
+
+<file path=ppt/notesSlides/notesSlide27.xml><?xml version="1.0" encoding="utf-8"?>
+<p:notes xmlns:a="http://schemas.openxmlformats.org/drawingml/2006/main" xmlns:r="http://schemas.openxmlformats.org/officeDocument/2006/relationships" xmlns:p="http://schemas.openxmlformats.org/presentationml/2006/main">
+  <p:cSld>
+    <p:spTree>
+      <p:nvGrpSpPr>
+        <p:cNvPr id="1" name=""/>
+        <p:cNvGrpSpPr/>
+        <p:nvPr/>
+      </p:nvGrpSpPr>
+      <p:grpSpPr>
+        <a:xfrm>
+          <a:off x="0" y="0"/>
+          <a:ext cx="0" cy="0"/>
+          <a:chOff x="0" y="0"/>
+          <a:chExt cx="0" cy="0"/>
+        </a:xfrm>
+      </p:grpSpPr>
+      <p:sp>
+        <p:nvSpPr>
+          <p:cNvPr id="2" name="Espace réservé de l'image des diapositives 1"/>
+          <p:cNvSpPr>
+            <a:spLocks noGrp="1" noRot="1" noChangeAspect="1"/>
+          </p:cNvSpPr>
+          <p:nvPr>
+            <p:ph type="sldImg"/>
+          </p:nvPr>
+        </p:nvSpPr>
+        <p:spPr/>
+      </p:sp>
+      <p:sp>
+        <p:nvSpPr>
+          <p:cNvPr id="3" name="Espace réservé des notes 2"/>
+          <p:cNvSpPr>
+            <a:spLocks noGrp="1"/>
+          </p:cNvSpPr>
+          <p:nvPr>
+            <p:ph type="body" idx="1"/>
+          </p:nvPr>
+        </p:nvSpPr>
+        <p:spPr/>
+        <p:txBody>
+          <a:bodyPr/>
+          <a:lstStyle/>
+          <a:p>
+            <a:r>
+              <a:rPr lang="fr-FR" sz="1200" kern="1200" dirty="0">
+                <a:solidFill>
+                  <a:schemeClr val="tx1"/>
+                </a:solidFill>
+                <a:effectLst/>
+                <a:latin typeface="+mn-lt"/>
+                <a:ea typeface="+mn-ea"/>
+                <a:cs typeface="+mn-cs"/>
+              </a:rPr>
+              <a:t>Merci à Alexandre </a:t>
+            </a:r>
+            <a:r>
+              <a:rPr lang="fr-FR" sz="1200" kern="1200" dirty="0" err="1">
+                <a:solidFill>
+                  <a:schemeClr val="tx1"/>
+                </a:solidFill>
+                <a:effectLst/>
+                <a:latin typeface="+mn-lt"/>
+                <a:ea typeface="+mn-ea"/>
+                <a:cs typeface="+mn-cs"/>
+              </a:rPr>
+              <a:t>Sidommo</a:t>
+            </a:r>
+            <a:r>
+              <a:rPr lang="fr-FR" sz="1200" kern="1200" dirty="0">
+                <a:solidFill>
+                  <a:schemeClr val="tx1"/>
+                </a:solidFill>
+                <a:effectLst/>
+                <a:latin typeface="+mn-lt"/>
+                <a:ea typeface="+mn-ea"/>
+                <a:cs typeface="+mn-cs"/>
+              </a:rPr>
+              <a:t> de m’avoir accueilli dans son entreprise, de m’avoir fait confiance et mis à ma disposition tous les moyens techniques nécessaires au bon déroulement de ce stage. Merci aussi à Benoit </a:t>
+            </a:r>
+            <a:r>
+              <a:rPr lang="fr-FR" sz="1200" kern="1200" dirty="0" err="1">
+                <a:solidFill>
+                  <a:schemeClr val="tx1"/>
+                </a:solidFill>
+                <a:effectLst/>
+                <a:latin typeface="+mn-lt"/>
+                <a:ea typeface="+mn-ea"/>
+                <a:cs typeface="+mn-cs"/>
+              </a:rPr>
+              <a:t>Genot</a:t>
+            </a:r>
+            <a:endParaRPr lang="fr-FR" dirty="0"/>
+          </a:p>
+        </p:txBody>
+      </p:sp>
+      <p:sp>
+        <p:nvSpPr>
+          <p:cNvPr id="4" name="Espace réservé du numéro de diapositive 3"/>
+          <p:cNvSpPr>
+            <a:spLocks noGrp="1"/>
+          </p:cNvSpPr>
+          <p:nvPr>
+            <p:ph type="sldNum" sz="quarter" idx="10"/>
+          </p:nvPr>
+        </p:nvSpPr>
+        <p:spPr/>
+        <p:txBody>
+          <a:bodyPr/>
+          <a:lstStyle/>
+          <a:p>
+            <a:pPr>
+              <a:defRPr/>
+            </a:pPr>
+            <a:fld id="{CC32C800-F1EC-4563-A4CB-7BFB6B498BC5}" type="slidenum">
+              <a:rPr lang="fr-FR" smtClean="0"/>
+              <a:pPr>
+                <a:defRPr/>
+              </a:pPr>
+              <a:t>37</a:t>
             </a:fld>
             <a:endParaRPr lang="fr-FR"/>
           </a:p>
@@ -3344,231 +4793,9 @@
           <a:lstStyle/>
           <a:p>
             <a:r>
-              <a:rPr lang="fr-FR" sz="1200" kern="1200" dirty="0">
-                <a:solidFill>
-                  <a:schemeClr val="tx1"/>
-                </a:solidFill>
-                <a:latin typeface="+mn-lt"/>
-                <a:ea typeface="+mn-ea"/>
-                <a:cs typeface="+mn-cs"/>
-              </a:rPr>
-              <a:t>Naf=</a:t>
-            </a:r>
-            <a:r>
-              <a:rPr lang="fr-FR" sz="1200" kern="1200" dirty="0" err="1">
-                <a:solidFill>
-                  <a:schemeClr val="tx1"/>
-                </a:solidFill>
-                <a:latin typeface="+mn-lt"/>
-                <a:ea typeface="+mn-ea"/>
-                <a:cs typeface="+mn-cs"/>
-              </a:rPr>
-              <a:t>ape_ent</a:t>
-            </a:r>
-            <a:endParaRPr lang="fr-FR" sz="1200" kern="1200" dirty="0">
-              <a:solidFill>
-                <a:schemeClr val="tx1"/>
-              </a:solidFill>
-              <a:latin typeface="+mn-lt"/>
-              <a:ea typeface="+mn-ea"/>
-              <a:cs typeface="+mn-cs"/>
-            </a:endParaRPr>
-          </a:p>
-          <a:p>
-            <a:r>
-              <a:rPr lang="fr-FR" sz="1200" kern="1200" dirty="0">
-                <a:solidFill>
-                  <a:schemeClr val="tx1"/>
-                </a:solidFill>
-                <a:latin typeface="+mn-lt"/>
-                <a:ea typeface="+mn-ea"/>
-                <a:cs typeface="+mn-cs"/>
-              </a:rPr>
-              <a:t>ACTIVNAT - Nature de l'activité de l'établissement </a:t>
-            </a:r>
-          </a:p>
-          <a:p>
-            <a:r>
-              <a:rPr lang="fr-FR" sz="1200" kern="1200" dirty="0">
-                <a:solidFill>
-                  <a:schemeClr val="tx1"/>
-                </a:solidFill>
-                <a:latin typeface="+mn-lt"/>
-                <a:ea typeface="+mn-ea"/>
-                <a:cs typeface="+mn-cs"/>
-              </a:rPr>
-              <a:t>MODET - Modalité de l'activité principale de l'établissement </a:t>
-            </a:r>
-          </a:p>
-          <a:p>
-            <a:r>
-              <a:rPr lang="fr-FR" sz="1200" kern="1200" dirty="0">
-                <a:solidFill>
-                  <a:schemeClr val="tx1"/>
-                </a:solidFill>
-                <a:latin typeface="+mn-lt"/>
-                <a:ea typeface="+mn-ea"/>
-                <a:cs typeface="+mn-cs"/>
-              </a:rPr>
-              <a:t>EXPLET - Établissement exploitant tout ou partie des moyens de production </a:t>
-            </a:r>
-          </a:p>
-          <a:p>
-            <a:r>
-              <a:rPr lang="fr-FR" sz="1200" kern="1200" dirty="0">
-                <a:solidFill>
-                  <a:schemeClr val="tx1"/>
-                </a:solidFill>
-                <a:latin typeface="+mn-lt"/>
-                <a:ea typeface="+mn-ea"/>
-                <a:cs typeface="+mn-cs"/>
-              </a:rPr>
-              <a:t>DAPET - Année de validité de l'activité principale de l'établissement</a:t>
-            </a:r>
-          </a:p>
-          <a:p>
-            <a:endParaRPr lang="fr-FR" sz="1200" kern="1200" dirty="0">
-              <a:solidFill>
-                <a:schemeClr val="tx1"/>
-              </a:solidFill>
-              <a:latin typeface="+mn-lt"/>
-              <a:ea typeface="+mn-ea"/>
-              <a:cs typeface="+mn-cs"/>
-            </a:endParaRPr>
-          </a:p>
-          <a:p>
-            <a:pPr lvl="1"/>
-            <a:r>
-              <a:rPr lang="fr-FR" dirty="0"/>
-              <a:t>'</a:t>
-            </a:r>
-            <a:r>
-              <a:rPr lang="fr-FR" dirty="0" err="1"/>
-              <a:t>ii_ACTIVNAT</a:t>
-            </a:r>
-            <a:r>
-              <a:rPr lang="fr-FR" dirty="0"/>
-              <a:t>', '</a:t>
-            </a:r>
-            <a:r>
-              <a:rPr lang="fr-FR" dirty="0" err="1"/>
-              <a:t>ii_MODET</a:t>
-            </a:r>
-            <a:r>
-              <a:rPr lang="fr-FR" dirty="0"/>
-              <a:t>', '</a:t>
-            </a:r>
-            <a:r>
-              <a:rPr lang="fr-FR" dirty="0" err="1"/>
-              <a:t>ii_DAPET</a:t>
-            </a:r>
-            <a:r>
-              <a:rPr lang="fr-FR" dirty="0"/>
-              <a:t>', '</a:t>
-            </a:r>
-            <a:r>
-              <a:rPr lang="fr-FR" dirty="0" err="1"/>
-              <a:t>ii_CJ</a:t>
-            </a:r>
-            <a:r>
-              <a:rPr lang="fr-FR" dirty="0"/>
-              <a:t>', '</a:t>
-            </a:r>
-            <a:r>
-              <a:rPr lang="fr-FR" dirty="0" err="1"/>
-              <a:t>ii_NBETAB</a:t>
-            </a:r>
-            <a:r>
-              <a:rPr lang="fr-FR" dirty="0"/>
-              <a:t>', '</a:t>
-            </a:r>
-            <a:r>
-              <a:rPr lang="fr-FR" dirty="0" err="1"/>
-              <a:t>ii_CAPITAL</a:t>
-            </a:r>
-            <a:r>
-              <a:rPr lang="fr-FR" dirty="0"/>
-              <a:t>', '</a:t>
-            </a:r>
-            <a:r>
-              <a:rPr lang="fr-FR" dirty="0" err="1"/>
-              <a:t>ii_EFF_ENT</a:t>
-            </a:r>
-            <a:r>
-              <a:rPr lang="fr-FR" dirty="0"/>
-              <a:t>', '</a:t>
-            </a:r>
-            <a:r>
-              <a:rPr lang="fr-FR" dirty="0" err="1"/>
-              <a:t>ii_TCA</a:t>
-            </a:r>
-            <a:r>
-              <a:rPr lang="fr-FR" dirty="0"/>
-              <a:t>', '</a:t>
-            </a:r>
-            <a:r>
-              <a:rPr lang="fr-FR" dirty="0" err="1"/>
-              <a:t>ii_TCAEXP</a:t>
-            </a:r>
-            <a:r>
-              <a:rPr lang="fr-FR" dirty="0"/>
-              <a:t>'</a:t>
-            </a:r>
-          </a:p>
-          <a:p>
-            <a:pPr lvl="1"/>
-            <a:r>
-              <a:rPr lang="fr-FR" dirty="0"/>
-              <a:t>'</a:t>
-            </a:r>
-            <a:r>
-              <a:rPr lang="fr-FR" dirty="0" err="1"/>
-              <a:t>ii_ORIGINE</a:t>
-            </a:r>
-            <a:r>
-              <a:rPr lang="fr-FR" dirty="0"/>
-              <a:t>', '</a:t>
-            </a:r>
-            <a:r>
-              <a:rPr lang="fr-FR" dirty="0" err="1"/>
-              <a:t>ii_EXPLET</a:t>
-            </a:r>
-            <a:r>
-              <a:rPr lang="fr-FR" dirty="0"/>
-              <a:t>', '</a:t>
-            </a:r>
-            <a:r>
-              <a:rPr lang="fr-FR" dirty="0" err="1"/>
-              <a:t>ii_APE_ENT</a:t>
-            </a:r>
-            <a:r>
-              <a:rPr lang="fr-FR" dirty="0"/>
-              <a:t>', '</a:t>
-            </a:r>
-            <a:r>
-              <a:rPr lang="fr-FR" dirty="0" err="1"/>
-              <a:t>ii_TEFF_ENT</a:t>
-            </a:r>
-            <a:r>
-              <a:rPr lang="fr-FR" dirty="0"/>
-              <a:t>', '</a:t>
-            </a:r>
-            <a:r>
-              <a:rPr lang="fr-FR" dirty="0" err="1"/>
-              <a:t>ii_ADR_DEP</a:t>
-            </a:r>
-            <a:r>
-              <a:rPr lang="fr-FR" dirty="0"/>
-              <a:t>’</a:t>
-            </a:r>
-            <a:endParaRPr lang="fr-FR" sz="1200" kern="1200" dirty="0">
-              <a:solidFill>
-                <a:schemeClr val="tx1"/>
-              </a:solidFill>
-              <a:latin typeface="+mn-lt"/>
-              <a:ea typeface="+mn-ea"/>
-              <a:cs typeface="+mn-cs"/>
-            </a:endParaRPr>
+              <a:rPr lang="fr-FR" dirty="0"/>
+              <a:t>Fait année par année entre 2014 et 2017 et sur 1, 2 et 3 ans</a:t>
+            </a:r>
           </a:p>
         </p:txBody>
       </p:sp>
@@ -3604,7 +4831,7 @@
     </p:spTree>
     <p:extLst>
       <p:ext uri="{BB962C8B-B14F-4D97-AF65-F5344CB8AC3E}">
-        <p14:creationId xmlns:p14="http://schemas.microsoft.com/office/powerpoint/2010/main" val="614747095"/>
+        <p14:creationId xmlns:p14="http://schemas.microsoft.com/office/powerpoint/2010/main" val="3958645371"/>
       </p:ext>
     </p:extLst>
   </p:cSld>
@@ -3658,30 +4885,108 @@
           <a:bodyPr/>
           <a:lstStyle/>
           <a:p>
-            <a:pPr marL="0" marR="0" lvl="0" indent="0" algn="l" defTabSz="914400" rtl="0" eaLnBrk="1" fontAlgn="base" latinLnBrk="0" hangingPunct="1">
-              <a:lnSpc>
-                <a:spcPct val="100000"/>
-              </a:lnSpc>
-              <a:spcBef>
-                <a:spcPct val="30000"/>
-              </a:spcBef>
-              <a:spcAft>
-                <a:spcPct val="0"/>
-              </a:spcAft>
-              <a:buClrTx/>
-              <a:buSzTx/>
-              <a:buFontTx/>
-              <a:buNone/>
-              <a:tabLst/>
-              <a:defRPr/>
-            </a:pPr>
+            <a:r>
+              <a:rPr lang="fr-FR" sz="1200" kern="1200" dirty="0">
+                <a:solidFill>
+                  <a:schemeClr val="tx1"/>
+                </a:solidFill>
+                <a:latin typeface="+mn-lt"/>
+                <a:ea typeface="+mn-ea"/>
+                <a:cs typeface="+mn-cs"/>
+              </a:rPr>
+              <a:t>Naf=</a:t>
+            </a:r>
+            <a:r>
+              <a:rPr lang="fr-FR" sz="1200" kern="1200" dirty="0" err="1">
+                <a:solidFill>
+                  <a:schemeClr val="tx1"/>
+                </a:solidFill>
+                <a:latin typeface="+mn-lt"/>
+                <a:ea typeface="+mn-ea"/>
+                <a:cs typeface="+mn-cs"/>
+              </a:rPr>
+              <a:t>ape_ent</a:t>
+            </a:r>
+            <a:endParaRPr lang="fr-FR" sz="1200" kern="1200" dirty="0">
+              <a:solidFill>
+                <a:schemeClr val="tx1"/>
+              </a:solidFill>
+              <a:latin typeface="+mn-lt"/>
+              <a:ea typeface="+mn-ea"/>
+              <a:cs typeface="+mn-cs"/>
+            </a:endParaRPr>
+          </a:p>
+          <a:p>
+            <a:r>
+              <a:rPr lang="fr-FR" sz="1200" kern="1200" dirty="0">
+                <a:solidFill>
+                  <a:schemeClr val="tx1"/>
+                </a:solidFill>
+                <a:latin typeface="+mn-lt"/>
+                <a:ea typeface="+mn-ea"/>
+                <a:cs typeface="+mn-cs"/>
+              </a:rPr>
+              <a:t>ACTIVNAT - Nature de l'activité de l'établissement </a:t>
+            </a:r>
+          </a:p>
+          <a:p>
+            <a:r>
+              <a:rPr lang="fr-FR" sz="1200" kern="1200" dirty="0">
+                <a:solidFill>
+                  <a:schemeClr val="tx1"/>
+                </a:solidFill>
+                <a:latin typeface="+mn-lt"/>
+                <a:ea typeface="+mn-ea"/>
+                <a:cs typeface="+mn-cs"/>
+              </a:rPr>
+              <a:t>MODET - Modalité de l'activité principale de l'établissement </a:t>
+            </a:r>
+          </a:p>
+          <a:p>
+            <a:r>
+              <a:rPr lang="fr-FR" sz="1200" kern="1200" dirty="0">
+                <a:solidFill>
+                  <a:schemeClr val="tx1"/>
+                </a:solidFill>
+                <a:latin typeface="+mn-lt"/>
+                <a:ea typeface="+mn-ea"/>
+                <a:cs typeface="+mn-cs"/>
+              </a:rPr>
+              <a:t>EXPLET - Établissement exploitant tout ou partie des moyens de production </a:t>
+            </a:r>
+          </a:p>
+          <a:p>
+            <a:r>
+              <a:rPr lang="fr-FR" sz="1200" kern="1200" dirty="0">
+                <a:solidFill>
+                  <a:schemeClr val="tx1"/>
+                </a:solidFill>
+                <a:latin typeface="+mn-lt"/>
+                <a:ea typeface="+mn-ea"/>
+                <a:cs typeface="+mn-cs"/>
+              </a:rPr>
+              <a:t>DAPET - Année de validité de l'activité principale de l'établissement</a:t>
+            </a:r>
+          </a:p>
+          <a:p>
+            <a:endParaRPr lang="fr-FR" sz="1200" kern="1200" dirty="0">
+              <a:solidFill>
+                <a:schemeClr val="tx1"/>
+              </a:solidFill>
+              <a:latin typeface="+mn-lt"/>
+              <a:ea typeface="+mn-ea"/>
+              <a:cs typeface="+mn-cs"/>
+            </a:endParaRPr>
+          </a:p>
+          <a:p>
+            <a:pPr lvl="1"/>
             <a:r>
               <a:rPr lang="fr-FR" dirty="0"/>
               <a:t>'</a:t>
             </a:r>
             <a:r>
               <a:rPr lang="fr-FR" dirty="0" err="1"/>
-              <a:t>jl_PARTICIPATION</a:t>
+              <a:t>ii_ACTIVNAT</a:t>
             </a:r>
             <a:r>
               <a:rPr lang="fr-FR" dirty="0"/>
@@ -3689,21 +4994,78 @@
             </a:r>
             <a:r>
               <a:rPr lang="fr-FR" dirty="0" err="1"/>
-              <a:t>jl_ACTIONNARIAT</a:t>
-            </a:r>
-            <a:r>
-              <a:rPr lang="fr-FR" dirty="0"/>
-              <a:t>’ (Nombre)</a:t>
-            </a:r>
-          </a:p>
-          <a:p>
+              <a:t>ii_MODET</a:t>
+            </a:r>
+            <a:r>
+              <a:rPr lang="fr-FR" dirty="0"/>
+              <a:t>', '</a:t>
+            </a:r>
+            <a:r>
+              <a:rPr lang="fr-FR" dirty="0" err="1"/>
+              <a:t>ii_DAPET</a:t>
+            </a:r>
+            <a:r>
+              <a:rPr lang="fr-FR" dirty="0"/>
+              <a:t>', '</a:t>
+            </a:r>
+            <a:r>
+              <a:rPr lang="fr-FR" dirty="0" err="1"/>
+              <a:t>ii_CJ</a:t>
+            </a:r>
+            <a:r>
+              <a:rPr lang="fr-FR" dirty="0"/>
+              <a:t>', '</a:t>
+            </a:r>
+            <a:r>
+              <a:rPr lang="fr-FR" dirty="0" err="1"/>
+              <a:t>ii_NBETAB</a:t>
+            </a:r>
+            <a:r>
+              <a:rPr lang="fr-FR" dirty="0"/>
+              <a:t>', '</a:t>
+            </a:r>
+            <a:r>
+              <a:rPr lang="fr-FR" dirty="0" err="1"/>
+              <a:t>ii_CAPITAL</a:t>
+            </a:r>
+            <a:r>
+              <a:rPr lang="fr-FR" dirty="0"/>
+              <a:t>', '</a:t>
+            </a:r>
+            <a:r>
+              <a:rPr lang="fr-FR" dirty="0" err="1"/>
+              <a:t>ii_EFF_ENT</a:t>
+            </a:r>
+            <a:r>
+              <a:rPr lang="fr-FR" dirty="0"/>
+              <a:t>', '</a:t>
+            </a:r>
+            <a:r>
+              <a:rPr lang="fr-FR" dirty="0" err="1"/>
+              <a:t>ii_TCA</a:t>
+            </a:r>
+            <a:r>
+              <a:rPr lang="fr-FR" dirty="0"/>
+              <a:t>', '</a:t>
+            </a:r>
+            <a:r>
+              <a:rPr lang="fr-FR" dirty="0" err="1"/>
+              <a:t>ii_TCAEXP</a:t>
+            </a:r>
             <a:r>
               <a:rPr lang="fr-FR" dirty="0"/>
               <a:t>'</a:t>
             </a:r>
+          </a:p>
+          <a:p>
+            <a:pPr lvl="1"/>
+            <a:r>
+              <a:rPr lang="fr-FR" dirty="0"/>
+              <a:t>'</a:t>
+            </a:r>
             <a:r>
               <a:rPr lang="fr-FR" dirty="0" err="1"/>
-              <a:t>jd_NBPM</a:t>
+              <a:t>ii_ORIGINE</a:t>
             </a:r>
             <a:r>
               <a:rPr lang="fr-FR" dirty="0"/>
@@ -3711,67 +5073,36 @@
             </a:r>
             <a:r>
               <a:rPr lang="fr-FR" dirty="0" err="1"/>
-              <a:t>jd_NBPP</a:t>
+              <a:t>ii_EXPLET</a:t>
+            </a:r>
+            <a:r>
+              <a:rPr lang="fr-FR" dirty="0"/>
+              <a:t>', '</a:t>
+            </a:r>
+            <a:r>
+              <a:rPr lang="fr-FR" dirty="0" err="1"/>
+              <a:t>ii_APE_ENT</a:t>
+            </a:r>
+            <a:r>
+              <a:rPr lang="fr-FR" dirty="0"/>
+              <a:t>', '</a:t>
+            </a:r>
+            <a:r>
+              <a:rPr lang="fr-FR" dirty="0" err="1"/>
+              <a:t>ii_TEFF_ENT</a:t>
+            </a:r>
+            <a:r>
+              <a:rPr lang="fr-FR" dirty="0"/>
+              <a:t>', '</a:t>
+            </a:r>
+            <a:r>
+              <a:rPr lang="fr-FR" dirty="0" err="1"/>
+              <a:t>ii_ADR_DEP</a:t>
             </a:r>
             <a:r>
               <a:rPr lang="fr-FR" dirty="0"/>
               <a:t>’</a:t>
             </a:r>
-          </a:p>
-          <a:p>
-            <a:r>
-              <a:rPr lang="fr-FR" dirty="0"/>
-              <a:t>'</a:t>
-            </a:r>
-            <a:r>
-              <a:rPr lang="fr-FR" dirty="0" err="1"/>
-              <a:t>jg_NBDE</a:t>
-            </a:r>
-            <a:r>
-              <a:rPr lang="fr-FR" dirty="0"/>
-              <a:t>', '</a:t>
-            </a:r>
-            <a:r>
-              <a:rPr lang="fr-FR" dirty="0" err="1"/>
-              <a:t>jg_NBDF</a:t>
-            </a:r>
-            <a:r>
-              <a:rPr lang="fr-FR" dirty="0"/>
-              <a:t>’</a:t>
-            </a:r>
-          </a:p>
-          <a:p>
-            <a:pPr marL="0" marR="0" lvl="0" indent="0" algn="l" defTabSz="914400" rtl="0" eaLnBrk="1" fontAlgn="base" latinLnBrk="0" hangingPunct="1">
-              <a:lnSpc>
-                <a:spcPct val="100000"/>
-              </a:lnSpc>
-              <a:spcBef>
-                <a:spcPct val="30000"/>
-              </a:spcBef>
-              <a:spcAft>
-                <a:spcPct val="0"/>
-              </a:spcAft>
-              <a:buClrTx/>
-              <a:buSzTx/>
-              <a:buFontTx/>
-              <a:buNone/>
-              <a:tabLst/>
-              <a:defRPr/>
-            </a:pPr>
-            <a:r>
-              <a:rPr lang="fr-FR" dirty="0"/>
-              <a:t>'</a:t>
-            </a:r>
-            <a:r>
-              <a:rPr lang="fr-FR" dirty="0" err="1"/>
-              <a:t>bm_NBMARQUES</a:t>
-            </a:r>
-            <a:r>
-              <a:rPr lang="fr-FR" dirty="0"/>
-              <a:t>'</a:t>
-            </a:r>
-          </a:p>
-          <a:p>
             <a:endParaRPr lang="fr-FR" sz="1200" kern="1200" dirty="0">
               <a:solidFill>
                 <a:schemeClr val="tx1"/>
@@ -3815,7 +5146,7 @@
     </p:spTree>
     <p:extLst>
       <p:ext uri="{BB962C8B-B14F-4D97-AF65-F5344CB8AC3E}">
-        <p14:creationId xmlns:p14="http://schemas.microsoft.com/office/powerpoint/2010/main" val="1121965791"/>
+        <p14:creationId xmlns:p14="http://schemas.microsoft.com/office/powerpoint/2010/main" val="614747095"/>
       </p:ext>
     </p:extLst>
   </p:cSld>
@@ -3892,23 +5223,29 @@
             </a:r>
             <a:r>
               <a:rPr lang="fr-FR" dirty="0" err="1"/>
-              <a:t>jb_BK</a:t>
-            </a:r>
-            <a:r>
-              <a:rPr lang="fr-FR" dirty="0"/>
-              <a:t>', 'jb_BK1', '</a:t>
+              <a:t>jl_PARTICIPATION</a:t>
+            </a:r>
+            <a:r>
+              <a:rPr lang="fr-FR" dirty="0"/>
+              <a:t>', '</a:t>
             </a:r>
             <a:r>
               <a:rPr lang="fr-FR" dirty="0" err="1"/>
-              <a:t>jb_CK</a:t>
-            </a:r>
-            <a:r>
-              <a:rPr lang="fr-FR" dirty="0"/>
-              <a:t>', 'jb_CK1', '</a:t>
+              <a:t>jl_ACTIONNARIAT</a:t>
+            </a:r>
+            <a:r>
+              <a:rPr lang="fr-FR" dirty="0"/>
+              <a:t>’ (Nombre)</a:t>
+            </a:r>
+          </a:p>
+          <a:p>
+            <a:r>
+              <a:rPr lang="fr-FR" dirty="0"/>
+              <a:t>'</a:t>
             </a:r>
             <a:r>
               <a:rPr lang="fr-FR" dirty="0" err="1"/>
-              <a:t>jb_DI</a:t>
+              <a:t>jd_NBPM</a:t>
             </a:r>
             <a:r>
               <a:rPr lang="fr-FR" dirty="0"/>
@@ -3916,7 +5253,21 @@
             </a:r>
             <a:r>
               <a:rPr lang="fr-FR" dirty="0" err="1"/>
-              <a:t>jb_DL</a:t>
+              <a:t>jd_NBPP</a:t>
+            </a:r>
+            <a:r>
+              <a:rPr lang="fr-FR" dirty="0"/>
+              <a:t>’</a:t>
+            </a:r>
+          </a:p>
+          <a:p>
+            <a:r>
+              <a:rPr lang="fr-FR" dirty="0"/>
+              <a:t>'</a:t>
+            </a:r>
+            <a:r>
+              <a:rPr lang="fr-FR" dirty="0" err="1"/>
+              <a:t>jg_NBDE</a:t>
             </a:r>
             <a:r>
               <a:rPr lang="fr-FR" dirty="0"/>
@@ -3924,123 +5275,42 @@
             </a:r>
             <a:r>
               <a:rPr lang="fr-FR" dirty="0" err="1"/>
-              <a:t>jb_DO</a:t>
-            </a:r>
-            <a:r>
-              <a:rPr lang="fr-FR" dirty="0"/>
-              <a:t>', '</a:t>
+              <a:t>jg_NBDF</a:t>
+            </a:r>
+            <a:r>
+              <a:rPr lang="fr-FR" dirty="0"/>
+              <a:t>’</a:t>
+            </a:r>
+          </a:p>
+          <a:p>
+            <a:pPr marL="0" marR="0" lvl="0" indent="0" algn="l" defTabSz="914400" rtl="0" eaLnBrk="1" fontAlgn="base" latinLnBrk="0" hangingPunct="1">
+              <a:lnSpc>
+                <a:spcPct val="100000"/>
+              </a:lnSpc>
+              <a:spcBef>
+                <a:spcPct val="30000"/>
+              </a:spcBef>
+              <a:spcAft>
+                <a:spcPct val="0"/>
+              </a:spcAft>
+              <a:buClrTx/>
+              <a:buSzTx/>
+              <a:buFontTx/>
+              <a:buNone/>
+              <a:tabLst/>
+              <a:defRPr/>
+            </a:pPr>
+            <a:r>
+              <a:rPr lang="fr-FR" dirty="0"/>
+              <a:t>'</a:t>
             </a:r>
             <a:r>
               <a:rPr lang="fr-FR" dirty="0" err="1"/>
-              <a:t>jb_DR</a:t>
-            </a:r>
-            <a:r>
-              <a:rPr lang="fr-FR" dirty="0"/>
-              <a:t>', '</a:t>
-            </a:r>
-            <a:r>
-              <a:rPr lang="fr-FR" dirty="0" err="1"/>
-              <a:t>jb_EC</a:t>
-            </a:r>
-            <a:r>
-              <a:rPr lang="fr-FR" dirty="0"/>
-              <a:t>', '</a:t>
-            </a:r>
-            <a:r>
-              <a:rPr lang="fr-FR" dirty="0" err="1"/>
-              <a:t>jb_EE</a:t>
-            </a:r>
-            <a:r>
-              <a:rPr lang="fr-FR" dirty="0"/>
-              <a:t>', '</a:t>
-            </a:r>
-            <a:r>
-              <a:rPr lang="fr-FR" dirty="0" err="1"/>
-              <a:t>jb_FJ</a:t>
-            </a:r>
-            <a:r>
-              <a:rPr lang="fr-FR" dirty="0"/>
-              <a:t>', '</a:t>
-            </a:r>
-            <a:r>
-              <a:rPr lang="fr-FR" dirty="0" err="1"/>
-              <a:t>jb_FK</a:t>
-            </a:r>
-            <a:r>
-              <a:rPr lang="fr-FR" dirty="0"/>
-              <a:t>', '</a:t>
-            </a:r>
-            <a:r>
-              <a:rPr lang="fr-FR" dirty="0" err="1"/>
-              <a:t>jb_FR</a:t>
-            </a:r>
-            <a:r>
-              <a:rPr lang="fr-FR" dirty="0"/>
-              <a:t>', '</a:t>
-            </a:r>
-            <a:r>
-              <a:rPr lang="fr-FR" dirty="0" err="1"/>
-              <a:t>jb_GF</a:t>
-            </a:r>
-            <a:r>
-              <a:rPr lang="fr-FR" dirty="0"/>
-              <a:t>', '</a:t>
-            </a:r>
-            <a:r>
-              <a:rPr lang="fr-FR" dirty="0" err="1"/>
-              <a:t>jb_GP</a:t>
-            </a:r>
-            <a:r>
-              <a:rPr lang="fr-FR" dirty="0"/>
-              <a:t>', '</a:t>
-            </a:r>
-            <a:r>
-              <a:rPr lang="fr-FR" dirty="0" err="1"/>
-              <a:t>jb_GU</a:t>
-            </a:r>
-            <a:r>
-              <a:rPr lang="fr-FR" dirty="0"/>
-              <a:t>', '</a:t>
-            </a:r>
-            <a:r>
-              <a:rPr lang="fr-FR" dirty="0" err="1"/>
-              <a:t>jb_GV</a:t>
-            </a:r>
-            <a:r>
-              <a:rPr lang="fr-FR" dirty="0"/>
-              <a:t>', '</a:t>
-            </a:r>
-            <a:r>
-              <a:rPr lang="fr-FR" dirty="0" err="1"/>
-              <a:t>jb_GW</a:t>
-            </a:r>
-            <a:r>
-              <a:rPr lang="fr-FR" dirty="0"/>
-              <a:t>', '</a:t>
-            </a:r>
-            <a:r>
-              <a:rPr lang="fr-FR" dirty="0" err="1"/>
-              <a:t>jb_HD</a:t>
-            </a:r>
-            <a:r>
-              <a:rPr lang="fr-FR" dirty="0"/>
-              <a:t>', '</a:t>
-            </a:r>
-            <a:r>
-              <a:rPr lang="fr-FR" dirty="0" err="1"/>
-              <a:t>jb_HH</a:t>
-            </a:r>
-            <a:r>
-              <a:rPr lang="fr-FR" dirty="0"/>
-              <a:t>', '</a:t>
-            </a:r>
-            <a:r>
-              <a:rPr lang="fr-FR" dirty="0" err="1"/>
-              <a:t>jb_HN</a:t>
-            </a:r>
-            <a:r>
-              <a:rPr lang="fr-FR" dirty="0"/>
-              <a:t>', 'jb_1_BK', 'jb_1_BK1', 'jb_1_CK', 'jb_1_CK1', 'jb_1_DI', 'jb_1_DL', 'jb_1_DO', 'jb_1_DR', 'jb_1_EC', 'jb_1_EE', 'jb_1_FJ', 'jb_1_FK', 'jb_1_FR', 'jb_1_GF', 'jb_1_GP', 'jb_1_GU', 'jb_1_GV', 'jb_1_GW', 'jb_1_HD', 'jb_1_HH', 'jb_1_HN', 'jb_2_BK', 'jb_2_BK1', 'jb_2_CK', 'jb_2_CK1', 'jb_2_DI', 'jb_2_DL', 'jb_2_DO', 'jb_2_DR', 'jb_2_EC', 'jb_2_EE', 'jb_2_FJ', 'jb_2_FK', 'jb_2_FR', 'jb_2_GF', 'jb_2_GP', 'jb_2_GU', 'jb_2_GV', 'jb_2_GW', 'jb_2_HD', 'jb_2_HH', 'jb_2_HN'</a:t>
+              <a:t>bm_NBMARQUES</a:t>
+            </a:r>
+            <a:r>
+              <a:rPr lang="fr-FR" dirty="0"/>
+              <a:t>'</a:t>
             </a:r>
           </a:p>
           <a:p>
@@ -4087,7 +5357,7 @@
     </p:spTree>
     <p:extLst>
       <p:ext uri="{BB962C8B-B14F-4D97-AF65-F5344CB8AC3E}">
-        <p14:creationId xmlns:p14="http://schemas.microsoft.com/office/powerpoint/2010/main" val="443813452"/>
+        <p14:creationId xmlns:p14="http://schemas.microsoft.com/office/powerpoint/2010/main" val="1121965791"/>
       </p:ext>
     </p:extLst>
   </p:cSld>
@@ -4141,6 +5411,172 @@
           <a:bodyPr/>
           <a:lstStyle/>
           <a:p>
+            <a:r>
+              <a:rPr lang="fr-FR" sz="1200" kern="1200" dirty="0">
+                <a:solidFill>
+                  <a:schemeClr val="tx1"/>
+                </a:solidFill>
+                <a:effectLst/>
+                <a:latin typeface="+mn-lt"/>
+                <a:ea typeface="+mn-ea"/>
+                <a:cs typeface="+mn-cs"/>
+              </a:rPr>
+              <a:t>SIREN corrélé à </a:t>
+            </a:r>
+            <a:r>
+              <a:rPr lang="fr-FR" sz="1200" kern="1200" dirty="0" err="1">
+                <a:solidFill>
+                  <a:schemeClr val="tx1"/>
+                </a:solidFill>
+                <a:effectLst/>
+                <a:latin typeface="+mn-lt"/>
+                <a:ea typeface="+mn-ea"/>
+                <a:cs typeface="+mn-cs"/>
+              </a:rPr>
+              <a:t>ii_AGE</a:t>
+            </a:r>
+            <a:r>
+              <a:rPr lang="fr-FR" sz="1200" kern="1200" dirty="0">
+                <a:solidFill>
+                  <a:schemeClr val="tx1"/>
+                </a:solidFill>
+                <a:effectLst/>
+                <a:latin typeface="+mn-lt"/>
+                <a:ea typeface="+mn-ea"/>
+                <a:cs typeface="+mn-cs"/>
+              </a:rPr>
+              <a:t> : c’est logique, les nouvelles sociétés ont des numéro de SIREN incrémenté, et donc plus le SIREN est petit plus la société est ancienne.</a:t>
+            </a:r>
+          </a:p>
+          <a:p>
+            <a:r>
+              <a:rPr lang="fr-FR" sz="1200" kern="1200" dirty="0" err="1">
+                <a:solidFill>
+                  <a:schemeClr val="tx1"/>
+                </a:solidFill>
+                <a:effectLst/>
+                <a:latin typeface="+mn-lt"/>
+                <a:ea typeface="+mn-ea"/>
+                <a:cs typeface="+mn-cs"/>
+              </a:rPr>
+              <a:t>jl_ACTIONNARIAT</a:t>
+            </a:r>
+            <a:r>
+              <a:rPr lang="fr-FR" sz="1200" kern="1200" dirty="0">
+                <a:solidFill>
+                  <a:schemeClr val="tx1"/>
+                </a:solidFill>
+                <a:effectLst/>
+                <a:latin typeface="+mn-lt"/>
+                <a:ea typeface="+mn-ea"/>
+                <a:cs typeface="+mn-cs"/>
+              </a:rPr>
+              <a:t> corrélé à </a:t>
+            </a:r>
+            <a:r>
+              <a:rPr lang="fr-FR" sz="1200" kern="1200" dirty="0" err="1">
+                <a:solidFill>
+                  <a:schemeClr val="tx1"/>
+                </a:solidFill>
+                <a:effectLst/>
+                <a:latin typeface="+mn-lt"/>
+                <a:ea typeface="+mn-ea"/>
+                <a:cs typeface="+mn-cs"/>
+              </a:rPr>
+              <a:t>jd_NBPM</a:t>
+            </a:r>
+            <a:r>
+              <a:rPr lang="fr-FR" sz="1200" kern="1200" dirty="0">
+                <a:solidFill>
+                  <a:schemeClr val="tx1"/>
+                </a:solidFill>
+                <a:effectLst/>
+                <a:latin typeface="+mn-lt"/>
+                <a:ea typeface="+mn-ea"/>
+                <a:cs typeface="+mn-cs"/>
+              </a:rPr>
+              <a:t> : ici aussi c’est logique, le nombre de dirigeants en tant que personne morale est lié au nombre d’actionnaire.</a:t>
+            </a:r>
+          </a:p>
+          <a:p>
+            <a:r>
+              <a:rPr lang="fr-FR" sz="1200" kern="1200" dirty="0" err="1">
+                <a:solidFill>
+                  <a:schemeClr val="tx1"/>
+                </a:solidFill>
+                <a:effectLst/>
+                <a:latin typeface="+mn-lt"/>
+                <a:ea typeface="+mn-ea"/>
+                <a:cs typeface="+mn-cs"/>
+              </a:rPr>
+              <a:t>jg_NBDE</a:t>
+            </a:r>
+            <a:r>
+              <a:rPr lang="fr-FR" sz="1200" kern="1200" dirty="0">
+                <a:solidFill>
+                  <a:schemeClr val="tx1"/>
+                </a:solidFill>
+                <a:effectLst/>
+                <a:latin typeface="+mn-lt"/>
+                <a:ea typeface="+mn-ea"/>
+                <a:cs typeface="+mn-cs"/>
+              </a:rPr>
+              <a:t> corrélé à </a:t>
+            </a:r>
+            <a:r>
+              <a:rPr lang="fr-FR" sz="1200" kern="1200" dirty="0" err="1">
+                <a:solidFill>
+                  <a:schemeClr val="tx1"/>
+                </a:solidFill>
+                <a:effectLst/>
+                <a:latin typeface="+mn-lt"/>
+                <a:ea typeface="+mn-ea"/>
+                <a:cs typeface="+mn-cs"/>
+              </a:rPr>
+              <a:t>jg_NBDF</a:t>
+            </a:r>
+            <a:r>
+              <a:rPr lang="fr-FR" sz="1200" kern="1200" dirty="0">
+                <a:solidFill>
+                  <a:schemeClr val="tx1"/>
+                </a:solidFill>
+                <a:effectLst/>
+                <a:latin typeface="+mn-lt"/>
+                <a:ea typeface="+mn-ea"/>
+                <a:cs typeface="+mn-cs"/>
+              </a:rPr>
+              <a:t> : les nombres de contentieux en tant que demandeur ou défenseur sont liés, on peut imaginer que si un client réclame un préjudice la société peut se retourner contre un prestataire par exemple, donc ça fera un contentieux en tant que défenseur et un en tant que demandeur.</a:t>
+            </a:r>
+          </a:p>
+          <a:p>
+            <a:r>
+              <a:rPr lang="fr-FR" sz="1200" kern="1200" dirty="0">
+                <a:solidFill>
+                  <a:schemeClr val="tx1"/>
+                </a:solidFill>
+                <a:effectLst/>
+                <a:latin typeface="+mn-lt"/>
+                <a:ea typeface="+mn-ea"/>
+                <a:cs typeface="+mn-cs"/>
+              </a:rPr>
+              <a:t>Les scores sont corrélés entre eux d’une année à l’autre, ça montre la relative stabilité dans le temps des notations, une entreprise bien notée aura tendance à le rester et pareil pour les entreprises mal notées. Ceci est dû au fait que les paramètres changent peu en moyenne d’une année à l’autre.</a:t>
+            </a:r>
+          </a:p>
+          <a:p>
+            <a:r>
+              <a:rPr lang="fr-FR" sz="1200" kern="1200" dirty="0">
+                <a:solidFill>
+                  <a:schemeClr val="tx1"/>
+                </a:solidFill>
+                <a:effectLst/>
+                <a:latin typeface="+mn-lt"/>
+                <a:ea typeface="+mn-ea"/>
+                <a:cs typeface="+mn-cs"/>
+              </a:rPr>
+              <a:t>Les encours sont corrélés entre eux d’une année à l’autre pour les mêmes raisons que les scores.</a:t>
+            </a:r>
+          </a:p>
+          <a:p>
             <a:endParaRPr lang="fr-FR" dirty="0"/>
           </a:p>
         </p:txBody>
@@ -4177,7 +5613,7 @@
     </p:spTree>
     <p:extLst>
       <p:ext uri="{BB962C8B-B14F-4D97-AF65-F5344CB8AC3E}">
-        <p14:creationId xmlns:p14="http://schemas.microsoft.com/office/powerpoint/2010/main" val="540322229"/>
+        <p14:creationId xmlns:p14="http://schemas.microsoft.com/office/powerpoint/2010/main" val="1824219758"/>
       </p:ext>
     </p:extLst>
   </p:cSld>
@@ -4232,308 +5668,8 @@
           <a:lstStyle/>
           <a:p>
             <a:r>
-              <a:rPr lang="fr-FR" sz="1200" b="0" i="0" u="none" strike="noStrike" kern="1200" dirty="0">
-                <a:solidFill>
-                  <a:schemeClr val="tx1"/>
-                </a:solidFill>
-                <a:effectLst/>
-                <a:latin typeface="+mn-lt"/>
-                <a:ea typeface="+mn-ea"/>
-                <a:cs typeface="+mn-cs"/>
-              </a:rPr>
-              <a:t>1</a:t>
-            </a:r>
-            <a:r>
-              <a:rPr lang="fr-FR" dirty="0"/>
-              <a:t> </a:t>
-            </a:r>
-            <a:r>
-              <a:rPr lang="fr-FR" sz="1200" b="0" i="0" u="none" strike="noStrike" kern="1200" dirty="0">
-                <a:solidFill>
-                  <a:schemeClr val="tx1"/>
-                </a:solidFill>
-                <a:effectLst/>
-                <a:latin typeface="+mn-lt"/>
-                <a:ea typeface="+mn-ea"/>
-                <a:cs typeface="+mn-cs"/>
-              </a:rPr>
-              <a:t>Entrepreneur individuel</a:t>
-            </a:r>
-            <a:r>
-              <a:rPr lang="fr-FR" dirty="0"/>
-              <a:t> </a:t>
-            </a:r>
-          </a:p>
-          <a:p>
-            <a:r>
-              <a:rPr lang="fr-FR" sz="1200" b="0" i="0" u="none" strike="noStrike" kern="1200" dirty="0">
-                <a:solidFill>
-                  <a:schemeClr val="tx1"/>
-                </a:solidFill>
-                <a:effectLst/>
-                <a:latin typeface="+mn-lt"/>
-                <a:ea typeface="+mn-ea"/>
-                <a:cs typeface="+mn-cs"/>
-              </a:rPr>
-              <a:t>2</a:t>
-            </a:r>
-            <a:r>
-              <a:rPr lang="fr-FR" dirty="0"/>
-              <a:t> </a:t>
-            </a:r>
-            <a:r>
-              <a:rPr lang="fr-FR" sz="1200" b="0" i="0" u="none" strike="noStrike" kern="1200" dirty="0">
-                <a:solidFill>
-                  <a:schemeClr val="tx1"/>
-                </a:solidFill>
-                <a:effectLst/>
-                <a:latin typeface="+mn-lt"/>
-                <a:ea typeface="+mn-ea"/>
-                <a:cs typeface="+mn-cs"/>
-              </a:rPr>
-              <a:t>Groupement de droit privé non doté de la personnalité morale</a:t>
-            </a:r>
-            <a:r>
-              <a:rPr lang="fr-FR" dirty="0"/>
-              <a:t> </a:t>
-            </a:r>
-          </a:p>
-          <a:p>
-            <a:r>
-              <a:rPr lang="fr-FR" sz="1200" b="0" i="0" u="none" strike="noStrike" kern="1200" dirty="0">
-                <a:solidFill>
-                  <a:schemeClr val="tx1"/>
-                </a:solidFill>
-                <a:effectLst/>
-                <a:latin typeface="+mn-lt"/>
-                <a:ea typeface="+mn-ea"/>
-                <a:cs typeface="+mn-cs"/>
-              </a:rPr>
-              <a:t>3</a:t>
-            </a:r>
-            <a:r>
-              <a:rPr lang="fr-FR" dirty="0"/>
-              <a:t> </a:t>
-            </a:r>
-            <a:r>
-              <a:rPr lang="fr-FR" sz="1200" b="0" i="0" u="none" strike="noStrike" kern="1200" dirty="0">
-                <a:solidFill>
-                  <a:schemeClr val="tx1"/>
-                </a:solidFill>
-                <a:effectLst/>
-                <a:latin typeface="+mn-lt"/>
-                <a:ea typeface="+mn-ea"/>
-                <a:cs typeface="+mn-cs"/>
-              </a:rPr>
-              <a:t>Personne morale de droit étranger</a:t>
-            </a:r>
-            <a:r>
-              <a:rPr lang="fr-FR" dirty="0"/>
-              <a:t> </a:t>
-            </a:r>
-          </a:p>
-          <a:p>
-            <a:r>
-              <a:rPr lang="fr-FR" sz="1200" b="0" i="0" u="none" strike="noStrike" kern="1200" dirty="0">
-                <a:solidFill>
-                  <a:schemeClr val="tx1"/>
-                </a:solidFill>
-                <a:effectLst/>
-                <a:latin typeface="+mn-lt"/>
-                <a:ea typeface="+mn-ea"/>
-                <a:cs typeface="+mn-cs"/>
-              </a:rPr>
-              <a:t>4</a:t>
-            </a:r>
-            <a:r>
-              <a:rPr lang="fr-FR" dirty="0"/>
-              <a:t> </a:t>
-            </a:r>
-            <a:r>
-              <a:rPr lang="fr-FR" sz="1200" b="0" i="0" u="none" strike="noStrike" kern="1200" dirty="0">
-                <a:solidFill>
-                  <a:schemeClr val="tx1"/>
-                </a:solidFill>
-                <a:effectLst/>
-                <a:latin typeface="+mn-lt"/>
-                <a:ea typeface="+mn-ea"/>
-                <a:cs typeface="+mn-cs"/>
-              </a:rPr>
-              <a:t>Personne morale de droit public soumise au droit commercial</a:t>
-            </a:r>
-            <a:r>
-              <a:rPr lang="fr-FR" dirty="0"/>
-              <a:t> </a:t>
-            </a:r>
-          </a:p>
-          <a:p>
-            <a:r>
-              <a:rPr lang="fr-FR" sz="1200" b="0" i="0" u="none" strike="noStrike" kern="1200" dirty="0">
-                <a:solidFill>
-                  <a:schemeClr val="tx1"/>
-                </a:solidFill>
-                <a:effectLst/>
-                <a:latin typeface="+mn-lt"/>
-                <a:ea typeface="+mn-ea"/>
-                <a:cs typeface="+mn-cs"/>
-              </a:rPr>
-              <a:t>5</a:t>
-            </a:r>
-            <a:r>
-              <a:rPr lang="fr-FR" dirty="0"/>
-              <a:t> </a:t>
-            </a:r>
-            <a:r>
-              <a:rPr lang="fr-FR" sz="1200" b="0" i="0" u="none" strike="noStrike" kern="1200" dirty="0">
-                <a:solidFill>
-                  <a:schemeClr val="tx1"/>
-                </a:solidFill>
-                <a:effectLst/>
-                <a:latin typeface="+mn-lt"/>
-                <a:ea typeface="+mn-ea"/>
-                <a:cs typeface="+mn-cs"/>
-              </a:rPr>
-              <a:t>Société commerciale</a:t>
-            </a:r>
-            <a:r>
-              <a:rPr lang="fr-FR" dirty="0"/>
-              <a:t> </a:t>
-            </a:r>
-          </a:p>
-          <a:p>
-            <a:r>
-              <a:rPr lang="fr-FR" sz="1200" b="0" i="0" u="none" strike="noStrike" kern="1200" dirty="0">
-                <a:solidFill>
-                  <a:schemeClr val="tx1"/>
-                </a:solidFill>
-                <a:effectLst/>
-                <a:latin typeface="+mn-lt"/>
-                <a:ea typeface="+mn-ea"/>
-                <a:cs typeface="+mn-cs"/>
-              </a:rPr>
-              <a:t>6</a:t>
-            </a:r>
-            <a:r>
-              <a:rPr lang="fr-FR" dirty="0"/>
-              <a:t> </a:t>
-            </a:r>
-            <a:r>
-              <a:rPr lang="fr-FR" sz="1200" b="0" i="0" u="none" strike="noStrike" kern="1200" dirty="0">
-                <a:solidFill>
-                  <a:schemeClr val="tx1"/>
-                </a:solidFill>
-                <a:effectLst/>
-                <a:latin typeface="+mn-lt"/>
-                <a:ea typeface="+mn-ea"/>
-                <a:cs typeface="+mn-cs"/>
-              </a:rPr>
-              <a:t>Autre personne morale immatriculée au RCS</a:t>
-            </a:r>
-            <a:r>
-              <a:rPr lang="fr-FR" dirty="0"/>
-              <a:t> </a:t>
-            </a:r>
-          </a:p>
-          <a:p>
-            <a:r>
-              <a:rPr lang="fr-FR" sz="1200" b="0" i="0" u="none" strike="noStrike" kern="1200" dirty="0">
-                <a:solidFill>
-                  <a:schemeClr val="tx1"/>
-                </a:solidFill>
-                <a:effectLst/>
-                <a:latin typeface="+mn-lt"/>
-                <a:ea typeface="+mn-ea"/>
-                <a:cs typeface="+mn-cs"/>
-              </a:rPr>
-              <a:t>7</a:t>
-            </a:r>
-            <a:r>
-              <a:rPr lang="fr-FR" dirty="0"/>
-              <a:t> </a:t>
-            </a:r>
-            <a:r>
-              <a:rPr lang="fr-FR" sz="1200" b="0" i="0" u="none" strike="noStrike" kern="1200" dirty="0">
-                <a:solidFill>
-                  <a:schemeClr val="tx1"/>
-                </a:solidFill>
-                <a:effectLst/>
-                <a:latin typeface="+mn-lt"/>
-                <a:ea typeface="+mn-ea"/>
-                <a:cs typeface="+mn-cs"/>
-              </a:rPr>
-              <a:t>Personne morale et organisme soumis au droit administratif</a:t>
-            </a:r>
-            <a:r>
-              <a:rPr lang="fr-FR" dirty="0"/>
-              <a:t> </a:t>
-            </a:r>
-          </a:p>
-          <a:p>
-            <a:r>
-              <a:rPr lang="fr-FR" sz="1200" b="0" i="0" u="none" strike="noStrike" kern="1200" dirty="0">
-                <a:solidFill>
-                  <a:schemeClr val="tx1"/>
-                </a:solidFill>
-                <a:effectLst/>
-                <a:latin typeface="+mn-lt"/>
-                <a:ea typeface="+mn-ea"/>
-                <a:cs typeface="+mn-cs"/>
-              </a:rPr>
-              <a:t>8</a:t>
-            </a:r>
-            <a:r>
-              <a:rPr lang="fr-FR" dirty="0"/>
-              <a:t> </a:t>
-            </a:r>
-            <a:r>
-              <a:rPr lang="fr-FR" sz="1200" b="0" i="0" u="none" strike="noStrike" kern="1200" dirty="0">
-                <a:solidFill>
-                  <a:schemeClr val="tx1"/>
-                </a:solidFill>
-                <a:effectLst/>
-                <a:latin typeface="+mn-lt"/>
-                <a:ea typeface="+mn-ea"/>
-                <a:cs typeface="+mn-cs"/>
-              </a:rPr>
-              <a:t>Organisme privé spécialisé</a:t>
-            </a:r>
-            <a:r>
-              <a:rPr lang="fr-FR" dirty="0"/>
-              <a:t> </a:t>
-            </a:r>
-          </a:p>
-          <a:p>
-            <a:r>
-              <a:rPr lang="fr-FR" sz="1200" b="0" i="0" u="none" strike="noStrike" kern="1200" dirty="0">
-                <a:solidFill>
-                  <a:schemeClr val="tx1"/>
-                </a:solidFill>
-                <a:effectLst/>
-                <a:latin typeface="+mn-lt"/>
-                <a:ea typeface="+mn-ea"/>
-                <a:cs typeface="+mn-cs"/>
-              </a:rPr>
-              <a:t>9</a:t>
-            </a:r>
-            <a:r>
-              <a:rPr lang="fr-FR" dirty="0"/>
-              <a:t> </a:t>
-            </a:r>
-            <a:r>
-              <a:rPr lang="fr-FR" sz="1200" b="0" i="0" u="none" strike="noStrike" kern="1200" dirty="0">
-                <a:solidFill>
-                  <a:schemeClr val="tx1"/>
-                </a:solidFill>
-                <a:effectLst/>
-                <a:latin typeface="+mn-lt"/>
-                <a:ea typeface="+mn-ea"/>
-                <a:cs typeface="+mn-cs"/>
-              </a:rPr>
-              <a:t>Groupement de droit privé</a:t>
-            </a:r>
-            <a:r>
-              <a:rPr lang="fr-FR" dirty="0"/>
-              <a:t> </a:t>
+              <a:rPr lang="fr-FR" dirty="0"/>
+              <a:t>Autre méthode que l’analyse de code pour comprendre le score actuel globalement</a:t>
             </a:r>
           </a:p>
         </p:txBody>
@@ -4561,7 +5697,7 @@
               <a:pPr>
                 <a:defRPr/>
               </a:pPr>
-              <a:t>14</a:t>
+              <a:t>12</a:t>
             </a:fld>
             <a:endParaRPr lang="fr-FR"/>
           </a:p>
@@ -4570,7 +5706,7 @@
     </p:spTree>
     <p:extLst>
       <p:ext uri="{BB962C8B-B14F-4D97-AF65-F5344CB8AC3E}">
-        <p14:creationId xmlns:p14="http://schemas.microsoft.com/office/powerpoint/2010/main" val="1838796515"/>
+        <p14:creationId xmlns:p14="http://schemas.microsoft.com/office/powerpoint/2010/main" val="1710816686"/>
       </p:ext>
     </p:extLst>
   </p:cSld>
@@ -4625,24 +5761,58 @@
           <a:lstStyle/>
           <a:p>
             <a:r>
-              <a:rPr lang="fr-FR" dirty="0"/>
-              <a:t>TN | FP</a:t>
-            </a:r>
-          </a:p>
-          <a:p>
-            <a:r>
-              <a:rPr lang="fr-FR" dirty="0"/>
-              <a:t>FN | TP</a:t>
+              <a:rPr lang="fr-FR" sz="1200" kern="1200" dirty="0">
+                <a:solidFill>
+                  <a:schemeClr val="tx1"/>
+                </a:solidFill>
+                <a:effectLst/>
+                <a:latin typeface="+mn-lt"/>
+                <a:ea typeface="+mn-ea"/>
+                <a:cs typeface="+mn-cs"/>
+              </a:rPr>
+              <a:t>qu’en moyenne les hôtels et restaurants sont beaucoup moins bien notés que les gros industriels. C’est sûr que le modèle économique n’a rien à voir, le secteur du tourisme est plus volatile, les sommes engagées pour monter un point de restauration n’ont rien à voir avec le coût d’une usine et tout le monde peut tenter de monter son propre restaurant. Le taux de faillite est donc sans commune mesure, ce qui explique que les notes sont bien plus basses et que la population du secteur est beaucoup plus grande.</a:t>
+            </a:r>
+          </a:p>
+          <a:p>
+            <a:r>
+              <a:rPr lang="fr-FR" sz="1200" kern="1200" dirty="0">
+                <a:solidFill>
+                  <a:schemeClr val="tx1"/>
+                </a:solidFill>
+                <a:effectLst/>
+                <a:latin typeface="+mn-lt"/>
+                <a:ea typeface="+mn-ea"/>
+                <a:cs typeface="+mn-cs"/>
+              </a:rPr>
+              <a:t>La </a:t>
+            </a:r>
+            <a:r>
+              <a:rPr lang="fr-FR" sz="1200" kern="1200" dirty="0" err="1">
+                <a:solidFill>
+                  <a:schemeClr val="tx1"/>
+                </a:solidFill>
+                <a:effectLst/>
+                <a:latin typeface="+mn-lt"/>
+                <a:ea typeface="+mn-ea"/>
+                <a:cs typeface="+mn-cs"/>
+              </a:rPr>
+              <a:t>feature</a:t>
+            </a:r>
+            <a:r>
+              <a:rPr lang="fr-FR" sz="1200" kern="1200" dirty="0">
+                <a:solidFill>
+                  <a:schemeClr val="tx1"/>
+                </a:solidFill>
+                <a:effectLst/>
+                <a:latin typeface="+mn-lt"/>
+                <a:ea typeface="+mn-ea"/>
+                <a:cs typeface="+mn-cs"/>
+              </a:rPr>
+              <a:t> semble donc très importante, peut-être au point de séparer les modèles, ça pourra être une des pistes d’amélioration dans le futur.</a:t>
             </a:r>
           </a:p>
           <a:p>
             <a:endParaRPr lang="fr-FR" dirty="0"/>
-          </a:p>
-          <a:p>
-            <a:r>
-              <a:rPr lang="fr-FR" dirty="0"/>
-              <a:t>Problème avec FP</a:t>
-            </a:r>
           </a:p>
         </p:txBody>
       </p:sp>
@@ -4669,7 +5839,7 @@
               <a:pPr>
                 <a:defRPr/>
               </a:pPr>
-              <a:t>15</a:t>
+              <a:t>13</a:t>
             </a:fld>
             <a:endParaRPr lang="fr-FR"/>
           </a:p>
@@ -4678,7 +5848,7 @@
     </p:spTree>
     <p:extLst>
       <p:ext uri="{BB962C8B-B14F-4D97-AF65-F5344CB8AC3E}">
-        <p14:creationId xmlns:p14="http://schemas.microsoft.com/office/powerpoint/2010/main" val="754746972"/>
+        <p14:creationId xmlns:p14="http://schemas.microsoft.com/office/powerpoint/2010/main" val="895864424"/>
       </p:ext>
     </p:extLst>
   </p:cSld>
@@ -4845,7 +6015,7 @@
               <a:pPr>
                 <a:defRPr/>
               </a:pPr>
-              <a:t>02/06/2018</a:t>
+              <a:t>04/06/2018</a:t>
             </a:fld>
             <a:endParaRPr lang="fr-FR"/>
           </a:p>
@@ -5070,7 +6240,7 @@
               <a:pPr>
                 <a:defRPr/>
               </a:pPr>
-              <a:t>02/06/2018</a:t>
+              <a:t>04/06/2018</a:t>
             </a:fld>
             <a:endParaRPr lang="fr-FR"/>
           </a:p>
@@ -5305,7 +6475,7 @@
               <a:pPr>
                 <a:defRPr/>
               </a:pPr>
-              <a:t>02/06/2018</a:t>
+              <a:t>04/06/2018</a:t>
             </a:fld>
             <a:endParaRPr lang="fr-FR"/>
           </a:p>
@@ -5530,7 +6700,7 @@
               <a:pPr>
                 <a:defRPr/>
               </a:pPr>
-              <a:t>02/06/2018</a:t>
+              <a:t>04/06/2018</a:t>
             </a:fld>
             <a:endParaRPr lang="fr-FR"/>
           </a:p>
@@ -5832,7 +7002,7 @@
               <a:pPr>
                 <a:defRPr/>
               </a:pPr>
-              <a:t>02/06/2018</a:t>
+              <a:t>04/06/2018</a:t>
             </a:fld>
             <a:endParaRPr lang="fr-FR"/>
           </a:p>
@@ -6124,7 +7294,7 @@
               <a:pPr>
                 <a:defRPr/>
               </a:pPr>
-              <a:t>02/06/2018</a:t>
+              <a:t>04/06/2018</a:t>
             </a:fld>
             <a:endParaRPr lang="fr-FR"/>
           </a:p>
@@ -6563,7 +7733,7 @@
               <a:pPr>
                 <a:defRPr/>
               </a:pPr>
-              <a:t>02/06/2018</a:t>
+              <a:t>04/06/2018</a:t>
             </a:fld>
             <a:endParaRPr lang="fr-FR"/>
           </a:p>
@@ -6731,7 +7901,7 @@
               <a:pPr>
                 <a:defRPr/>
               </a:pPr>
-              <a:t>02/06/2018</a:t>
+              <a:t>04/06/2018</a:t>
             </a:fld>
             <a:endParaRPr lang="fr-FR"/>
           </a:p>
@@ -6871,7 +8041,7 @@
               <a:pPr>
                 <a:defRPr/>
               </a:pPr>
-              <a:t>02/06/2018</a:t>
+              <a:t>04/06/2018</a:t>
             </a:fld>
             <a:endParaRPr lang="fr-FR"/>
           </a:p>
@@ -7209,7 +8379,7 @@
               <a:pPr>
                 <a:defRPr/>
               </a:pPr>
-              <a:t>02/06/2018</a:t>
+              <a:t>04/06/2018</a:t>
             </a:fld>
             <a:endParaRPr lang="fr-FR"/>
           </a:p>
@@ -7527,7 +8697,7 @@
               <a:pPr>
                 <a:defRPr/>
               </a:pPr>
-              <a:t>02/06/2018</a:t>
+              <a:t>04/06/2018</a:t>
             </a:fld>
             <a:endParaRPr lang="fr-FR"/>
           </a:p>
@@ -7852,7 +9022,7 @@
               <a:pPr>
                 <a:defRPr/>
               </a:pPr>
-              <a:t>02/06/2018</a:t>
+              <a:t>04/06/2018</a:t>
             </a:fld>
             <a:endParaRPr lang="fr-FR"/>
           </a:p>
@@ -8756,7 +9926,7 @@
           <p:cNvPr id="2" name="Titre 1">
             <a:extLst>
               <a:ext uri="{FF2B5EF4-FFF2-40B4-BE49-F238E27FC236}">
-                <a16:creationId xmlns:a16="http://schemas.microsoft.com/office/drawing/2014/main" id="{0CB7D90C-4A89-4280-B271-1C3031063086}"/>
+                <a16:creationId xmlns:a16="http://schemas.microsoft.com/office/drawing/2014/main" id="{5709F0C3-8F17-41EA-94EB-5ED86D68F5D4}"/>
               </a:ext>
             </a:extLst>
           </p:cNvPr>
@@ -8774,109 +9944,48 @@
           <a:p>
             <a:pPr algn="ctr"/>
             <a:r>
-              <a:rPr lang="fr-FR" altLang="fr-FR" dirty="0"/>
-              <a:t>Préparation des données</a:t>
-            </a:r>
-            <a:endParaRPr lang="fr-FR" dirty="0"/>
-          </a:p>
-        </p:txBody>
-      </p:sp>
-      <p:sp>
-        <p:nvSpPr>
-          <p:cNvPr id="3" name="Espace réservé du contenu 2">
+              <a:rPr lang="fr-FR" dirty="0"/>
+              <a:t>Matrice de corrélation</a:t>
+            </a:r>
+          </a:p>
+        </p:txBody>
+      </p:sp>
+      <p:pic>
+        <p:nvPicPr>
+          <p:cNvPr id="4" name="Espace réservé du contenu 3">
             <a:extLst>
               <a:ext uri="{FF2B5EF4-FFF2-40B4-BE49-F238E27FC236}">
-                <a16:creationId xmlns:a16="http://schemas.microsoft.com/office/drawing/2014/main" id="{5DAD08E5-83AC-4E0E-9DFC-3FF6402E9767}"/>
+                <a16:creationId xmlns:a16="http://schemas.microsoft.com/office/drawing/2014/main" id="{B0DDC355-D91B-46A4-912B-FBBBD846EAB6}"/>
               </a:ext>
             </a:extLst>
           </p:cNvPr>
-          <p:cNvSpPr>
-            <a:spLocks noGrp="1"/>
-          </p:cNvSpPr>
+          <p:cNvPicPr>
+            <a:picLocks noGrp="1"/>
+          </p:cNvPicPr>
           <p:nvPr>
             <p:ph idx="1"/>
           </p:nvPr>
-        </p:nvSpPr>
-        <p:spPr/>
-        <p:txBody>
-          <a:bodyPr/>
-          <a:lstStyle/>
-          <a:p>
-            <a:r>
-              <a:rPr lang="fr-FR" dirty="0"/>
-              <a:t>Modifications</a:t>
-            </a:r>
-          </a:p>
-          <a:p>
-            <a:pPr lvl="1"/>
-            <a:r>
-              <a:rPr lang="fr-FR" dirty="0"/>
-              <a:t>Code NAF de niveau 1 (21 différents au lieu de 732)</a:t>
-            </a:r>
-          </a:p>
-          <a:p>
-            <a:pPr lvl="1"/>
-            <a:r>
-              <a:rPr lang="fr-FR" dirty="0"/>
-              <a:t>Année de création changée en âge</a:t>
-            </a:r>
-          </a:p>
-          <a:p>
-            <a:r>
-              <a:rPr lang="fr-FR" dirty="0"/>
-              <a:t>Binarisation des features catégorielles</a:t>
-            </a:r>
-          </a:p>
-          <a:p>
-            <a:r>
-              <a:rPr lang="fr-FR" dirty="0"/>
-              <a:t>Jeu d’entrainement, jeu de test</a:t>
-            </a:r>
-          </a:p>
-          <a:p>
-            <a:r>
-              <a:rPr lang="fr-FR" dirty="0" err="1"/>
-              <a:t>Scaling</a:t>
-            </a:r>
-            <a:r>
-              <a:rPr lang="fr-FR" dirty="0"/>
-              <a:t> des données numériques avec le jeu d’entrainement</a:t>
-            </a:r>
-          </a:p>
-          <a:p>
-            <a:r>
-              <a:rPr lang="fr-FR" dirty="0"/>
-              <a:t>Utilisation d’un </a:t>
-            </a:r>
-            <a:r>
-              <a:rPr lang="fr-FR" dirty="0" err="1"/>
-              <a:t>GridSearch</a:t>
-            </a:r>
-            <a:r>
-              <a:rPr lang="fr-FR" dirty="0"/>
-              <a:t> avec validation croisée</a:t>
-            </a:r>
-          </a:p>
-          <a:p>
-            <a:r>
-              <a:rPr lang="fr-FR" dirty="0"/>
-              <a:t>Evaluation de l’algorithme : AUC (Area Under the </a:t>
-            </a:r>
-            <a:r>
-              <a:rPr lang="fr-FR" dirty="0" err="1"/>
-              <a:t>Curve</a:t>
-            </a:r>
-            <a:r>
-              <a:rPr lang="fr-FR" dirty="0"/>
-              <a:t>)</a:t>
-            </a:r>
-          </a:p>
-        </p:txBody>
-      </p:sp>
+        </p:nvPicPr>
+        <p:blipFill>
+          <a:blip r:embed="rId3"/>
+          <a:stretch>
+            <a:fillRect/>
+          </a:stretch>
+        </p:blipFill>
+        <p:spPr>
+          <a:xfrm>
+            <a:off x="1940312" y="1416205"/>
+            <a:ext cx="8196147" cy="5441795"/>
+          </a:xfrm>
+          <a:prstGeom prst="rect">
+            <a:avLst/>
+          </a:prstGeom>
+        </p:spPr>
+      </p:pic>
     </p:spTree>
     <p:extLst>
       <p:ext uri="{BB962C8B-B14F-4D97-AF65-F5344CB8AC3E}">
-        <p14:creationId xmlns:p14="http://schemas.microsoft.com/office/powerpoint/2010/main" val="2300588793"/>
+        <p14:creationId xmlns:p14="http://schemas.microsoft.com/office/powerpoint/2010/main" val="4058384705"/>
       </p:ext>
     </p:extLst>
   </p:cSld>
@@ -8908,6 +10017,290 @@
           <p:cNvPr id="2" name="Titre 1">
             <a:extLst>
               <a:ext uri="{FF2B5EF4-FFF2-40B4-BE49-F238E27FC236}">
+                <a16:creationId xmlns:a16="http://schemas.microsoft.com/office/drawing/2014/main" id="{21B196A5-77BE-401C-AB22-E58CDAA75865}"/>
+              </a:ext>
+            </a:extLst>
+          </p:cNvPr>
+          <p:cNvSpPr>
+            <a:spLocks noGrp="1"/>
+          </p:cNvSpPr>
+          <p:nvPr>
+            <p:ph type="title"/>
+          </p:nvPr>
+        </p:nvSpPr>
+        <p:spPr/>
+        <p:txBody>
+          <a:bodyPr/>
+          <a:lstStyle/>
+          <a:p>
+            <a:pPr algn="ctr"/>
+            <a:r>
+              <a:rPr lang="fr-FR" dirty="0" err="1"/>
+              <a:t>Boxplot</a:t>
+            </a:r>
+            <a:r>
+              <a:rPr lang="fr-FR" dirty="0"/>
+              <a:t> Capital/Score</a:t>
+            </a:r>
+          </a:p>
+        </p:txBody>
+      </p:sp>
+      <p:pic>
+        <p:nvPicPr>
+          <p:cNvPr id="4" name="Espace réservé du contenu 3">
+            <a:extLst>
+              <a:ext uri="{FF2B5EF4-FFF2-40B4-BE49-F238E27FC236}">
+                <a16:creationId xmlns:a16="http://schemas.microsoft.com/office/drawing/2014/main" id="{D422DB15-85B6-4D14-A6D7-ABF7941050DB}"/>
+              </a:ext>
+            </a:extLst>
+          </p:cNvPr>
+          <p:cNvPicPr>
+            <a:picLocks noGrp="1"/>
+          </p:cNvPicPr>
+          <p:nvPr>
+            <p:ph idx="1"/>
+          </p:nvPr>
+        </p:nvPicPr>
+        <p:blipFill>
+          <a:blip r:embed="rId3"/>
+          <a:stretch>
+            <a:fillRect/>
+          </a:stretch>
+        </p:blipFill>
+        <p:spPr>
+          <a:xfrm>
+            <a:off x="2787805" y="1851102"/>
+            <a:ext cx="6423102" cy="4650059"/>
+          </a:xfrm>
+          <a:prstGeom prst="rect">
+            <a:avLst/>
+          </a:prstGeom>
+        </p:spPr>
+      </p:pic>
+    </p:spTree>
+    <p:extLst>
+      <p:ext uri="{BB962C8B-B14F-4D97-AF65-F5344CB8AC3E}">
+        <p14:creationId xmlns:p14="http://schemas.microsoft.com/office/powerpoint/2010/main" val="3699557673"/>
+      </p:ext>
+    </p:extLst>
+  </p:cSld>
+  <p:clrMapOvr>
+    <a:masterClrMapping/>
+  </p:clrMapOvr>
+</p:sld>
+</file>
+
+<file path=ppt/slides/slide13.xml><?xml version="1.0" encoding="utf-8"?>
+<p:sld xmlns:a="http://schemas.openxmlformats.org/drawingml/2006/main" xmlns:r="http://schemas.openxmlformats.org/officeDocument/2006/relationships" xmlns:p="http://schemas.openxmlformats.org/presentationml/2006/main">
+  <p:cSld>
+    <p:spTree>
+      <p:nvGrpSpPr>
+        <p:cNvPr id="1" name=""/>
+        <p:cNvGrpSpPr/>
+        <p:nvPr/>
+      </p:nvGrpSpPr>
+      <p:grpSpPr>
+        <a:xfrm>
+          <a:off x="0" y="0"/>
+          <a:ext cx="0" cy="0"/>
+          <a:chOff x="0" y="0"/>
+          <a:chExt cx="0" cy="0"/>
+        </a:xfrm>
+      </p:grpSpPr>
+      <p:sp>
+        <p:nvSpPr>
+          <p:cNvPr id="2" name="Titre 1">
+            <a:extLst>
+              <a:ext uri="{FF2B5EF4-FFF2-40B4-BE49-F238E27FC236}">
+                <a16:creationId xmlns:a16="http://schemas.microsoft.com/office/drawing/2014/main" id="{EF13A3CD-32C9-48E2-A92E-0450591E2D46}"/>
+              </a:ext>
+            </a:extLst>
+          </p:cNvPr>
+          <p:cNvSpPr>
+            <a:spLocks noGrp="1"/>
+          </p:cNvSpPr>
+          <p:nvPr>
+            <p:ph type="title"/>
+          </p:nvPr>
+        </p:nvSpPr>
+        <p:spPr/>
+        <p:txBody>
+          <a:bodyPr/>
+          <a:lstStyle/>
+          <a:p>
+            <a:pPr algn="ctr"/>
+            <a:r>
+              <a:rPr lang="fr-FR" dirty="0"/>
+              <a:t>Répartition des scores par activité</a:t>
+            </a:r>
+          </a:p>
+        </p:txBody>
+      </p:sp>
+      <p:pic>
+        <p:nvPicPr>
+          <p:cNvPr id="4" name="Espace réservé du contenu 3">
+            <a:extLst>
+              <a:ext uri="{FF2B5EF4-FFF2-40B4-BE49-F238E27FC236}">
+                <a16:creationId xmlns:a16="http://schemas.microsoft.com/office/drawing/2014/main" id="{3F450FFD-4645-44FD-982B-F69019644470}"/>
+              </a:ext>
+            </a:extLst>
+          </p:cNvPr>
+          <p:cNvPicPr>
+            <a:picLocks noGrp="1"/>
+          </p:cNvPicPr>
+          <p:nvPr>
+            <p:ph idx="1"/>
+          </p:nvPr>
+        </p:nvPicPr>
+        <p:blipFill>
+          <a:blip r:embed="rId3"/>
+          <a:stretch>
+            <a:fillRect/>
+          </a:stretch>
+        </p:blipFill>
+        <p:spPr>
+          <a:xfrm>
+            <a:off x="1217341" y="2487052"/>
+            <a:ext cx="3943350" cy="4076700"/>
+          </a:xfrm>
+          <a:prstGeom prst="rect">
+            <a:avLst/>
+          </a:prstGeom>
+        </p:spPr>
+      </p:pic>
+      <p:pic>
+        <p:nvPicPr>
+          <p:cNvPr id="5" name="Image 4">
+            <a:extLst>
+              <a:ext uri="{FF2B5EF4-FFF2-40B4-BE49-F238E27FC236}">
+                <a16:creationId xmlns:a16="http://schemas.microsoft.com/office/drawing/2014/main" id="{06FE3BC5-F435-472A-B012-26BD31832CC6}"/>
+              </a:ext>
+            </a:extLst>
+          </p:cNvPr>
+          <p:cNvPicPr/>
+          <p:nvPr/>
+        </p:nvPicPr>
+        <p:blipFill>
+          <a:blip r:embed="rId4"/>
+          <a:stretch>
+            <a:fillRect/>
+          </a:stretch>
+        </p:blipFill>
+        <p:spPr>
+          <a:xfrm>
+            <a:off x="6581079" y="2487052"/>
+            <a:ext cx="3943350" cy="4076700"/>
+          </a:xfrm>
+          <a:prstGeom prst="rect">
+            <a:avLst/>
+          </a:prstGeom>
+        </p:spPr>
+      </p:pic>
+      <p:sp>
+        <p:nvSpPr>
+          <p:cNvPr id="6" name="ZoneTexte 5">
+            <a:extLst>
+              <a:ext uri="{FF2B5EF4-FFF2-40B4-BE49-F238E27FC236}">
+                <a16:creationId xmlns:a16="http://schemas.microsoft.com/office/drawing/2014/main" id="{31F655FD-4449-4514-8CEC-B451367DC56E}"/>
+              </a:ext>
+            </a:extLst>
+          </p:cNvPr>
+          <p:cNvSpPr txBox="1"/>
+          <p:nvPr/>
+        </p:nvSpPr>
+        <p:spPr>
+          <a:xfrm>
+            <a:off x="1462667" y="1984917"/>
+            <a:ext cx="2730191" cy="369332"/>
+          </a:xfrm>
+          <a:prstGeom prst="rect">
+            <a:avLst/>
+          </a:prstGeom>
+          <a:noFill/>
+        </p:spPr>
+        <p:txBody>
+          <a:bodyPr wrap="square" rtlCol="0">
+            <a:spAutoFit/>
+          </a:bodyPr>
+          <a:lstStyle/>
+          <a:p>
+            <a:r>
+              <a:rPr lang="fr-FR" dirty="0"/>
+              <a:t>Industries extractives</a:t>
+            </a:r>
+          </a:p>
+        </p:txBody>
+      </p:sp>
+      <p:sp>
+        <p:nvSpPr>
+          <p:cNvPr id="7" name="ZoneTexte 6">
+            <a:extLst>
+              <a:ext uri="{FF2B5EF4-FFF2-40B4-BE49-F238E27FC236}">
+                <a16:creationId xmlns:a16="http://schemas.microsoft.com/office/drawing/2014/main" id="{E545A437-94A0-485C-A7AB-4A447FC7D7AD}"/>
+              </a:ext>
+            </a:extLst>
+          </p:cNvPr>
+          <p:cNvSpPr txBox="1"/>
+          <p:nvPr/>
+        </p:nvSpPr>
+        <p:spPr>
+          <a:xfrm>
+            <a:off x="6722325" y="1984917"/>
+            <a:ext cx="4016299" cy="369332"/>
+          </a:xfrm>
+          <a:prstGeom prst="rect">
+            <a:avLst/>
+          </a:prstGeom>
+          <a:noFill/>
+        </p:spPr>
+        <p:txBody>
+          <a:bodyPr wrap="square" rtlCol="0">
+            <a:spAutoFit/>
+          </a:bodyPr>
+          <a:lstStyle/>
+          <a:p>
+            <a:r>
+              <a:rPr lang="fr-FR" dirty="0"/>
+              <a:t>Hébergement et restauration</a:t>
+            </a:r>
+          </a:p>
+        </p:txBody>
+      </p:sp>
+    </p:spTree>
+    <p:extLst>
+      <p:ext uri="{BB962C8B-B14F-4D97-AF65-F5344CB8AC3E}">
+        <p14:creationId xmlns:p14="http://schemas.microsoft.com/office/powerpoint/2010/main" val="2499016804"/>
+      </p:ext>
+    </p:extLst>
+  </p:cSld>
+  <p:clrMapOvr>
+    <a:masterClrMapping/>
+  </p:clrMapOvr>
+</p:sld>
+</file>
+
+<file path=ppt/slides/slide14.xml><?xml version="1.0" encoding="utf-8"?>
+<p:sld xmlns:a="http://schemas.openxmlformats.org/drawingml/2006/main" xmlns:r="http://schemas.openxmlformats.org/officeDocument/2006/relationships" xmlns:p="http://schemas.openxmlformats.org/presentationml/2006/main" show="0">
+  <p:cSld>
+    <p:spTree>
+      <p:nvGrpSpPr>
+        <p:cNvPr id="1" name=""/>
+        <p:cNvGrpSpPr/>
+        <p:nvPr/>
+      </p:nvGrpSpPr>
+      <p:grpSpPr>
+        <a:xfrm>
+          <a:off x="0" y="0"/>
+          <a:ext cx="0" cy="0"/>
+          <a:chOff x="0" y="0"/>
+          <a:chExt cx="0" cy="0"/>
+        </a:xfrm>
+      </p:grpSpPr>
+      <p:sp>
+        <p:nvSpPr>
+          <p:cNvPr id="2" name="Titre 1">
+            <a:extLst>
+              <a:ext uri="{FF2B5EF4-FFF2-40B4-BE49-F238E27FC236}">
                 <a16:creationId xmlns:a16="http://schemas.microsoft.com/office/drawing/2014/main" id="{6629AE1C-CB5E-4C60-94C6-0963C6714DF9}"/>
               </a:ext>
             </a:extLst>
@@ -9041,8 +10434,8 @@
 </p:sld>
 </file>
 
-<file path=ppt/slides/slide13.xml><?xml version="1.0" encoding="utf-8"?>
-<p:sld xmlns:a="http://schemas.openxmlformats.org/drawingml/2006/main" xmlns:r="http://schemas.openxmlformats.org/officeDocument/2006/relationships" xmlns:p="http://schemas.openxmlformats.org/presentationml/2006/main">
+<file path=ppt/slides/slide15.xml><?xml version="1.0" encoding="utf-8"?>
+<p:sld xmlns:a="http://schemas.openxmlformats.org/drawingml/2006/main" xmlns:r="http://schemas.openxmlformats.org/officeDocument/2006/relationships" xmlns:p="http://schemas.openxmlformats.org/presentationml/2006/main" show="0">
   <p:cSld>
     <p:spTree>
       <p:nvGrpSpPr>
@@ -9132,7 +10525,7 @@
 </p:sld>
 </file>
 
-<file path=ppt/slides/slide14.xml><?xml version="1.0" encoding="utf-8"?>
+<file path=ppt/slides/slide16.xml><?xml version="1.0" encoding="utf-8"?>
 <p:sld xmlns:a="http://schemas.openxmlformats.org/drawingml/2006/main" xmlns:r="http://schemas.openxmlformats.org/officeDocument/2006/relationships" xmlns:p="http://schemas.openxmlformats.org/presentationml/2006/main">
   <p:cSld>
     <p:spTree>
@@ -9287,7 +10680,7 @@
 </p:sld>
 </file>
 
-<file path=ppt/slides/slide15.xml><?xml version="1.0" encoding="utf-8"?>
+<file path=ppt/slides/slide17.xml><?xml version="1.0" encoding="utf-8"?>
 <p:sld xmlns:a="http://schemas.openxmlformats.org/drawingml/2006/main" xmlns:r="http://schemas.openxmlformats.org/officeDocument/2006/relationships" xmlns:p="http://schemas.openxmlformats.org/presentationml/2006/main">
   <p:cSld>
     <p:spTree>
@@ -9385,7 +10778,7 @@
 </p:sld>
 </file>
 
-<file path=ppt/slides/slide16.xml><?xml version="1.0" encoding="utf-8"?>
+<file path=ppt/slides/slide18.xml><?xml version="1.0" encoding="utf-8"?>
 <p:sld xmlns:a="http://schemas.openxmlformats.org/drawingml/2006/main" xmlns:r="http://schemas.openxmlformats.org/officeDocument/2006/relationships" xmlns:p="http://schemas.openxmlformats.org/presentationml/2006/main">
   <p:cSld>
     <p:spTree>
@@ -9509,7 +10902,7 @@
 </p:sld>
 </file>
 
-<file path=ppt/slides/slide17.xml><?xml version="1.0" encoding="utf-8"?>
+<file path=ppt/slides/slide19.xml><?xml version="1.0" encoding="utf-8"?>
 <p:sld xmlns:a="http://schemas.openxmlformats.org/drawingml/2006/main" xmlns:r="http://schemas.openxmlformats.org/officeDocument/2006/relationships" xmlns:p="http://schemas.openxmlformats.org/presentationml/2006/main">
   <p:cSld>
     <p:spTree>
@@ -9531,7 +10924,7 @@
           <p:cNvPr id="2" name="Titre 1">
             <a:extLst>
               <a:ext uri="{FF2B5EF4-FFF2-40B4-BE49-F238E27FC236}">
-                <a16:creationId xmlns:a16="http://schemas.microsoft.com/office/drawing/2014/main" id="{617D96BB-CD5C-470B-8216-6A21BA674473}"/>
+                <a16:creationId xmlns:a16="http://schemas.microsoft.com/office/drawing/2014/main" id="{0CB7D90C-4A89-4280-B271-1C3031063086}"/>
               </a:ext>
             </a:extLst>
           </p:cNvPr>
@@ -9549,9 +10942,10 @@
           <a:p>
             <a:pPr algn="ctr"/>
             <a:r>
-              <a:rPr lang="fr-FR" dirty="0"/>
-              <a:t>Modélisation</a:t>
-            </a:r>
+              <a:rPr lang="fr-FR" altLang="fr-FR" dirty="0"/>
+              <a:t>Préparation des données</a:t>
+            </a:r>
+            <a:endParaRPr lang="fr-FR" dirty="0"/>
           </a:p>
         </p:txBody>
       </p:sp>
@@ -9560,7 +10954,7 @@
           <p:cNvPr id="3" name="Espace réservé du contenu 2">
             <a:extLst>
               <a:ext uri="{FF2B5EF4-FFF2-40B4-BE49-F238E27FC236}">
-                <a16:creationId xmlns:a16="http://schemas.microsoft.com/office/drawing/2014/main" id="{32105C5F-540C-4923-A43E-E1FEE1AAED5F}"/>
+                <a16:creationId xmlns:a16="http://schemas.microsoft.com/office/drawing/2014/main" id="{5DAD08E5-83AC-4E0E-9DFC-3FF6402E9767}"/>
               </a:ext>
             </a:extLst>
           </p:cNvPr>
@@ -9578,60 +10972,27 @@
           <a:p>
             <a:r>
               <a:rPr lang="fr-FR" dirty="0"/>
-              <a:t>Recherche d’un modèle en utilisant </a:t>
+              <a:t>Modifications</a:t>
             </a:r>
           </a:p>
           <a:p>
             <a:pPr lvl="1"/>
             <a:r>
               <a:rPr lang="fr-FR" dirty="0"/>
-              <a:t>Cas 1 : Toutes les variables à notre disposition</a:t>
-            </a:r>
-          </a:p>
-          <a:p>
-            <a:pPr lvl="2"/>
-            <a:r>
-              <a:rPr lang="fr-FR" dirty="0" err="1"/>
-              <a:t>Logistic</a:t>
-            </a:r>
-            <a:r>
-              <a:rPr lang="fr-FR" dirty="0"/>
-              <a:t> </a:t>
-            </a:r>
-            <a:r>
-              <a:rPr lang="fr-FR" dirty="0" err="1"/>
-              <a:t>Regression</a:t>
-            </a:r>
-            <a:endParaRPr lang="fr-FR" dirty="0"/>
-          </a:p>
-          <a:p>
-            <a:pPr lvl="2"/>
-            <a:r>
-              <a:rPr lang="fr-FR" dirty="0"/>
-              <a:t>Extra </a:t>
-            </a:r>
-            <a:r>
-              <a:rPr lang="fr-FR" dirty="0" err="1"/>
-              <a:t>Trees</a:t>
-            </a:r>
-            <a:endParaRPr lang="fr-FR" dirty="0"/>
-          </a:p>
-          <a:p>
-            <a:pPr lvl="2"/>
-            <a:r>
-              <a:rPr lang="fr-FR" dirty="0" err="1"/>
-              <a:t>Random</a:t>
-            </a:r>
-            <a:r>
-              <a:rPr lang="fr-FR" dirty="0"/>
-              <a:t> Forest</a:t>
+              <a:t>Code NAF de niveau 1 (21 différents au lieu de 732)</a:t>
             </a:r>
           </a:p>
           <a:p>
             <a:pPr lvl="1"/>
             <a:r>
               <a:rPr lang="fr-FR" dirty="0"/>
-              <a:t>Cas 2 : Sans les </a:t>
+              <a:t>Année de création changée en âge</a:t>
+            </a:r>
+          </a:p>
+          <a:p>
+            <a:r>
+              <a:rPr lang="fr-FR" dirty="0"/>
+              <a:t>Binarisation des </a:t>
             </a:r>
             <a:r>
               <a:rPr lang="fr-FR" dirty="0" err="1"/>
@@ -9639,41 +11000,70 @@
             </a:r>
             <a:r>
               <a:rPr lang="fr-FR" dirty="0"/>
-              <a:t> ‘maison’ : score, encours, </a:t>
+              <a:t> catégorielles</a:t>
+            </a:r>
+          </a:p>
+          <a:p>
+            <a:r>
+              <a:rPr lang="fr-FR" dirty="0"/>
+              <a:t>Borne supérieure aux </a:t>
             </a:r>
             <a:r>
               <a:rPr lang="fr-FR" dirty="0" err="1"/>
-              <a:t>procol</a:t>
-            </a:r>
-            <a:r>
-              <a:rPr lang="fr-FR" dirty="0"/>
-              <a:t> et leur historique</a:t>
-            </a:r>
-          </a:p>
-          <a:p>
-            <a:pPr lvl="2"/>
+              <a:t>outliers</a:t>
+            </a:r>
+            <a:endParaRPr lang="fr-FR" dirty="0"/>
+          </a:p>
+          <a:p>
+            <a:r>
+              <a:rPr lang="fr-FR" dirty="0"/>
+              <a:t>Jeu d’entrainement, jeu de test</a:t>
+            </a:r>
+          </a:p>
+          <a:p>
             <a:r>
               <a:rPr lang="fr-FR" dirty="0" err="1"/>
-              <a:t>Random</a:t>
-            </a:r>
-            <a:r>
-              <a:rPr lang="fr-FR" dirty="0"/>
-              <a:t> Forest pour comparer l’importance des variables</a:t>
-            </a:r>
-          </a:p>
-          <a:p>
-            <a:pPr marL="1371600" lvl="2" indent="-457200">
-              <a:buFont typeface="+mj-lt"/>
-              <a:buAutoNum type="arabicPeriod"/>
-            </a:pPr>
-            <a:endParaRPr lang="fr-FR" dirty="0"/>
+              <a:t>Scaling</a:t>
+            </a:r>
+            <a:r>
+              <a:rPr lang="fr-FR" dirty="0"/>
+              <a:t> des données numériques avec le jeu d’entrainement</a:t>
+            </a:r>
+          </a:p>
+          <a:p>
+            <a:r>
+              <a:rPr lang="fr-FR" dirty="0"/>
+              <a:t>Utilisation d’un </a:t>
+            </a:r>
+            <a:r>
+              <a:rPr lang="fr-FR" dirty="0" err="1"/>
+              <a:t>GridSearch</a:t>
+            </a:r>
+            <a:r>
+              <a:rPr lang="fr-FR" dirty="0"/>
+              <a:t> avec validation croisée</a:t>
+            </a:r>
+          </a:p>
+          <a:p>
+            <a:r>
+              <a:rPr lang="fr-FR" dirty="0"/>
+              <a:t>Evaluation de l’algorithme : AUC (Area Under the </a:t>
+            </a:r>
+            <a:r>
+              <a:rPr lang="fr-FR" dirty="0" err="1"/>
+              <a:t>Curve</a:t>
+            </a:r>
+            <a:r>
+              <a:rPr lang="fr-FR" dirty="0"/>
+              <a:t>)</a:t>
+            </a:r>
           </a:p>
         </p:txBody>
       </p:sp>
     </p:spTree>
     <p:extLst>
       <p:ext uri="{BB962C8B-B14F-4D97-AF65-F5344CB8AC3E}">
-        <p14:creationId xmlns:p14="http://schemas.microsoft.com/office/powerpoint/2010/main" val="2793489939"/>
+        <p14:creationId xmlns:p14="http://schemas.microsoft.com/office/powerpoint/2010/main" val="2300588793"/>
       </p:ext>
     </p:extLst>
   </p:cSld>
@@ -9683,7 +11073,7 @@
 </p:sld>
 </file>
 
-<file path=ppt/slides/slide18.xml><?xml version="1.0" encoding="utf-8"?>
+<file path=ppt/slides/slide2.xml><?xml version="1.0" encoding="utf-8"?>
 <p:sld xmlns:a="http://schemas.openxmlformats.org/drawingml/2006/main" xmlns:r="http://schemas.openxmlformats.org/officeDocument/2006/relationships" xmlns:p="http://schemas.openxmlformats.org/presentationml/2006/main">
   <p:cSld>
     <p:spTree>
@@ -9702,6 +11092,371 @@
       </p:grpSpPr>
       <p:sp>
         <p:nvSpPr>
+          <p:cNvPr id="4098" name="Titre 1">
+            <a:extLst>
+              <a:ext uri="{FF2B5EF4-FFF2-40B4-BE49-F238E27FC236}">
+                <a16:creationId xmlns:a16="http://schemas.microsoft.com/office/drawing/2014/main" id="{2A5433F7-2CFD-4DBE-BA1D-6A01D43D8AF0}"/>
+              </a:ext>
+            </a:extLst>
+          </p:cNvPr>
+          <p:cNvSpPr>
+            <a:spLocks noGrp="1" noChangeArrowheads="1"/>
+          </p:cNvSpPr>
+          <p:nvPr>
+            <p:ph type="title"/>
+          </p:nvPr>
+        </p:nvSpPr>
+        <p:spPr/>
+        <p:txBody>
+          <a:bodyPr/>
+          <a:lstStyle/>
+          <a:p>
+            <a:pPr algn="ctr"/>
+            <a:r>
+              <a:rPr lang="fr-FR" altLang="fr-FR" dirty="0"/>
+              <a:t>Sommaire</a:t>
+            </a:r>
+          </a:p>
+        </p:txBody>
+      </p:sp>
+      <p:sp>
+        <p:nvSpPr>
+          <p:cNvPr id="4099" name="Espace réservé du contenu 2">
+            <a:extLst>
+              <a:ext uri="{FF2B5EF4-FFF2-40B4-BE49-F238E27FC236}">
+                <a16:creationId xmlns:a16="http://schemas.microsoft.com/office/drawing/2014/main" id="{7DBC3CC6-D943-4B71-A315-ED6A7D191910}"/>
+              </a:ext>
+            </a:extLst>
+          </p:cNvPr>
+          <p:cNvSpPr>
+            <a:spLocks noGrp="1" noChangeArrowheads="1"/>
+          </p:cNvSpPr>
+          <p:nvPr>
+            <p:ph idx="1"/>
+          </p:nvPr>
+        </p:nvSpPr>
+        <p:spPr>
+          <a:xfrm>
+            <a:off x="3055434" y="1951463"/>
+            <a:ext cx="8298366" cy="4225500"/>
+          </a:xfrm>
+        </p:spPr>
+        <p:txBody>
+          <a:bodyPr/>
+          <a:lstStyle/>
+          <a:p>
+            <a:r>
+              <a:rPr lang="fr-FR" altLang="fr-FR" dirty="0"/>
+              <a:t>Introduction</a:t>
+            </a:r>
+          </a:p>
+          <a:p>
+            <a:r>
+              <a:rPr lang="fr-FR" altLang="fr-FR" dirty="0"/>
+              <a:t>Les statistiques</a:t>
+            </a:r>
+          </a:p>
+          <a:p>
+            <a:r>
+              <a:rPr lang="fr-FR" altLang="fr-FR" dirty="0"/>
+              <a:t>Les données</a:t>
+            </a:r>
+          </a:p>
+          <a:p>
+            <a:pPr lvl="1"/>
+            <a:r>
+              <a:rPr lang="fr-FR" altLang="fr-FR" dirty="0"/>
+              <a:t>Préparation</a:t>
+            </a:r>
+          </a:p>
+          <a:p>
+            <a:pPr lvl="1"/>
+            <a:r>
+              <a:rPr lang="fr-FR" altLang="fr-FR" dirty="0"/>
+              <a:t>Cible</a:t>
+            </a:r>
+          </a:p>
+          <a:p>
+            <a:r>
+              <a:rPr lang="fr-FR" altLang="fr-FR" dirty="0"/>
+              <a:t>Exploration – Matrice de confusion</a:t>
+            </a:r>
+          </a:p>
+          <a:p>
+            <a:r>
+              <a:rPr lang="fr-FR" altLang="fr-FR" dirty="0"/>
+              <a:t>Modélisation</a:t>
+            </a:r>
+          </a:p>
+          <a:p>
+            <a:r>
+              <a:rPr lang="fr-FR" altLang="fr-FR" dirty="0"/>
+              <a:t>Conclusion</a:t>
+            </a:r>
+          </a:p>
+        </p:txBody>
+      </p:sp>
+    </p:spTree>
+  </p:cSld>
+  <p:clrMapOvr>
+    <a:masterClrMapping/>
+  </p:clrMapOvr>
+</p:sld>
+</file>
+
+<file path=ppt/slides/slide20.xml><?xml version="1.0" encoding="utf-8"?>
+<p:sld xmlns:a="http://schemas.openxmlformats.org/drawingml/2006/main" xmlns:r="http://schemas.openxmlformats.org/officeDocument/2006/relationships" xmlns:p="http://schemas.openxmlformats.org/presentationml/2006/main">
+  <p:cSld>
+    <p:spTree>
+      <p:nvGrpSpPr>
+        <p:cNvPr id="1" name=""/>
+        <p:cNvGrpSpPr/>
+        <p:nvPr/>
+      </p:nvGrpSpPr>
+      <p:grpSpPr>
+        <a:xfrm>
+          <a:off x="0" y="0"/>
+          <a:ext cx="0" cy="0"/>
+          <a:chOff x="0" y="0"/>
+          <a:chExt cx="0" cy="0"/>
+        </a:xfrm>
+      </p:grpSpPr>
+      <p:sp>
+        <p:nvSpPr>
+          <p:cNvPr id="2" name="Titre 1">
+            <a:extLst>
+              <a:ext uri="{FF2B5EF4-FFF2-40B4-BE49-F238E27FC236}">
+                <a16:creationId xmlns:a16="http://schemas.microsoft.com/office/drawing/2014/main" id="{617D96BB-CD5C-470B-8216-6A21BA674473}"/>
+              </a:ext>
+            </a:extLst>
+          </p:cNvPr>
+          <p:cNvSpPr>
+            <a:spLocks noGrp="1"/>
+          </p:cNvSpPr>
+          <p:nvPr>
+            <p:ph type="title"/>
+          </p:nvPr>
+        </p:nvSpPr>
+        <p:spPr/>
+        <p:txBody>
+          <a:bodyPr/>
+          <a:lstStyle/>
+          <a:p>
+            <a:pPr algn="ctr"/>
+            <a:r>
+              <a:rPr lang="fr-FR" dirty="0"/>
+              <a:t>Modélisation</a:t>
+            </a:r>
+          </a:p>
+        </p:txBody>
+      </p:sp>
+      <p:sp>
+        <p:nvSpPr>
+          <p:cNvPr id="3" name="Espace réservé du contenu 2">
+            <a:extLst>
+              <a:ext uri="{FF2B5EF4-FFF2-40B4-BE49-F238E27FC236}">
+                <a16:creationId xmlns:a16="http://schemas.microsoft.com/office/drawing/2014/main" id="{32105C5F-540C-4923-A43E-E1FEE1AAED5F}"/>
+              </a:ext>
+            </a:extLst>
+          </p:cNvPr>
+          <p:cNvSpPr>
+            <a:spLocks noGrp="1"/>
+          </p:cNvSpPr>
+          <p:nvPr>
+            <p:ph idx="1"/>
+          </p:nvPr>
+        </p:nvSpPr>
+        <p:spPr/>
+        <p:txBody>
+          <a:bodyPr/>
+          <a:lstStyle/>
+          <a:p>
+            <a:r>
+              <a:rPr lang="fr-FR" dirty="0"/>
+              <a:t>Recherche d’un modèle de classifieur </a:t>
+            </a:r>
+          </a:p>
+          <a:p>
+            <a:pPr lvl="1"/>
+            <a:r>
+              <a:rPr lang="fr-FR" dirty="0"/>
+              <a:t>Cas 1 : Toutes les variables à notre disposition</a:t>
+            </a:r>
+          </a:p>
+          <a:p>
+            <a:pPr lvl="2"/>
+            <a:r>
+              <a:rPr lang="fr-FR" dirty="0"/>
+              <a:t>Classifieur </a:t>
+            </a:r>
+            <a:r>
+              <a:rPr lang="fr-FR" dirty="0" err="1"/>
+              <a:t>naif</a:t>
+            </a:r>
+            <a:r>
+              <a:rPr lang="fr-FR" dirty="0"/>
+              <a:t> (AUC = 0.5 comme prévu)</a:t>
+            </a:r>
+          </a:p>
+          <a:p>
+            <a:pPr lvl="2"/>
+            <a:r>
+              <a:rPr lang="fr-FR" dirty="0" err="1"/>
+              <a:t>Logistic</a:t>
+            </a:r>
+            <a:r>
+              <a:rPr lang="fr-FR" dirty="0"/>
+              <a:t> </a:t>
+            </a:r>
+            <a:r>
+              <a:rPr lang="fr-FR" dirty="0" err="1"/>
+              <a:t>Regression</a:t>
+            </a:r>
+            <a:endParaRPr lang="fr-FR" dirty="0"/>
+          </a:p>
+          <a:p>
+            <a:pPr lvl="2"/>
+            <a:r>
+              <a:rPr lang="fr-FR" dirty="0"/>
+              <a:t>Extra </a:t>
+            </a:r>
+            <a:r>
+              <a:rPr lang="fr-FR" dirty="0" err="1"/>
+              <a:t>Trees</a:t>
+            </a:r>
+            <a:endParaRPr lang="fr-FR" dirty="0"/>
+          </a:p>
+          <a:p>
+            <a:pPr lvl="2"/>
+            <a:r>
+              <a:rPr lang="fr-FR" dirty="0" err="1"/>
+              <a:t>Random</a:t>
+            </a:r>
+            <a:r>
+              <a:rPr lang="fr-FR" dirty="0"/>
+              <a:t> Forest</a:t>
+            </a:r>
+          </a:p>
+          <a:p>
+            <a:pPr lvl="2"/>
+            <a:r>
+              <a:rPr lang="fr-FR" dirty="0" err="1"/>
+              <a:t>Gaussian</a:t>
+            </a:r>
+            <a:r>
+              <a:rPr lang="fr-FR" dirty="0"/>
+              <a:t> </a:t>
+            </a:r>
+            <a:r>
+              <a:rPr lang="fr-FR" dirty="0" err="1"/>
+              <a:t>Naive</a:t>
+            </a:r>
+            <a:r>
+              <a:rPr lang="fr-FR" dirty="0"/>
+              <a:t> Bayes (Pas performant, AUC faible et calcul long)</a:t>
+            </a:r>
+          </a:p>
+          <a:p>
+            <a:pPr lvl="2"/>
+            <a:r>
+              <a:rPr lang="fr-FR" dirty="0"/>
+              <a:t>KNN (Calcul vraiment trop long)</a:t>
+            </a:r>
+          </a:p>
+          <a:p>
+            <a:pPr lvl="2"/>
+            <a:r>
+              <a:rPr lang="fr-FR" dirty="0" err="1"/>
+              <a:t>Grandient</a:t>
+            </a:r>
+            <a:r>
+              <a:rPr lang="fr-FR" dirty="0"/>
+              <a:t> </a:t>
+            </a:r>
+            <a:r>
+              <a:rPr lang="fr-FR" dirty="0" err="1"/>
+              <a:t>Boosting</a:t>
+            </a:r>
+            <a:r>
+              <a:rPr lang="fr-FR" dirty="0"/>
+              <a:t> (Calcul vraiment trop long aussi)</a:t>
+            </a:r>
+          </a:p>
+          <a:p>
+            <a:pPr lvl="1"/>
+            <a:r>
+              <a:rPr lang="fr-FR" dirty="0"/>
+              <a:t>Cas 2 : Sans les </a:t>
+            </a:r>
+            <a:r>
+              <a:rPr lang="fr-FR" dirty="0" err="1"/>
+              <a:t>features</a:t>
+            </a:r>
+            <a:r>
+              <a:rPr lang="fr-FR" dirty="0"/>
+              <a:t> ‘maison’ : score, encours, </a:t>
+            </a:r>
+            <a:r>
+              <a:rPr lang="fr-FR" dirty="0" err="1"/>
+              <a:t>procol</a:t>
+            </a:r>
+            <a:r>
+              <a:rPr lang="fr-FR" dirty="0"/>
+              <a:t> et leur historique</a:t>
+            </a:r>
+          </a:p>
+          <a:p>
+            <a:pPr lvl="2"/>
+            <a:r>
+              <a:rPr lang="fr-FR" dirty="0" err="1"/>
+              <a:t>Random</a:t>
+            </a:r>
+            <a:r>
+              <a:rPr lang="fr-FR" dirty="0"/>
+              <a:t> Forest pour comparer l’importance des variables</a:t>
+            </a:r>
+          </a:p>
+          <a:p>
+            <a:pPr marL="1371600" lvl="2" indent="-457200">
+              <a:buFont typeface="+mj-lt"/>
+              <a:buAutoNum type="arabicPeriod"/>
+            </a:pPr>
+            <a:endParaRPr lang="fr-FR" dirty="0"/>
+          </a:p>
+        </p:txBody>
+      </p:sp>
+    </p:spTree>
+    <p:extLst>
+      <p:ext uri="{BB962C8B-B14F-4D97-AF65-F5344CB8AC3E}">
+        <p14:creationId xmlns:p14="http://schemas.microsoft.com/office/powerpoint/2010/main" val="2793489939"/>
+      </p:ext>
+    </p:extLst>
+  </p:cSld>
+  <p:clrMapOvr>
+    <a:masterClrMapping/>
+  </p:clrMapOvr>
+</p:sld>
+</file>
+
+<file path=ppt/slides/slide21.xml><?xml version="1.0" encoding="utf-8"?>
+<p:sld xmlns:a="http://schemas.openxmlformats.org/drawingml/2006/main" xmlns:r="http://schemas.openxmlformats.org/officeDocument/2006/relationships" xmlns:p="http://schemas.openxmlformats.org/presentationml/2006/main">
+  <p:cSld>
+    <p:spTree>
+      <p:nvGrpSpPr>
+        <p:cNvPr id="1" name=""/>
+        <p:cNvGrpSpPr/>
+        <p:nvPr/>
+      </p:nvGrpSpPr>
+      <p:grpSpPr>
+        <a:xfrm>
+          <a:off x="0" y="0"/>
+          <a:ext cx="0" cy="0"/>
+          <a:chOff x="0" y="0"/>
+          <a:chExt cx="0" cy="0"/>
+        </a:xfrm>
+      </p:grpSpPr>
+      <p:sp>
+        <p:nvSpPr>
           <p:cNvPr id="2" name="Titre 1">
             <a:extLst>
               <a:ext uri="{FF2B5EF4-FFF2-40B4-BE49-F238E27FC236}">
@@ -9754,7 +11509,7 @@
           </p:nvPr>
         </p:nvPicPr>
         <p:blipFill>
-          <a:blip r:embed="rId2"/>
+          <a:blip r:embed="rId3"/>
           <a:stretch>
             <a:fillRect/>
           </a:stretch>
@@ -9780,7 +11535,7 @@
           <p:nvPr/>
         </p:nvPicPr>
         <p:blipFill>
-          <a:blip r:embed="rId3"/>
+          <a:blip r:embed="rId4"/>
           <a:stretch>
             <a:fillRect/>
           </a:stretch>
@@ -9808,7 +11563,7 @@
 </p:sld>
 </file>
 
-<file path=ppt/slides/slide19.xml><?xml version="1.0" encoding="utf-8"?>
+<file path=ppt/slides/slide22.xml><?xml version="1.0" encoding="utf-8"?>
 <p:sld xmlns:a="http://schemas.openxmlformats.org/drawingml/2006/main" xmlns:r="http://schemas.openxmlformats.org/officeDocument/2006/relationships" xmlns:p="http://schemas.openxmlformats.org/presentationml/2006/main">
   <p:cSld>
     <p:spTree>
@@ -9871,7 +11626,7 @@
           </p:nvPr>
         </p:nvPicPr>
         <p:blipFill>
-          <a:blip r:embed="rId2"/>
+          <a:blip r:embed="rId3"/>
           <a:stretch>
             <a:fillRect/>
           </a:stretch>
@@ -9897,7 +11652,7 @@
           <p:nvPr/>
         </p:nvPicPr>
         <p:blipFill>
-          <a:blip r:embed="rId3"/>
+          <a:blip r:embed="rId4"/>
           <a:stretch>
             <a:fillRect/>
           </a:stretch>
@@ -9925,138 +11680,7 @@
 </p:sld>
 </file>
 
-<file path=ppt/slides/slide2.xml><?xml version="1.0" encoding="utf-8"?>
-<p:sld xmlns:a="http://schemas.openxmlformats.org/drawingml/2006/main" xmlns:r="http://schemas.openxmlformats.org/officeDocument/2006/relationships" xmlns:p="http://schemas.openxmlformats.org/presentationml/2006/main">
-  <p:cSld>
-    <p:spTree>
-      <p:nvGrpSpPr>
-        <p:cNvPr id="1" name=""/>
-        <p:cNvGrpSpPr/>
-        <p:nvPr/>
-      </p:nvGrpSpPr>
-      <p:grpSpPr>
-        <a:xfrm>
-          <a:off x="0" y="0"/>
-          <a:ext cx="0" cy="0"/>
-          <a:chOff x="0" y="0"/>
-          <a:chExt cx="0" cy="0"/>
-        </a:xfrm>
-      </p:grpSpPr>
-      <p:sp>
-        <p:nvSpPr>
-          <p:cNvPr id="4098" name="Titre 1">
-            <a:extLst>
-              <a:ext uri="{FF2B5EF4-FFF2-40B4-BE49-F238E27FC236}">
-                <a16:creationId xmlns:a16="http://schemas.microsoft.com/office/drawing/2014/main" id="{2A5433F7-2CFD-4DBE-BA1D-6A01D43D8AF0}"/>
-              </a:ext>
-            </a:extLst>
-          </p:cNvPr>
-          <p:cNvSpPr>
-            <a:spLocks noGrp="1" noChangeArrowheads="1"/>
-          </p:cNvSpPr>
-          <p:nvPr>
-            <p:ph type="title"/>
-          </p:nvPr>
-        </p:nvSpPr>
-        <p:spPr/>
-        <p:txBody>
-          <a:bodyPr/>
-          <a:lstStyle/>
-          <a:p>
-            <a:pPr algn="ctr"/>
-            <a:r>
-              <a:rPr lang="fr-FR" altLang="fr-FR" dirty="0"/>
-              <a:t>Sommaire</a:t>
-            </a:r>
-          </a:p>
-        </p:txBody>
-      </p:sp>
-      <p:sp>
-        <p:nvSpPr>
-          <p:cNvPr id="4099" name="Espace réservé du contenu 2">
-            <a:extLst>
-              <a:ext uri="{FF2B5EF4-FFF2-40B4-BE49-F238E27FC236}">
-                <a16:creationId xmlns:a16="http://schemas.microsoft.com/office/drawing/2014/main" id="{7DBC3CC6-D943-4B71-A315-ED6A7D191910}"/>
-              </a:ext>
-            </a:extLst>
-          </p:cNvPr>
-          <p:cNvSpPr>
-            <a:spLocks noGrp="1" noChangeArrowheads="1"/>
-          </p:cNvSpPr>
-          <p:nvPr>
-            <p:ph idx="1"/>
-          </p:nvPr>
-        </p:nvSpPr>
-        <p:spPr>
-          <a:xfrm>
-            <a:off x="3055434" y="1951463"/>
-            <a:ext cx="8298366" cy="4225500"/>
-          </a:xfrm>
-        </p:spPr>
-        <p:txBody>
-          <a:bodyPr/>
-          <a:lstStyle/>
-          <a:p>
-            <a:r>
-              <a:rPr lang="fr-FR" altLang="fr-FR" dirty="0"/>
-              <a:t>Introduction</a:t>
-            </a:r>
-          </a:p>
-          <a:p>
-            <a:r>
-              <a:rPr lang="fr-FR" altLang="fr-FR" dirty="0"/>
-              <a:t>Les statistiques</a:t>
-            </a:r>
-          </a:p>
-          <a:p>
-            <a:r>
-              <a:rPr lang="fr-FR" altLang="fr-FR" dirty="0"/>
-              <a:t>Les données</a:t>
-            </a:r>
-          </a:p>
-          <a:p>
-            <a:pPr lvl="1"/>
-            <a:r>
-              <a:rPr lang="fr-FR" altLang="fr-FR" dirty="0"/>
-              <a:t>Préparation</a:t>
-            </a:r>
-          </a:p>
-          <a:p>
-            <a:pPr lvl="1"/>
-            <a:r>
-              <a:rPr lang="fr-FR" altLang="fr-FR" dirty="0"/>
-              <a:t>Cible</a:t>
-            </a:r>
-          </a:p>
-          <a:p>
-            <a:r>
-              <a:rPr lang="fr-FR" altLang="fr-FR" dirty="0"/>
-              <a:t>Exploration – Matrice de confusion</a:t>
-            </a:r>
-          </a:p>
-          <a:p>
-            <a:r>
-              <a:rPr lang="fr-FR" altLang="fr-FR" dirty="0"/>
-              <a:t>Modélisation</a:t>
-            </a:r>
-          </a:p>
-          <a:p>
-            <a:r>
-              <a:rPr lang="fr-FR" altLang="fr-FR" dirty="0"/>
-              <a:t>Conclusion</a:t>
-            </a:r>
-          </a:p>
-        </p:txBody>
-      </p:sp>
-    </p:spTree>
-  </p:cSld>
-  <p:clrMapOvr>
-    <a:masterClrMapping/>
-  </p:clrMapOvr>
-</p:sld>
-</file>
-
-<file path=ppt/slides/slide20.xml><?xml version="1.0" encoding="utf-8"?>
+<file path=ppt/slides/slide23.xml><?xml version="1.0" encoding="utf-8"?>
 <p:sld xmlns:a="http://schemas.openxmlformats.org/drawingml/2006/main" xmlns:r="http://schemas.openxmlformats.org/officeDocument/2006/relationships" xmlns:p="http://schemas.openxmlformats.org/presentationml/2006/main">
   <p:cSld>
     <p:spTree>
@@ -10176,8 +11800,8 @@
 </p:sld>
 </file>
 
-<file path=ppt/slides/slide21.xml><?xml version="1.0" encoding="utf-8"?>
-<p:sld xmlns:a="http://schemas.openxmlformats.org/drawingml/2006/main" xmlns:r="http://schemas.openxmlformats.org/officeDocument/2006/relationships" xmlns:p="http://schemas.openxmlformats.org/presentationml/2006/main">
+<file path=ppt/slides/slide24.xml><?xml version="1.0" encoding="utf-8"?>
+<p:sld xmlns:a="http://schemas.openxmlformats.org/drawingml/2006/main" xmlns:r="http://schemas.openxmlformats.org/officeDocument/2006/relationships" xmlns:p="http://schemas.openxmlformats.org/presentationml/2006/main" show="0">
   <p:cSld>
     <p:spTree>
       <p:nvGrpSpPr>
@@ -10447,7 +12071,98 @@
 </p:sld>
 </file>
 
-<file path=ppt/slides/slide22.xml><?xml version="1.0" encoding="utf-8"?>
+<file path=ppt/slides/slide25.xml><?xml version="1.0" encoding="utf-8"?>
+<p:sld xmlns:a="http://schemas.openxmlformats.org/drawingml/2006/main" xmlns:r="http://schemas.openxmlformats.org/officeDocument/2006/relationships" xmlns:p="http://schemas.openxmlformats.org/presentationml/2006/main">
+  <p:cSld>
+    <p:spTree>
+      <p:nvGrpSpPr>
+        <p:cNvPr id="1" name=""/>
+        <p:cNvGrpSpPr/>
+        <p:nvPr/>
+      </p:nvGrpSpPr>
+      <p:grpSpPr>
+        <a:xfrm>
+          <a:off x="0" y="0"/>
+          <a:ext cx="0" cy="0"/>
+          <a:chOff x="0" y="0"/>
+          <a:chExt cx="0" cy="0"/>
+        </a:xfrm>
+      </p:grpSpPr>
+      <p:pic>
+        <p:nvPicPr>
+          <p:cNvPr id="5" name="Espace réservé du contenu 4">
+            <a:extLst>
+              <a:ext uri="{FF2B5EF4-FFF2-40B4-BE49-F238E27FC236}">
+                <a16:creationId xmlns:a16="http://schemas.microsoft.com/office/drawing/2014/main" id="{179B6AAC-FC31-4A85-AD0C-33EC4EA48A98}"/>
+              </a:ext>
+            </a:extLst>
+          </p:cNvPr>
+          <p:cNvPicPr>
+            <a:picLocks noGrp="1" noChangeAspect="1"/>
+          </p:cNvPicPr>
+          <p:nvPr>
+            <p:ph idx="1"/>
+          </p:nvPr>
+        </p:nvPicPr>
+        <p:blipFill>
+          <a:blip r:embed="rId3"/>
+          <a:stretch>
+            <a:fillRect/>
+          </a:stretch>
+        </p:blipFill>
+        <p:spPr>
+          <a:xfrm>
+            <a:off x="2755246" y="1825625"/>
+            <a:ext cx="6681507" cy="4351338"/>
+          </a:xfrm>
+          <a:prstGeom prst="rect">
+            <a:avLst/>
+          </a:prstGeom>
+        </p:spPr>
+      </p:pic>
+      <p:sp>
+        <p:nvSpPr>
+          <p:cNvPr id="2" name="Titre 1">
+            <a:extLst>
+              <a:ext uri="{FF2B5EF4-FFF2-40B4-BE49-F238E27FC236}">
+                <a16:creationId xmlns:a16="http://schemas.microsoft.com/office/drawing/2014/main" id="{63F296B4-0338-4DCE-A051-AF7307ECE799}"/>
+              </a:ext>
+            </a:extLst>
+          </p:cNvPr>
+          <p:cNvSpPr>
+            <a:spLocks noGrp="1"/>
+          </p:cNvSpPr>
+          <p:nvPr>
+            <p:ph type="title"/>
+          </p:nvPr>
+        </p:nvSpPr>
+        <p:spPr/>
+        <p:txBody>
+          <a:bodyPr/>
+          <a:lstStyle/>
+          <a:p>
+            <a:pPr algn="ctr"/>
+            <a:r>
+              <a:rPr lang="fr-FR" dirty="0"/>
+              <a:t>Comparaison des modèles</a:t>
+            </a:r>
+          </a:p>
+        </p:txBody>
+      </p:sp>
+    </p:spTree>
+    <p:extLst>
+      <p:ext uri="{BB962C8B-B14F-4D97-AF65-F5344CB8AC3E}">
+        <p14:creationId xmlns:p14="http://schemas.microsoft.com/office/powerpoint/2010/main" val="3827282409"/>
+      </p:ext>
+    </p:extLst>
+  </p:cSld>
+  <p:clrMapOvr>
+    <a:masterClrMapping/>
+  </p:clrMapOvr>
+</p:sld>
+</file>
+
+<file path=ppt/slides/slide26.xml><?xml version="1.0" encoding="utf-8"?>
 <p:sld xmlns:a="http://schemas.openxmlformats.org/drawingml/2006/main" xmlns:r="http://schemas.openxmlformats.org/officeDocument/2006/relationships" xmlns:p="http://schemas.openxmlformats.org/presentationml/2006/main">
   <p:cSld>
     <p:spTree>
@@ -10831,7 +12546,7 @@
 </p:sld>
 </file>
 
-<file path=ppt/slides/slide23.xml><?xml version="1.0" encoding="utf-8"?>
+<file path=ppt/slides/slide27.xml><?xml version="1.0" encoding="utf-8"?>
 <p:sld xmlns:a="http://schemas.openxmlformats.org/drawingml/2006/main" xmlns:r="http://schemas.openxmlformats.org/officeDocument/2006/relationships" xmlns:p="http://schemas.openxmlformats.org/presentationml/2006/main">
   <p:cSld>
     <p:spTree>
@@ -10872,7 +12587,7 @@
             <a:pPr algn="ctr"/>
             <a:r>
               <a:rPr lang="fr-FR" dirty="0"/>
-              <a:t>Importance des variables - Toutes</a:t>
+              <a:t>Importance des variables</a:t>
             </a:r>
           </a:p>
         </p:txBody>
@@ -10922,7 +12637,7 @@
 </p:sld>
 </file>
 
-<file path=ppt/slides/slide24.xml><?xml version="1.0" encoding="utf-8"?>
+<file path=ppt/slides/slide28.xml><?xml version="1.0" encoding="utf-8"?>
 <p:sld xmlns:a="http://schemas.openxmlformats.org/drawingml/2006/main" xmlns:r="http://schemas.openxmlformats.org/officeDocument/2006/relationships" xmlns:p="http://schemas.openxmlformats.org/presentationml/2006/main">
   <p:cSld>
     <p:spTree>
@@ -11054,382 +12769,6 @@
 </p:sld>
 </file>
 
-<file path=ppt/slides/slide25.xml><?xml version="1.0" encoding="utf-8"?>
-<p:sld xmlns:a="http://schemas.openxmlformats.org/drawingml/2006/main" xmlns:r="http://schemas.openxmlformats.org/officeDocument/2006/relationships" xmlns:p="http://schemas.openxmlformats.org/presentationml/2006/main">
-  <p:cSld>
-    <p:spTree>
-      <p:nvGrpSpPr>
-        <p:cNvPr id="1" name=""/>
-        <p:cNvGrpSpPr/>
-        <p:nvPr/>
-      </p:nvGrpSpPr>
-      <p:grpSpPr>
-        <a:xfrm>
-          <a:off x="0" y="0"/>
-          <a:ext cx="0" cy="0"/>
-          <a:chOff x="0" y="0"/>
-          <a:chExt cx="0" cy="0"/>
-        </a:xfrm>
-      </p:grpSpPr>
-      <p:pic>
-        <p:nvPicPr>
-          <p:cNvPr id="8" name="Espace réservé du contenu 7">
-            <a:extLst>
-              <a:ext uri="{FF2B5EF4-FFF2-40B4-BE49-F238E27FC236}">
-                <a16:creationId xmlns:a16="http://schemas.microsoft.com/office/drawing/2014/main" id="{47CC9A61-655B-42C2-BE51-2BC5D283E3AC}"/>
-              </a:ext>
-            </a:extLst>
-          </p:cNvPr>
-          <p:cNvPicPr>
-            <a:picLocks noGrp="1" noChangeAspect="1"/>
-          </p:cNvPicPr>
-          <p:nvPr>
-            <p:ph idx="1"/>
-          </p:nvPr>
-        </p:nvPicPr>
-        <p:blipFill>
-          <a:blip r:embed="rId3"/>
-          <a:stretch>
-            <a:fillRect/>
-          </a:stretch>
-        </p:blipFill>
-        <p:spPr>
-          <a:xfrm>
-            <a:off x="2755246" y="1825625"/>
-            <a:ext cx="6681507" cy="4351338"/>
-          </a:xfrm>
-          <a:prstGeom prst="rect">
-            <a:avLst/>
-          </a:prstGeom>
-        </p:spPr>
-      </p:pic>
-      <p:sp>
-        <p:nvSpPr>
-          <p:cNvPr id="2" name="Titre 1">
-            <a:extLst>
-              <a:ext uri="{FF2B5EF4-FFF2-40B4-BE49-F238E27FC236}">
-                <a16:creationId xmlns:a16="http://schemas.microsoft.com/office/drawing/2014/main" id="{63F296B4-0338-4DCE-A051-AF7307ECE799}"/>
-              </a:ext>
-            </a:extLst>
-          </p:cNvPr>
-          <p:cNvSpPr>
-            <a:spLocks noGrp="1"/>
-          </p:cNvSpPr>
-          <p:nvPr>
-            <p:ph type="title"/>
-          </p:nvPr>
-        </p:nvSpPr>
-        <p:spPr/>
-        <p:txBody>
-          <a:bodyPr/>
-          <a:lstStyle/>
-          <a:p>
-            <a:pPr algn="ctr"/>
-            <a:r>
-              <a:rPr lang="fr-FR" dirty="0"/>
-              <a:t>Comparaison des modèles (cas 2)</a:t>
-            </a:r>
-          </a:p>
-        </p:txBody>
-      </p:sp>
-    </p:spTree>
-    <p:extLst>
-      <p:ext uri="{BB962C8B-B14F-4D97-AF65-F5344CB8AC3E}">
-        <p14:creationId xmlns:p14="http://schemas.microsoft.com/office/powerpoint/2010/main" val="1819149752"/>
-      </p:ext>
-    </p:extLst>
-  </p:cSld>
-  <p:clrMapOvr>
-    <a:masterClrMapping/>
-  </p:clrMapOvr>
-</p:sld>
-</file>
-
-<file path=ppt/slides/slide26.xml><?xml version="1.0" encoding="utf-8"?>
-<p:sld xmlns:a="http://schemas.openxmlformats.org/drawingml/2006/main" xmlns:r="http://schemas.openxmlformats.org/officeDocument/2006/relationships" xmlns:p="http://schemas.openxmlformats.org/presentationml/2006/main">
-  <p:cSld>
-    <p:spTree>
-      <p:nvGrpSpPr>
-        <p:cNvPr id="1" name=""/>
-        <p:cNvGrpSpPr/>
-        <p:nvPr/>
-      </p:nvGrpSpPr>
-      <p:grpSpPr>
-        <a:xfrm>
-          <a:off x="0" y="0"/>
-          <a:ext cx="0" cy="0"/>
-          <a:chOff x="0" y="0"/>
-          <a:chExt cx="0" cy="0"/>
-        </a:xfrm>
-      </p:grpSpPr>
-      <p:sp>
-        <p:nvSpPr>
-          <p:cNvPr id="2" name="Titre 1">
-            <a:extLst>
-              <a:ext uri="{FF2B5EF4-FFF2-40B4-BE49-F238E27FC236}">
-                <a16:creationId xmlns:a16="http://schemas.microsoft.com/office/drawing/2014/main" id="{5B2E0B66-9CFD-4206-8404-96D04ADF0B73}"/>
-              </a:ext>
-            </a:extLst>
-          </p:cNvPr>
-          <p:cNvSpPr>
-            <a:spLocks noGrp="1"/>
-          </p:cNvSpPr>
-          <p:nvPr>
-            <p:ph type="title"/>
-          </p:nvPr>
-        </p:nvSpPr>
-        <p:spPr/>
-        <p:txBody>
-          <a:bodyPr/>
-          <a:lstStyle/>
-          <a:p>
-            <a:pPr algn="ctr"/>
-            <a:r>
-              <a:rPr lang="fr-FR" dirty="0"/>
-              <a:t>Importance des variables – Cas 2</a:t>
-            </a:r>
-          </a:p>
-        </p:txBody>
-      </p:sp>
-      <p:pic>
-        <p:nvPicPr>
-          <p:cNvPr id="3" name="Espace réservé du contenu 2">
-            <a:extLst>
-              <a:ext uri="{FF2B5EF4-FFF2-40B4-BE49-F238E27FC236}">
-                <a16:creationId xmlns:a16="http://schemas.microsoft.com/office/drawing/2014/main" id="{C939D6E3-99CA-4182-A999-914E2A220495}"/>
-              </a:ext>
-            </a:extLst>
-          </p:cNvPr>
-          <p:cNvPicPr>
-            <a:picLocks noGrp="1" noChangeAspect="1"/>
-          </p:cNvPicPr>
-          <p:nvPr>
-            <p:ph idx="1"/>
-          </p:nvPr>
-        </p:nvPicPr>
-        <p:blipFill>
-          <a:blip r:embed="rId3"/>
-          <a:stretch>
-            <a:fillRect/>
-          </a:stretch>
-        </p:blipFill>
-        <p:spPr>
-          <a:xfrm>
-            <a:off x="838200" y="1825625"/>
-            <a:ext cx="10515600" cy="4351338"/>
-          </a:xfrm>
-          <a:prstGeom prst="rect">
-            <a:avLst/>
-          </a:prstGeom>
-        </p:spPr>
-      </p:pic>
-    </p:spTree>
-    <p:extLst>
-      <p:ext uri="{BB962C8B-B14F-4D97-AF65-F5344CB8AC3E}">
-        <p14:creationId xmlns:p14="http://schemas.microsoft.com/office/powerpoint/2010/main" val="3906977104"/>
-      </p:ext>
-    </p:extLst>
-  </p:cSld>
-  <p:clrMapOvr>
-    <a:masterClrMapping/>
-  </p:clrMapOvr>
-</p:sld>
-</file>
-
-<file path=ppt/slides/slide27.xml><?xml version="1.0" encoding="utf-8"?>
-<p:sld xmlns:a="http://schemas.openxmlformats.org/drawingml/2006/main" xmlns:r="http://schemas.openxmlformats.org/officeDocument/2006/relationships" xmlns:p="http://schemas.openxmlformats.org/presentationml/2006/main">
-  <p:cSld>
-    <p:spTree>
-      <p:nvGrpSpPr>
-        <p:cNvPr id="1" name=""/>
-        <p:cNvGrpSpPr/>
-        <p:nvPr/>
-      </p:nvGrpSpPr>
-      <p:grpSpPr>
-        <a:xfrm>
-          <a:off x="0" y="0"/>
-          <a:ext cx="0" cy="0"/>
-          <a:chOff x="0" y="0"/>
-          <a:chExt cx="0" cy="0"/>
-        </a:xfrm>
-      </p:grpSpPr>
-      <p:sp>
-        <p:nvSpPr>
-          <p:cNvPr id="2" name="Titre 1">
-            <a:extLst>
-              <a:ext uri="{FF2B5EF4-FFF2-40B4-BE49-F238E27FC236}">
-                <a16:creationId xmlns:a16="http://schemas.microsoft.com/office/drawing/2014/main" id="{04C8789D-20E6-4A34-8022-9000E421D118}"/>
-              </a:ext>
-            </a:extLst>
-          </p:cNvPr>
-          <p:cNvSpPr>
-            <a:spLocks noGrp="1"/>
-          </p:cNvSpPr>
-          <p:nvPr>
-            <p:ph type="title"/>
-          </p:nvPr>
-        </p:nvSpPr>
-        <p:spPr/>
-        <p:txBody>
-          <a:bodyPr/>
-          <a:lstStyle/>
-          <a:p>
-            <a:pPr algn="ctr"/>
-            <a:r>
-              <a:rPr lang="fr-FR" dirty="0"/>
-              <a:t>Réduction dimensionnelle</a:t>
-            </a:r>
-          </a:p>
-        </p:txBody>
-      </p:sp>
-      <p:sp>
-        <p:nvSpPr>
-          <p:cNvPr id="3" name="Espace réservé du contenu 2">
-            <a:extLst>
-              <a:ext uri="{FF2B5EF4-FFF2-40B4-BE49-F238E27FC236}">
-                <a16:creationId xmlns:a16="http://schemas.microsoft.com/office/drawing/2014/main" id="{B28DC5BD-B0D5-427D-9055-CD32A6982C8C}"/>
-              </a:ext>
-            </a:extLst>
-          </p:cNvPr>
-          <p:cNvSpPr>
-            <a:spLocks noGrp="1"/>
-          </p:cNvSpPr>
-          <p:nvPr>
-            <p:ph idx="1"/>
-          </p:nvPr>
-        </p:nvSpPr>
-        <p:spPr/>
-        <p:txBody>
-          <a:bodyPr/>
-          <a:lstStyle/>
-          <a:p>
-            <a:r>
-              <a:rPr lang="fr-FR" dirty="0"/>
-              <a:t>Pour palier à un nombre de dimensions élevé (322, sans les données financières et avec un code NAF de niveau 1), on peut faire une réduction dimensionnelle</a:t>
-            </a:r>
-          </a:p>
-          <a:p>
-            <a:r>
-              <a:rPr lang="fr-FR" dirty="0"/>
-              <a:t>Les résultats avec une ACP ou avec TSVD sont équivalents:</a:t>
-            </a:r>
-          </a:p>
-          <a:p>
-            <a:pPr lvl="1"/>
-            <a:r>
-              <a:rPr lang="fr-FR" dirty="0"/>
-              <a:t>12 dimensions permettent d’expliquer 90% de la variance</a:t>
-            </a:r>
-          </a:p>
-          <a:p>
-            <a:endParaRPr lang="fr-FR" dirty="0"/>
-          </a:p>
-        </p:txBody>
-      </p:sp>
-    </p:spTree>
-    <p:extLst>
-      <p:ext uri="{BB962C8B-B14F-4D97-AF65-F5344CB8AC3E}">
-        <p14:creationId xmlns:p14="http://schemas.microsoft.com/office/powerpoint/2010/main" val="259743301"/>
-      </p:ext>
-    </p:extLst>
-  </p:cSld>
-  <p:clrMapOvr>
-    <a:masterClrMapping/>
-  </p:clrMapOvr>
-</p:sld>
-</file>
-
-<file path=ppt/slides/slide28.xml><?xml version="1.0" encoding="utf-8"?>
-<p:sld xmlns:a="http://schemas.openxmlformats.org/drawingml/2006/main" xmlns:r="http://schemas.openxmlformats.org/officeDocument/2006/relationships" xmlns:p="http://schemas.openxmlformats.org/presentationml/2006/main">
-  <p:cSld>
-    <p:spTree>
-      <p:nvGrpSpPr>
-        <p:cNvPr id="1" name=""/>
-        <p:cNvGrpSpPr/>
-        <p:nvPr/>
-      </p:nvGrpSpPr>
-      <p:grpSpPr>
-        <a:xfrm>
-          <a:off x="0" y="0"/>
-          <a:ext cx="0" cy="0"/>
-          <a:chOff x="0" y="0"/>
-          <a:chExt cx="0" cy="0"/>
-        </a:xfrm>
-      </p:grpSpPr>
-      <p:sp>
-        <p:nvSpPr>
-          <p:cNvPr id="2" name="Titre 1">
-            <a:extLst>
-              <a:ext uri="{FF2B5EF4-FFF2-40B4-BE49-F238E27FC236}">
-                <a16:creationId xmlns:a16="http://schemas.microsoft.com/office/drawing/2014/main" id="{5BD49E56-4289-4DCB-99AD-D5FEAB69F769}"/>
-              </a:ext>
-            </a:extLst>
-          </p:cNvPr>
-          <p:cNvSpPr>
-            <a:spLocks noGrp="1"/>
-          </p:cNvSpPr>
-          <p:nvPr>
-            <p:ph type="title"/>
-          </p:nvPr>
-        </p:nvSpPr>
-        <p:spPr/>
-        <p:txBody>
-          <a:bodyPr/>
-          <a:lstStyle/>
-          <a:p>
-            <a:pPr algn="ctr"/>
-            <a:r>
-              <a:rPr lang="fr-FR" dirty="0"/>
-              <a:t>Variance cumulée des principales composantes</a:t>
-            </a:r>
-          </a:p>
-        </p:txBody>
-      </p:sp>
-      <p:pic>
-        <p:nvPicPr>
-          <p:cNvPr id="6" name="Espace réservé du contenu 5">
-            <a:extLst>
-              <a:ext uri="{FF2B5EF4-FFF2-40B4-BE49-F238E27FC236}">
-                <a16:creationId xmlns:a16="http://schemas.microsoft.com/office/drawing/2014/main" id="{F6A7C203-337C-4503-A482-121114923A0C}"/>
-              </a:ext>
-            </a:extLst>
-          </p:cNvPr>
-          <p:cNvPicPr>
-            <a:picLocks noGrp="1" noChangeAspect="1"/>
-          </p:cNvPicPr>
-          <p:nvPr>
-            <p:ph idx="1"/>
-          </p:nvPr>
-        </p:nvPicPr>
-        <p:blipFill>
-          <a:blip r:embed="rId2"/>
-          <a:stretch>
-            <a:fillRect/>
-          </a:stretch>
-        </p:blipFill>
-        <p:spPr>
-          <a:xfrm>
-            <a:off x="2060681" y="1825625"/>
-            <a:ext cx="8070638" cy="4351338"/>
-          </a:xfrm>
-          <a:prstGeom prst="rect">
-            <a:avLst/>
-          </a:prstGeom>
-        </p:spPr>
-      </p:pic>
-    </p:spTree>
-    <p:extLst>
-      <p:ext uri="{BB962C8B-B14F-4D97-AF65-F5344CB8AC3E}">
-        <p14:creationId xmlns:p14="http://schemas.microsoft.com/office/powerpoint/2010/main" val="3285663836"/>
-      </p:ext>
-    </p:extLst>
-  </p:cSld>
-  <p:clrMapOvr>
-    <a:masterClrMapping/>
-  </p:clrMapOvr>
-</p:sld>
-</file>
-
 <file path=ppt/slides/slide29.xml><?xml version="1.0" encoding="utf-8"?>
 <p:sld xmlns:a="http://schemas.openxmlformats.org/drawingml/2006/main" xmlns:r="http://schemas.openxmlformats.org/officeDocument/2006/relationships" xmlns:p="http://schemas.openxmlformats.org/presentationml/2006/main">
   <p:cSld>
@@ -11452,7 +12791,7 @@
           <p:cNvPr id="2" name="Titre 1">
             <a:extLst>
               <a:ext uri="{FF2B5EF4-FFF2-40B4-BE49-F238E27FC236}">
-                <a16:creationId xmlns:a16="http://schemas.microsoft.com/office/drawing/2014/main" id="{EA28B984-E3A0-43B8-B15B-6702157EA039}"/>
+                <a16:creationId xmlns:a16="http://schemas.microsoft.com/office/drawing/2014/main" id="{04C8789D-20E6-4A34-8022-9000E421D118}"/>
               </a:ext>
             </a:extLst>
           </p:cNvPr>
@@ -11471,47 +12810,59 @@
             <a:pPr algn="ctr"/>
             <a:r>
               <a:rPr lang="fr-FR" dirty="0"/>
-              <a:t>Projection sur les deux dimensions principales</a:t>
-            </a:r>
-          </a:p>
-        </p:txBody>
-      </p:sp>
-      <p:pic>
-        <p:nvPicPr>
-          <p:cNvPr id="6" name="Espace réservé du contenu 5">
+              <a:t>Réduction dimensionnelle</a:t>
+            </a:r>
+          </a:p>
+        </p:txBody>
+      </p:sp>
+      <p:sp>
+        <p:nvSpPr>
+          <p:cNvPr id="3" name="Espace réservé du contenu 2">
             <a:extLst>
               <a:ext uri="{FF2B5EF4-FFF2-40B4-BE49-F238E27FC236}">
-                <a16:creationId xmlns:a16="http://schemas.microsoft.com/office/drawing/2014/main" id="{16645764-9874-40D7-BA01-9FA7F0D9CDEB}"/>
+                <a16:creationId xmlns:a16="http://schemas.microsoft.com/office/drawing/2014/main" id="{B28DC5BD-B0D5-427D-9055-CD32A6982C8C}"/>
               </a:ext>
             </a:extLst>
           </p:cNvPr>
-          <p:cNvPicPr>
-            <a:picLocks noGrp="1" noChangeAspect="1"/>
-          </p:cNvPicPr>
+          <p:cNvSpPr>
+            <a:spLocks noGrp="1"/>
+          </p:cNvSpPr>
           <p:nvPr>
             <p:ph idx="1"/>
           </p:nvPr>
-        </p:nvPicPr>
-        <p:blipFill>
-          <a:blip r:embed="rId3"/>
-          <a:stretch>
-            <a:fillRect/>
-          </a:stretch>
-        </p:blipFill>
-        <p:spPr>
-          <a:xfrm>
-            <a:off x="3033090" y="1825625"/>
-            <a:ext cx="6125819" cy="4351338"/>
-          </a:xfrm>
-          <a:prstGeom prst="rect">
-            <a:avLst/>
-          </a:prstGeom>
-        </p:spPr>
-      </p:pic>
+        </p:nvSpPr>
+        <p:spPr/>
+        <p:txBody>
+          <a:bodyPr/>
+          <a:lstStyle/>
+          <a:p>
+            <a:r>
+              <a:rPr lang="fr-FR" dirty="0"/>
+              <a:t>Pour palier à un nombre de dimensions élevé (322, sans les données financières et avec un code NAF de niveau 1), on peut faire une réduction dimensionnelle</a:t>
+            </a:r>
+          </a:p>
+          <a:p>
+            <a:r>
+              <a:rPr lang="fr-FR" dirty="0"/>
+              <a:t>Les résultats avec une ACP ou avec TSVD sont équivalents:</a:t>
+            </a:r>
+          </a:p>
+          <a:p>
+            <a:pPr lvl="1"/>
+            <a:r>
+              <a:rPr lang="fr-FR" dirty="0"/>
+              <a:t>12 dimensions permettent d’expliquer 90% de la variance</a:t>
+            </a:r>
+          </a:p>
+          <a:p>
+            <a:endParaRPr lang="fr-FR" dirty="0"/>
+          </a:p>
+        </p:txBody>
+      </p:sp>
     </p:spTree>
     <p:extLst>
       <p:ext uri="{BB962C8B-B14F-4D97-AF65-F5344CB8AC3E}">
-        <p14:creationId xmlns:p14="http://schemas.microsoft.com/office/powerpoint/2010/main" val="1545557661"/>
+        <p14:creationId xmlns:p14="http://schemas.microsoft.com/office/powerpoint/2010/main" val="259743301"/>
       </p:ext>
     </p:extLst>
   </p:cSld>
@@ -11716,15 +13067,15 @@
       </p:grpSpPr>
       <p:sp>
         <p:nvSpPr>
-          <p:cNvPr id="45058" name="Titre 1">
+          <p:cNvPr id="2" name="Titre 1">
             <a:extLst>
               <a:ext uri="{FF2B5EF4-FFF2-40B4-BE49-F238E27FC236}">
-                <a16:creationId xmlns:a16="http://schemas.microsoft.com/office/drawing/2014/main" id="{755B7D4E-8198-44AE-8D3A-BF837F995533}"/>
+                <a16:creationId xmlns:a16="http://schemas.microsoft.com/office/drawing/2014/main" id="{5BD49E56-4289-4DCB-99AD-D5FEAB69F769}"/>
               </a:ext>
             </a:extLst>
           </p:cNvPr>
           <p:cNvSpPr>
-            <a:spLocks noGrp="1" noChangeArrowheads="1"/>
+            <a:spLocks noGrp="1"/>
           </p:cNvSpPr>
           <p:nvPr>
             <p:ph type="title"/>
@@ -11738,166 +13089,47 @@
             <a:pPr algn="ctr"/>
             <a:r>
               <a:rPr lang="fr-FR" dirty="0"/>
-              <a:t>Modèle final</a:t>
-            </a:r>
-            <a:endParaRPr lang="fr-FR" altLang="fr-FR" dirty="0"/>
-          </a:p>
-        </p:txBody>
-      </p:sp>
-      <p:sp>
-        <p:nvSpPr>
-          <p:cNvPr id="3" name="Espace réservé du contenu 2">
+              <a:t>Variance cumulée des principales composantes</a:t>
+            </a:r>
+          </a:p>
+        </p:txBody>
+      </p:sp>
+      <p:pic>
+        <p:nvPicPr>
+          <p:cNvPr id="6" name="Espace réservé du contenu 5">
             <a:extLst>
               <a:ext uri="{FF2B5EF4-FFF2-40B4-BE49-F238E27FC236}">
-                <a16:creationId xmlns:a16="http://schemas.microsoft.com/office/drawing/2014/main" id="{FB788966-8FAE-48AA-AD22-60A256D4EDAC}"/>
+                <a16:creationId xmlns:a16="http://schemas.microsoft.com/office/drawing/2014/main" id="{F6A7C203-337C-4503-A482-121114923A0C}"/>
               </a:ext>
             </a:extLst>
           </p:cNvPr>
-          <p:cNvSpPr>
-            <a:spLocks noGrp="1"/>
-          </p:cNvSpPr>
+          <p:cNvPicPr>
+            <a:picLocks noGrp="1" noChangeAspect="1"/>
+          </p:cNvPicPr>
           <p:nvPr>
             <p:ph idx="1"/>
           </p:nvPr>
-        </p:nvSpPr>
-        <p:spPr/>
-        <p:txBody>
-          <a:bodyPr rtlCol="0">
-            <a:normAutofit/>
-          </a:bodyPr>
-          <a:lstStyle/>
-          <a:p>
-            <a:pPr marL="0" indent="0" fontAlgn="auto">
-              <a:spcAft>
-                <a:spcPts val="0"/>
-              </a:spcAft>
-              <a:buNone/>
-              <a:defRPr/>
-            </a:pPr>
-            <a:r>
-              <a:rPr lang="fr-FR" dirty="0" err="1"/>
-              <a:t>RandomForestClassifier</a:t>
-            </a:r>
-            <a:r>
-              <a:rPr lang="fr-FR" dirty="0"/>
-              <a:t> :</a:t>
-            </a:r>
-          </a:p>
-          <a:p>
-            <a:pPr marL="0" indent="0" fontAlgn="auto">
-              <a:spcAft>
-                <a:spcPts val="0"/>
-              </a:spcAft>
-              <a:buFont typeface="Arial" panose="020B0604020202020204" pitchFamily="34" charset="0"/>
-              <a:buNone/>
-              <a:defRPr/>
-            </a:pPr>
-            <a:r>
-              <a:rPr lang="fr-FR" dirty="0"/>
-              <a:t>	</a:t>
-            </a:r>
-            <a:r>
-              <a:rPr lang="fr-FR" dirty="0" err="1"/>
-              <a:t>n_estimator</a:t>
-            </a:r>
-            <a:r>
-              <a:rPr lang="fr-FR" dirty="0"/>
-              <a:t> = 100: </a:t>
-            </a:r>
-          </a:p>
-          <a:p>
-            <a:pPr marL="0" indent="0" fontAlgn="auto">
-              <a:spcAft>
-                <a:spcPts val="0"/>
-              </a:spcAft>
-              <a:buFont typeface="Arial" panose="020B0604020202020204" pitchFamily="34" charset="0"/>
-              <a:buNone/>
-              <a:defRPr/>
-            </a:pPr>
-            <a:r>
-              <a:rPr lang="fr-FR" dirty="0"/>
-              <a:t>	</a:t>
-            </a:r>
-            <a:r>
-              <a:rPr lang="fr-FR" dirty="0" err="1"/>
-              <a:t>max_depth</a:t>
-            </a:r>
-            <a:r>
-              <a:rPr lang="fr-FR" dirty="0"/>
-              <a:t> = None</a:t>
-            </a:r>
-          </a:p>
-          <a:p>
-            <a:pPr marL="0" indent="0" fontAlgn="auto">
-              <a:spcAft>
-                <a:spcPts val="0"/>
-              </a:spcAft>
-              <a:buFont typeface="Arial" panose="020B0604020202020204" pitchFamily="34" charset="0"/>
-              <a:buNone/>
-              <a:defRPr/>
-            </a:pPr>
-            <a:r>
-              <a:rPr lang="fr-FR" dirty="0"/>
-              <a:t>	</a:t>
-            </a:r>
-            <a:r>
-              <a:rPr lang="fr-FR" dirty="0" err="1"/>
-              <a:t>min_sample_split</a:t>
-            </a:r>
-            <a:r>
-              <a:rPr lang="fr-FR" dirty="0"/>
-              <a:t> = 3</a:t>
-            </a:r>
-          </a:p>
-          <a:p>
-            <a:pPr marL="0" indent="0" fontAlgn="auto">
-              <a:spcAft>
-                <a:spcPts val="0"/>
-              </a:spcAft>
-              <a:buFont typeface="Arial" panose="020B0604020202020204" pitchFamily="34" charset="0"/>
-              <a:buNone/>
-              <a:defRPr/>
-            </a:pPr>
-            <a:r>
-              <a:rPr lang="fr-FR" dirty="0"/>
-              <a:t>	</a:t>
-            </a:r>
-            <a:r>
-              <a:rPr lang="fr-FR" dirty="0" err="1"/>
-              <a:t>max_feature</a:t>
-            </a:r>
-            <a:r>
-              <a:rPr lang="fr-FR" dirty="0"/>
-              <a:t> = log2</a:t>
-            </a:r>
-          </a:p>
-          <a:p>
-            <a:pPr marL="0" indent="0" fontAlgn="auto">
-              <a:spcAft>
-                <a:spcPts val="0"/>
-              </a:spcAft>
-              <a:buNone/>
-              <a:defRPr/>
-            </a:pPr>
-            <a:r>
-              <a:rPr lang="fr-FR" dirty="0"/>
-              <a:t>	</a:t>
-            </a:r>
-            <a:r>
-              <a:rPr lang="fr-FR" dirty="0" err="1"/>
-              <a:t>max_leaf_nodes</a:t>
-            </a:r>
-            <a:r>
-              <a:rPr lang="fr-FR" dirty="0"/>
-              <a:t> = 2</a:t>
-            </a:r>
-          </a:p>
-        </p:txBody>
-      </p:sp>
+        </p:nvPicPr>
+        <p:blipFill>
+          <a:blip r:embed="rId2"/>
+          <a:stretch>
+            <a:fillRect/>
+          </a:stretch>
+        </p:blipFill>
+        <p:spPr>
+          <a:xfrm>
+            <a:off x="2060681" y="1825625"/>
+            <a:ext cx="8070638" cy="4351338"/>
+          </a:xfrm>
+          <a:prstGeom prst="rect">
+            <a:avLst/>
+          </a:prstGeom>
+        </p:spPr>
+      </p:pic>
     </p:spTree>
     <p:extLst>
       <p:ext uri="{BB962C8B-B14F-4D97-AF65-F5344CB8AC3E}">
-        <p14:creationId xmlns:p14="http://schemas.microsoft.com/office/powerpoint/2010/main" val="2134149673"/>
+        <p14:creationId xmlns:p14="http://schemas.microsoft.com/office/powerpoint/2010/main" val="3285663836"/>
       </p:ext>
     </p:extLst>
   </p:cSld>
@@ -11929,6 +13161,307 @@
           <p:cNvPr id="2" name="Titre 1">
             <a:extLst>
               <a:ext uri="{FF2B5EF4-FFF2-40B4-BE49-F238E27FC236}">
+                <a16:creationId xmlns:a16="http://schemas.microsoft.com/office/drawing/2014/main" id="{EA28B984-E3A0-43B8-B15B-6702157EA039}"/>
+              </a:ext>
+            </a:extLst>
+          </p:cNvPr>
+          <p:cNvSpPr>
+            <a:spLocks noGrp="1"/>
+          </p:cNvSpPr>
+          <p:nvPr>
+            <p:ph type="title"/>
+          </p:nvPr>
+        </p:nvSpPr>
+        <p:spPr/>
+        <p:txBody>
+          <a:bodyPr/>
+          <a:lstStyle/>
+          <a:p>
+            <a:pPr algn="ctr"/>
+            <a:r>
+              <a:rPr lang="fr-FR" dirty="0"/>
+              <a:t>Projection sur les deux dimensions principales</a:t>
+            </a:r>
+          </a:p>
+        </p:txBody>
+      </p:sp>
+      <p:pic>
+        <p:nvPicPr>
+          <p:cNvPr id="6" name="Espace réservé du contenu 5">
+            <a:extLst>
+              <a:ext uri="{FF2B5EF4-FFF2-40B4-BE49-F238E27FC236}">
+                <a16:creationId xmlns:a16="http://schemas.microsoft.com/office/drawing/2014/main" id="{16645764-9874-40D7-BA01-9FA7F0D9CDEB}"/>
+              </a:ext>
+            </a:extLst>
+          </p:cNvPr>
+          <p:cNvPicPr>
+            <a:picLocks noGrp="1" noChangeAspect="1"/>
+          </p:cNvPicPr>
+          <p:nvPr>
+            <p:ph idx="1"/>
+          </p:nvPr>
+        </p:nvPicPr>
+        <p:blipFill>
+          <a:blip r:embed="rId3"/>
+          <a:stretch>
+            <a:fillRect/>
+          </a:stretch>
+        </p:blipFill>
+        <p:spPr>
+          <a:xfrm>
+            <a:off x="3033090" y="1825625"/>
+            <a:ext cx="6125819" cy="4351338"/>
+          </a:xfrm>
+          <a:prstGeom prst="rect">
+            <a:avLst/>
+          </a:prstGeom>
+        </p:spPr>
+      </p:pic>
+    </p:spTree>
+    <p:extLst>
+      <p:ext uri="{BB962C8B-B14F-4D97-AF65-F5344CB8AC3E}">
+        <p14:creationId xmlns:p14="http://schemas.microsoft.com/office/powerpoint/2010/main" val="1545557661"/>
+      </p:ext>
+    </p:extLst>
+  </p:cSld>
+  <p:clrMapOvr>
+    <a:masterClrMapping/>
+  </p:clrMapOvr>
+</p:sld>
+</file>
+
+<file path=ppt/slides/slide32.xml><?xml version="1.0" encoding="utf-8"?>
+<p:sld xmlns:a="http://schemas.openxmlformats.org/drawingml/2006/main" xmlns:r="http://schemas.openxmlformats.org/officeDocument/2006/relationships" xmlns:p="http://schemas.openxmlformats.org/presentationml/2006/main">
+  <p:cSld>
+    <p:spTree>
+      <p:nvGrpSpPr>
+        <p:cNvPr id="1" name=""/>
+        <p:cNvGrpSpPr/>
+        <p:nvPr/>
+      </p:nvGrpSpPr>
+      <p:grpSpPr>
+        <a:xfrm>
+          <a:off x="0" y="0"/>
+          <a:ext cx="0" cy="0"/>
+          <a:chOff x="0" y="0"/>
+          <a:chExt cx="0" cy="0"/>
+        </a:xfrm>
+      </p:grpSpPr>
+      <p:sp>
+        <p:nvSpPr>
+          <p:cNvPr id="45058" name="Titre 1">
+            <a:extLst>
+              <a:ext uri="{FF2B5EF4-FFF2-40B4-BE49-F238E27FC236}">
+                <a16:creationId xmlns:a16="http://schemas.microsoft.com/office/drawing/2014/main" id="{755B7D4E-8198-44AE-8D3A-BF837F995533}"/>
+              </a:ext>
+            </a:extLst>
+          </p:cNvPr>
+          <p:cNvSpPr>
+            <a:spLocks noGrp="1" noChangeArrowheads="1"/>
+          </p:cNvSpPr>
+          <p:nvPr>
+            <p:ph type="title"/>
+          </p:nvPr>
+        </p:nvSpPr>
+        <p:spPr/>
+        <p:txBody>
+          <a:bodyPr/>
+          <a:lstStyle/>
+          <a:p>
+            <a:pPr algn="ctr"/>
+            <a:r>
+              <a:rPr lang="fr-FR" dirty="0"/>
+              <a:t>Modèle final</a:t>
+            </a:r>
+            <a:endParaRPr lang="fr-FR" altLang="fr-FR" dirty="0"/>
+          </a:p>
+        </p:txBody>
+      </p:sp>
+      <p:sp>
+        <p:nvSpPr>
+          <p:cNvPr id="3" name="Espace réservé du contenu 2">
+            <a:extLst>
+              <a:ext uri="{FF2B5EF4-FFF2-40B4-BE49-F238E27FC236}">
+                <a16:creationId xmlns:a16="http://schemas.microsoft.com/office/drawing/2014/main" id="{FB788966-8FAE-48AA-AD22-60A256D4EDAC}"/>
+              </a:ext>
+            </a:extLst>
+          </p:cNvPr>
+          <p:cNvSpPr>
+            <a:spLocks noGrp="1"/>
+          </p:cNvSpPr>
+          <p:nvPr>
+            <p:ph idx="1"/>
+          </p:nvPr>
+        </p:nvSpPr>
+        <p:spPr/>
+        <p:txBody>
+          <a:bodyPr rtlCol="0">
+            <a:normAutofit/>
+          </a:bodyPr>
+          <a:lstStyle/>
+          <a:p>
+            <a:pPr marL="0" indent="0" fontAlgn="auto">
+              <a:spcAft>
+                <a:spcPts val="0"/>
+              </a:spcAft>
+              <a:buNone/>
+              <a:defRPr/>
+            </a:pPr>
+            <a:r>
+              <a:rPr lang="fr-FR" dirty="0" err="1"/>
+              <a:t>RandomForestClassifier</a:t>
+            </a:r>
+            <a:r>
+              <a:rPr lang="fr-FR" dirty="0"/>
+              <a:t> :</a:t>
+            </a:r>
+          </a:p>
+          <a:p>
+            <a:pPr marL="0" indent="0" fontAlgn="auto">
+              <a:spcAft>
+                <a:spcPts val="0"/>
+              </a:spcAft>
+              <a:buFont typeface="Arial" panose="020B0604020202020204" pitchFamily="34" charset="0"/>
+              <a:buNone/>
+              <a:defRPr/>
+            </a:pPr>
+            <a:r>
+              <a:rPr lang="fr-FR" dirty="0"/>
+              <a:t>	</a:t>
+            </a:r>
+            <a:r>
+              <a:rPr lang="fr-FR" dirty="0" err="1"/>
+              <a:t>n_estimator</a:t>
+            </a:r>
+            <a:r>
+              <a:rPr lang="fr-FR" dirty="0"/>
+              <a:t> = 100 </a:t>
+            </a:r>
+          </a:p>
+          <a:p>
+            <a:pPr marL="0" indent="0" fontAlgn="auto">
+              <a:spcAft>
+                <a:spcPts val="0"/>
+              </a:spcAft>
+              <a:buFont typeface="Arial" panose="020B0604020202020204" pitchFamily="34" charset="0"/>
+              <a:buNone/>
+              <a:defRPr/>
+            </a:pPr>
+            <a:r>
+              <a:rPr lang="fr-FR" dirty="0"/>
+              <a:t>	</a:t>
+            </a:r>
+            <a:r>
+              <a:rPr lang="fr-FR" dirty="0" err="1"/>
+              <a:t>max_depth</a:t>
+            </a:r>
+            <a:r>
+              <a:rPr lang="fr-FR" dirty="0"/>
+              <a:t> = None</a:t>
+            </a:r>
+          </a:p>
+          <a:p>
+            <a:pPr marL="0" indent="0" fontAlgn="auto">
+              <a:spcAft>
+                <a:spcPts val="0"/>
+              </a:spcAft>
+              <a:buFont typeface="Arial" panose="020B0604020202020204" pitchFamily="34" charset="0"/>
+              <a:buNone/>
+              <a:defRPr/>
+            </a:pPr>
+            <a:r>
+              <a:rPr lang="fr-FR" dirty="0"/>
+              <a:t>	</a:t>
+            </a:r>
+            <a:r>
+              <a:rPr lang="fr-FR" dirty="0" err="1"/>
+              <a:t>min_sample_split</a:t>
+            </a:r>
+            <a:r>
+              <a:rPr lang="fr-FR" dirty="0"/>
+              <a:t> = 3</a:t>
+            </a:r>
+          </a:p>
+          <a:p>
+            <a:pPr marL="0" indent="0" fontAlgn="auto">
+              <a:spcAft>
+                <a:spcPts val="0"/>
+              </a:spcAft>
+              <a:buFont typeface="Arial" panose="020B0604020202020204" pitchFamily="34" charset="0"/>
+              <a:buNone/>
+              <a:defRPr/>
+            </a:pPr>
+            <a:r>
+              <a:rPr lang="fr-FR" dirty="0"/>
+              <a:t>	</a:t>
+            </a:r>
+            <a:r>
+              <a:rPr lang="fr-FR" dirty="0" err="1"/>
+              <a:t>max_feature</a:t>
+            </a:r>
+            <a:r>
+              <a:rPr lang="fr-FR" dirty="0"/>
+              <a:t> = log2</a:t>
+            </a:r>
+          </a:p>
+          <a:p>
+            <a:pPr marL="0" indent="0" fontAlgn="auto">
+              <a:spcAft>
+                <a:spcPts val="0"/>
+              </a:spcAft>
+              <a:buNone/>
+              <a:defRPr/>
+            </a:pPr>
+            <a:r>
+              <a:rPr lang="fr-FR" dirty="0"/>
+              <a:t>	</a:t>
+            </a:r>
+            <a:r>
+              <a:rPr lang="fr-FR" dirty="0" err="1"/>
+              <a:t>max_leaf_nodes</a:t>
+            </a:r>
+            <a:r>
+              <a:rPr lang="fr-FR" dirty="0"/>
+              <a:t> = 2</a:t>
+            </a:r>
+          </a:p>
+        </p:txBody>
+      </p:sp>
+    </p:spTree>
+    <p:extLst>
+      <p:ext uri="{BB962C8B-B14F-4D97-AF65-F5344CB8AC3E}">
+        <p14:creationId xmlns:p14="http://schemas.microsoft.com/office/powerpoint/2010/main" val="2134149673"/>
+      </p:ext>
+    </p:extLst>
+  </p:cSld>
+  <p:clrMapOvr>
+    <a:masterClrMapping/>
+  </p:clrMapOvr>
+</p:sld>
+</file>
+
+<file path=ppt/slides/slide33.xml><?xml version="1.0" encoding="utf-8"?>
+<p:sld xmlns:a="http://schemas.openxmlformats.org/drawingml/2006/main" xmlns:r="http://schemas.openxmlformats.org/officeDocument/2006/relationships" xmlns:p="http://schemas.openxmlformats.org/presentationml/2006/main" show="0">
+  <p:cSld>
+    <p:spTree>
+      <p:nvGrpSpPr>
+        <p:cNvPr id="1" name=""/>
+        <p:cNvGrpSpPr/>
+        <p:nvPr/>
+      </p:nvGrpSpPr>
+      <p:grpSpPr>
+        <a:xfrm>
+          <a:off x="0" y="0"/>
+          <a:ext cx="0" cy="0"/>
+          <a:chOff x="0" y="0"/>
+          <a:chExt cx="0" cy="0"/>
+        </a:xfrm>
+      </p:grpSpPr>
+      <p:sp>
+        <p:nvSpPr>
+          <p:cNvPr id="2" name="Titre 1">
+            <a:extLst>
+              <a:ext uri="{FF2B5EF4-FFF2-40B4-BE49-F238E27FC236}">
                 <a16:creationId xmlns:a16="http://schemas.microsoft.com/office/drawing/2014/main" id="{E1FFD2DC-5226-47DC-A2AD-8C221D1A2610}"/>
               </a:ext>
             </a:extLst>
@@ -11970,7 +13503,7 @@
           </p:nvPr>
         </p:nvPicPr>
         <p:blipFill>
-          <a:blip r:embed="rId2"/>
+          <a:blip r:embed="rId3"/>
           <a:stretch>
             <a:fillRect/>
           </a:stretch>
@@ -11998,7 +13531,7 @@
 </p:sld>
 </file>
 
-<file path=ppt/slides/slide32.xml><?xml version="1.0" encoding="utf-8"?>
+<file path=ppt/slides/slide34.xml><?xml version="1.0" encoding="utf-8"?>
 <p:sld xmlns:a="http://schemas.openxmlformats.org/drawingml/2006/main" xmlns:r="http://schemas.openxmlformats.org/officeDocument/2006/relationships" xmlns:p="http://schemas.openxmlformats.org/presentationml/2006/main">
   <p:cSld>
     <p:spTree>
@@ -12061,15 +13594,15 @@
           </p:nvPr>
         </p:nvPicPr>
         <p:blipFill>
-          <a:blip r:embed="rId2"/>
+          <a:blip r:embed="rId3"/>
           <a:stretch>
             <a:fillRect/>
           </a:stretch>
         </p:blipFill>
         <p:spPr>
           <a:xfrm>
-            <a:off x="3090862" y="2486819"/>
-            <a:ext cx="6010275" cy="3028950"/>
+            <a:off x="1795346" y="1784194"/>
+            <a:ext cx="8028878" cy="4270917"/>
           </a:xfrm>
           <a:prstGeom prst="rect">
             <a:avLst/>
@@ -12089,7 +13622,7 @@
 </p:sld>
 </file>
 
-<file path=ppt/slides/slide33.xml><?xml version="1.0" encoding="utf-8"?>
+<file path=ppt/slides/slide35.xml><?xml version="1.0" encoding="utf-8"?>
 <p:sld xmlns:a="http://schemas.openxmlformats.org/drawingml/2006/main" xmlns:r="http://schemas.openxmlformats.org/officeDocument/2006/relationships" xmlns:p="http://schemas.openxmlformats.org/presentationml/2006/main">
   <p:cSld>
     <p:spTree>
@@ -12108,15 +13641,15 @@
       </p:grpSpPr>
       <p:sp>
         <p:nvSpPr>
-          <p:cNvPr id="45058" name="Titre 1">
+          <p:cNvPr id="2" name="Titre 1">
             <a:extLst>
               <a:ext uri="{FF2B5EF4-FFF2-40B4-BE49-F238E27FC236}">
-                <a16:creationId xmlns:a16="http://schemas.microsoft.com/office/drawing/2014/main" id="{755B7D4E-8198-44AE-8D3A-BF837F995533}"/>
+                <a16:creationId xmlns:a16="http://schemas.microsoft.com/office/drawing/2014/main" id="{85E3F7EE-17D6-40A3-BCB3-3942F2D29FD3}"/>
               </a:ext>
             </a:extLst>
           </p:cNvPr>
           <p:cNvSpPr>
-            <a:spLocks noGrp="1" noChangeArrowheads="1"/>
+            <a:spLocks noGrp="1"/>
           </p:cNvSpPr>
           <p:nvPr>
             <p:ph type="title"/>
@@ -12129,8 +13662,8 @@
           <a:p>
             <a:pPr algn="ctr"/>
             <a:r>
-              <a:rPr lang="fr-FR" altLang="fr-FR" dirty="0"/>
-              <a:t>Conclusion</a:t>
+              <a:rPr lang="fr-FR" dirty="0"/>
+              <a:t>Pistes d’améliorations</a:t>
             </a:r>
           </a:p>
         </p:txBody>
@@ -12140,7 +13673,7 @@
           <p:cNvPr id="3" name="Espace réservé du contenu 2">
             <a:extLst>
               <a:ext uri="{FF2B5EF4-FFF2-40B4-BE49-F238E27FC236}">
-                <a16:creationId xmlns:a16="http://schemas.microsoft.com/office/drawing/2014/main" id="{FB788966-8FAE-48AA-AD22-60A256D4EDAC}"/>
+                <a16:creationId xmlns:a16="http://schemas.microsoft.com/office/drawing/2014/main" id="{DC34A4C7-8990-43F1-93B7-614A56682D37}"/>
               </a:ext>
             </a:extLst>
           </p:cNvPr>
@@ -12153,108 +13686,58 @@
         </p:nvSpPr>
         <p:spPr/>
         <p:txBody>
-          <a:bodyPr rtlCol="0">
-            <a:normAutofit/>
-          </a:bodyPr>
+          <a:bodyPr/>
           <a:lstStyle/>
           <a:p>
-            <a:pPr marL="0" indent="0" fontAlgn="auto">
-              <a:spcAft>
-                <a:spcPts val="0"/>
-              </a:spcAft>
-              <a:buFont typeface="Arial" panose="020B0604020202020204" pitchFamily="34" charset="0"/>
+            <a:pPr marL="0" indent="0">
               <a:buNone/>
-              <a:defRPr/>
             </a:pPr>
             <a:r>
               <a:rPr lang="fr-FR" dirty="0"/>
-              <a:t>L’algorithme de calcul actuel semble être largement perfectible, surtout en ce qui concerne les faux négatifs (en bas à gauche des matrices de confusion).</a:t>
-            </a:r>
-          </a:p>
-          <a:p>
-            <a:pPr marL="0" indent="0" fontAlgn="auto">
-              <a:spcAft>
-                <a:spcPts val="0"/>
-              </a:spcAft>
-              <a:buFont typeface="Arial" panose="020B0604020202020204" pitchFamily="34" charset="0"/>
+              <a:t>Plus de variables (code évolutif)</a:t>
+            </a:r>
+          </a:p>
+          <a:p>
+            <a:pPr marL="0" indent="0">
               <a:buNone/>
-              <a:defRPr/>
             </a:pPr>
             <a:r>
               <a:rPr lang="fr-FR" dirty="0"/>
-              <a:t>En revanche pour améliorer le taux de faux positifs il va surement falloir:</a:t>
-            </a:r>
-          </a:p>
-          <a:p>
-            <a:pPr lvl="1" fontAlgn="auto">
-              <a:spcAft>
-                <a:spcPts val="0"/>
-              </a:spcAft>
-              <a:defRPr/>
+              <a:t>Historique plus profond</a:t>
+            </a:r>
+          </a:p>
+          <a:p>
+            <a:pPr marL="0" indent="0">
+              <a:buNone/>
             </a:pPr>
             <a:r>
               <a:rPr lang="fr-FR" dirty="0"/>
-              <a:t>Récupérer plus d’information</a:t>
-            </a:r>
-          </a:p>
-          <a:p>
-            <a:pPr lvl="1" fontAlgn="auto">
-              <a:spcAft>
-                <a:spcPts val="0"/>
-              </a:spcAft>
-              <a:defRPr/>
+              <a:t>Historique des contentieux et d’autres variables</a:t>
+            </a:r>
+          </a:p>
+          <a:p>
+            <a:pPr marL="0" indent="0">
+              <a:buNone/>
             </a:pPr>
             <a:r>
               <a:rPr lang="fr-FR" dirty="0"/>
-              <a:t>Jouer sur le paramétrage du modèle</a:t>
-            </a:r>
-          </a:p>
-          <a:p>
-            <a:pPr lvl="1" fontAlgn="auto">
-              <a:spcAft>
-                <a:spcPts val="0"/>
-              </a:spcAft>
-              <a:defRPr/>
-            </a:pPr>
-            <a:r>
-              <a:rPr lang="fr-FR" dirty="0"/>
-              <a:t>Modifier le seuil de la classification binaire</a:t>
-            </a:r>
-          </a:p>
-          <a:p>
-            <a:pPr lvl="1" fontAlgn="auto">
-              <a:spcAft>
-                <a:spcPts val="0"/>
-              </a:spcAft>
-              <a:defRPr/>
+              <a:t>Modification de la cible actuelle (score &lt;= 7, 8…)</a:t>
+            </a:r>
+          </a:p>
+          <a:p>
+            <a:pPr marL="0" indent="0">
+              <a:buNone/>
             </a:pPr>
             <a:endParaRPr lang="fr-FR" dirty="0"/>
           </a:p>
-          <a:p>
-            <a:pPr marL="0" indent="0" fontAlgn="auto">
-              <a:spcAft>
-                <a:spcPts val="0"/>
-              </a:spcAft>
-              <a:buFont typeface="Arial" panose="020B0604020202020204" pitchFamily="34" charset="0"/>
-              <a:buNone/>
-              <a:defRPr/>
-            </a:pPr>
-            <a:endParaRPr lang="fr-FR" dirty="0"/>
-          </a:p>
-          <a:p>
-            <a:pPr marL="0" indent="0" fontAlgn="auto">
-              <a:spcAft>
-                <a:spcPts val="0"/>
-              </a:spcAft>
-              <a:buFont typeface="Arial" panose="020B0604020202020204" pitchFamily="34" charset="0"/>
-              <a:buNone/>
-              <a:defRPr/>
-            </a:pPr>
-            <a:endParaRPr lang="fr-FR" dirty="0"/>
-          </a:p>
         </p:txBody>
       </p:sp>
     </p:spTree>
+    <p:extLst>
+      <p:ext uri="{BB962C8B-B14F-4D97-AF65-F5344CB8AC3E}">
+        <p14:creationId xmlns:p14="http://schemas.microsoft.com/office/powerpoint/2010/main" val="573760792"/>
+      </p:ext>
+    </p:extLst>
   </p:cSld>
   <p:clrMapOvr>
     <a:masterClrMapping/>
@@ -12262,7 +13745,7 @@
 </p:sld>
 </file>
 
-<file path=ppt/slides/slide34.xml><?xml version="1.0" encoding="utf-8"?>
+<file path=ppt/slides/slide36.xml><?xml version="1.0" encoding="utf-8"?>
 <p:sld xmlns:a="http://schemas.openxmlformats.org/drawingml/2006/main" xmlns:r="http://schemas.openxmlformats.org/officeDocument/2006/relationships" xmlns:p="http://schemas.openxmlformats.org/presentationml/2006/main">
   <p:cSld>
     <p:spTree>
@@ -12281,15 +13764,15 @@
       </p:grpSpPr>
       <p:sp>
         <p:nvSpPr>
-          <p:cNvPr id="2" name="Titre 1">
+          <p:cNvPr id="45058" name="Titre 1">
             <a:extLst>
               <a:ext uri="{FF2B5EF4-FFF2-40B4-BE49-F238E27FC236}">
-                <a16:creationId xmlns:a16="http://schemas.microsoft.com/office/drawing/2014/main" id="{85E3F7EE-17D6-40A3-BCB3-3942F2D29FD3}"/>
+                <a16:creationId xmlns:a16="http://schemas.microsoft.com/office/drawing/2014/main" id="{755B7D4E-8198-44AE-8D3A-BF837F995533}"/>
               </a:ext>
             </a:extLst>
           </p:cNvPr>
           <p:cNvSpPr>
-            <a:spLocks noGrp="1"/>
+            <a:spLocks noGrp="1" noChangeArrowheads="1"/>
           </p:cNvSpPr>
           <p:nvPr>
             <p:ph type="title"/>
@@ -12302,8 +13785,8 @@
           <a:p>
             <a:pPr algn="ctr"/>
             <a:r>
-              <a:rPr lang="fr-FR" dirty="0"/>
-              <a:t>Pistes d’améliorations</a:t>
+              <a:rPr lang="fr-FR" altLang="fr-FR" dirty="0"/>
+              <a:t>Conclusion</a:t>
             </a:r>
           </a:p>
         </p:txBody>
@@ -12313,7 +13796,7 @@
           <p:cNvPr id="3" name="Espace réservé du contenu 2">
             <a:extLst>
               <a:ext uri="{FF2B5EF4-FFF2-40B4-BE49-F238E27FC236}">
-                <a16:creationId xmlns:a16="http://schemas.microsoft.com/office/drawing/2014/main" id="{DC34A4C7-8990-43F1-93B7-614A56682D37}"/>
+                <a16:creationId xmlns:a16="http://schemas.microsoft.com/office/drawing/2014/main" id="{FB788966-8FAE-48AA-AD22-60A256D4EDAC}"/>
               </a:ext>
             </a:extLst>
           </p:cNvPr>
@@ -12326,61 +13809,108 @@
         </p:nvSpPr>
         <p:spPr/>
         <p:txBody>
-          <a:bodyPr/>
+          <a:bodyPr rtlCol="0">
+            <a:normAutofit/>
+          </a:bodyPr>
           <a:lstStyle/>
           <a:p>
-            <a:pPr marL="0" indent="0">
+            <a:pPr marL="0" indent="0" fontAlgn="auto">
+              <a:spcAft>
+                <a:spcPts val="0"/>
+              </a:spcAft>
+              <a:buFont typeface="Arial" panose="020B0604020202020204" pitchFamily="34" charset="0"/>
               <a:buNone/>
+              <a:defRPr/>
             </a:pPr>
-            <a:r>
-              <a:rPr lang="fr-FR" dirty="0"/>
-              <a:t>Plus de variables</a:t>
-            </a:r>
-          </a:p>
-          <a:p>
-            <a:pPr marL="0" indent="0">
+            <a:endParaRPr lang="fr-FR" dirty="0"/>
+          </a:p>
+          <a:p>
+            <a:pPr fontAlgn="auto">
+              <a:spcAft>
+                <a:spcPts val="0"/>
+              </a:spcAft>
+              <a:defRPr/>
+            </a:pPr>
+            <a:r>
+              <a:rPr lang="fr-FR" dirty="0"/>
+              <a:t>Importance du stage en entreprise</a:t>
+            </a:r>
+          </a:p>
+          <a:p>
+            <a:pPr fontAlgn="auto">
+              <a:spcAft>
+                <a:spcPts val="0"/>
+              </a:spcAft>
+              <a:defRPr/>
+            </a:pPr>
+            <a:r>
+              <a:rPr lang="fr-FR" dirty="0"/>
+              <a:t>Meilleure compréhension de l’existant</a:t>
+            </a:r>
+          </a:p>
+          <a:p>
+            <a:pPr fontAlgn="auto">
+              <a:spcAft>
+                <a:spcPts val="0"/>
+              </a:spcAft>
+              <a:defRPr/>
+            </a:pPr>
+            <a:r>
+              <a:rPr lang="fr-FR" dirty="0"/>
+              <a:t>Amélioration de l’algorithme actuel à l’aide de </a:t>
+            </a:r>
+            <a:r>
+              <a:rPr lang="fr-FR" dirty="0" err="1"/>
+              <a:t>random</a:t>
+            </a:r>
+            <a:r>
+              <a:rPr lang="fr-FR" dirty="0"/>
+              <a:t> </a:t>
+            </a:r>
+            <a:r>
+              <a:rPr lang="fr-FR" dirty="0" err="1"/>
+              <a:t>forests</a:t>
+            </a:r>
+            <a:endParaRPr lang="fr-FR" dirty="0"/>
+          </a:p>
+          <a:p>
+            <a:pPr fontAlgn="auto">
+              <a:spcAft>
+                <a:spcPts val="0"/>
+              </a:spcAft>
+              <a:defRPr/>
+            </a:pPr>
+            <a:r>
+              <a:rPr lang="fr-FR" dirty="0"/>
+              <a:t>Code évolutif - Automatisation</a:t>
+            </a:r>
+          </a:p>
+          <a:p>
+            <a:pPr fontAlgn="auto">
+              <a:spcAft>
+                <a:spcPts val="0"/>
+              </a:spcAft>
+              <a:defRPr/>
+            </a:pPr>
+            <a:r>
+              <a:rPr lang="fr-FR" dirty="0"/>
+              <a:t>Marge de progression importante</a:t>
+            </a:r>
+          </a:p>
+          <a:p>
+            <a:pPr marL="0" indent="0" fontAlgn="auto">
+              <a:spcAft>
+                <a:spcPts val="0"/>
+              </a:spcAft>
+              <a:buFont typeface="Arial" panose="020B0604020202020204" pitchFamily="34" charset="0"/>
               <a:buNone/>
+              <a:defRPr/>
             </a:pPr>
-            <a:r>
-              <a:rPr lang="fr-FR" dirty="0"/>
-              <a:t>Historique plus profond</a:t>
-            </a:r>
-          </a:p>
-          <a:p>
-            <a:pPr marL="0" indent="0">
-              <a:buNone/>
-            </a:pPr>
-            <a:r>
-              <a:rPr lang="fr-FR" dirty="0"/>
-              <a:t>Historique des contentieux et d’autres variables</a:t>
-            </a:r>
-          </a:p>
-          <a:p>
-            <a:pPr marL="0" indent="0">
-              <a:buNone/>
-            </a:pPr>
-            <a:r>
-              <a:rPr lang="fr-FR" dirty="0"/>
-              <a:t>Modification de la cible (score &lt;= 7, 8…)</a:t>
-            </a:r>
-          </a:p>
-          <a:p>
-            <a:pPr marL="0" indent="0">
-              <a:buNone/>
-            </a:pPr>
-            <a:r>
-              <a:rPr lang="fr-FR" dirty="0"/>
-              <a:t>Passer en classification ternaire</a:t>
-            </a:r>
+            <a:endParaRPr lang="fr-FR" dirty="0"/>
           </a:p>
         </p:txBody>
       </p:sp>
     </p:spTree>
-    <p:extLst>
-      <p:ext uri="{BB962C8B-B14F-4D97-AF65-F5344CB8AC3E}">
-        <p14:creationId xmlns:p14="http://schemas.microsoft.com/office/powerpoint/2010/main" val="573760792"/>
-      </p:ext>
-    </p:extLst>
   </p:cSld>
   <p:clrMapOvr>
     <a:masterClrMapping/>
@@ -12388,8 +13918,8 @@
 </p:sld>
 </file>
 
-<file path=ppt/slides/slide35.xml><?xml version="1.0" encoding="utf-8"?>
-<p:sld xmlns:a="http://schemas.openxmlformats.org/drawingml/2006/main" xmlns:r="http://schemas.openxmlformats.org/officeDocument/2006/relationships" xmlns:p="http://schemas.openxmlformats.org/presentationml/2006/main" show="0">
+<file path=ppt/slides/slide37.xml><?xml version="1.0" encoding="utf-8"?>
+<p:sld xmlns:a="http://schemas.openxmlformats.org/drawingml/2006/main" xmlns:r="http://schemas.openxmlformats.org/officeDocument/2006/relationships" xmlns:p="http://schemas.openxmlformats.org/presentationml/2006/main">
   <p:cSld>
     <p:spTree>
       <p:nvGrpSpPr>
@@ -12474,7 +14004,17 @@
             </a:pPr>
             <a:r>
               <a:rPr lang="fr-FR" dirty="0"/>
-              <a:t>GitHub</a:t>
+              <a:t>GitHub : </a:t>
+            </a:r>
+            <a:r>
+              <a:rPr lang="fr-FR" dirty="0">
+                <a:hlinkClick r:id="rId3"/>
+              </a:rPr>
+              <a:t>https://github.com/morganscao/Projet8</a:t>
+            </a:r>
+            <a:r>
+              <a:rPr lang="fr-FR" dirty="0"/>
+              <a:t> </a:t>
             </a:r>
           </a:p>
           <a:p>
@@ -12498,8 +14038,49 @@
             </a:pPr>
             <a:r>
               <a:rPr lang="fr-FR" dirty="0"/>
-              <a:t>Notebooks</a:t>
-            </a:r>
+              <a:t>Rapports</a:t>
+            </a:r>
+          </a:p>
+          <a:p>
+            <a:pPr lvl="2" fontAlgn="auto">
+              <a:spcAft>
+                <a:spcPts val="0"/>
+              </a:spcAft>
+              <a:defRPr/>
+            </a:pPr>
+            <a:r>
+              <a:rPr lang="fr-FR" dirty="0"/>
+              <a:t>Présentation</a:t>
+            </a:r>
+          </a:p>
+          <a:p>
+            <a:pPr lvl="2" fontAlgn="auto">
+              <a:spcAft>
+                <a:spcPts val="0"/>
+              </a:spcAft>
+              <a:defRPr/>
+            </a:pPr>
+            <a:r>
+              <a:rPr lang="fr-FR" dirty="0"/>
+              <a:t>Rapport de stage</a:t>
+            </a:r>
+          </a:p>
+          <a:p>
+            <a:pPr lvl="2" fontAlgn="auto">
+              <a:spcAft>
+                <a:spcPts val="0"/>
+              </a:spcAft>
+              <a:defRPr/>
+            </a:pPr>
+            <a:r>
+              <a:rPr lang="fr-FR" dirty="0"/>
+              <a:t>Mode d’emploi </a:t>
+            </a:r>
+            <a:r>
+              <a:rPr lang="fr-FR"/>
+              <a:t>du code</a:t>
+            </a:r>
+            <a:endParaRPr lang="fr-FR" dirty="0"/>
           </a:p>
           <a:p>
             <a:pPr lvl="1" fontAlgn="auto">
@@ -12510,11 +14091,11 @@
             </a:pPr>
             <a:r>
               <a:rPr lang="fr-FR" dirty="0"/>
-              <a:t>Modèles</a:t>
-            </a:r>
-          </a:p>
-          <a:p>
-            <a:pPr fontAlgn="auto">
+              <a:t>Notebooks</a:t>
+            </a:r>
+          </a:p>
+          <a:p>
+            <a:pPr lvl="1" fontAlgn="auto">
               <a:spcAft>
                 <a:spcPts val="0"/>
               </a:spcAft>
@@ -12522,7 +14103,7 @@
             </a:pPr>
             <a:r>
               <a:rPr lang="fr-FR" dirty="0"/>
-              <a:t>Google Drive</a:t>
+              <a:t>Scripts</a:t>
             </a:r>
           </a:p>
           <a:p>
@@ -12544,8 +14125,8 @@
 </p:sld>
 </file>
 
-<file path=ppt/slides/slide36.xml><?xml version="1.0" encoding="utf-8"?>
-<p:sld xmlns:a="http://schemas.openxmlformats.org/drawingml/2006/main" xmlns:r="http://schemas.openxmlformats.org/officeDocument/2006/relationships" xmlns:p="http://schemas.openxmlformats.org/presentationml/2006/main" show="0">
+<file path=ppt/slides/slide38.xml><?xml version="1.0" encoding="utf-8"?>
+<p:sld xmlns:a="http://schemas.openxmlformats.org/drawingml/2006/main" xmlns:r="http://schemas.openxmlformats.org/officeDocument/2006/relationships" xmlns:p="http://schemas.openxmlformats.org/presentationml/2006/main">
   <p:cSld>
     <p:spTree>
       <p:nvGrpSpPr>
@@ -12585,7 +14166,7 @@
             <a:pPr algn="ctr"/>
             <a:r>
               <a:rPr lang="fr-FR" dirty="0"/>
-              <a:t>Remerciements</a:t>
+              <a:t>Merci à</a:t>
             </a:r>
           </a:p>
         </p:txBody>
@@ -12611,7 +14192,58 @@
           <a:bodyPr/>
           <a:lstStyle/>
           <a:p>
-            <a:endParaRPr lang="fr-FR"/>
+            <a:pPr marL="0" indent="0">
+              <a:buNone/>
+            </a:pPr>
+            <a:endParaRPr lang="fr-FR" dirty="0"/>
+          </a:p>
+          <a:p>
+            <a:r>
+              <a:rPr lang="fr-FR" dirty="0"/>
+              <a:t>Alexandre </a:t>
+            </a:r>
+            <a:r>
+              <a:rPr lang="fr-FR" dirty="0" err="1"/>
+              <a:t>Sidommo</a:t>
+            </a:r>
+            <a:r>
+              <a:rPr lang="fr-FR" dirty="0"/>
+              <a:t> pour m’avoir accueilli dans son entreprise</a:t>
+            </a:r>
+          </a:p>
+          <a:p>
+            <a:endParaRPr lang="fr-FR" dirty="0"/>
+          </a:p>
+          <a:p>
+            <a:r>
+              <a:rPr lang="fr-FR" dirty="0"/>
+              <a:t>Benoit </a:t>
+            </a:r>
+            <a:r>
+              <a:rPr lang="fr-FR" dirty="0" err="1"/>
+              <a:t>Genot</a:t>
+            </a:r>
+            <a:r>
+              <a:rPr lang="fr-FR" dirty="0"/>
+              <a:t> pour m’avoir appris et guidé</a:t>
+            </a:r>
+          </a:p>
+          <a:p>
+            <a:endParaRPr lang="fr-FR" dirty="0"/>
+          </a:p>
+          <a:p>
+            <a:r>
+              <a:rPr lang="fr-FR" dirty="0"/>
+              <a:t>Mohammed </a:t>
+            </a:r>
+            <a:r>
+              <a:rPr lang="fr-FR" dirty="0" err="1"/>
+              <a:t>Sedki</a:t>
+            </a:r>
+            <a:r>
+              <a:rPr lang="fr-FR" dirty="0"/>
+              <a:t> pour m’avoir conseillé</a:t>
+            </a:r>
           </a:p>
         </p:txBody>
       </p:sp>
@@ -12619,90 +14251,6 @@
     <p:extLst>
       <p:ext uri="{BB962C8B-B14F-4D97-AF65-F5344CB8AC3E}">
         <p14:creationId xmlns:p14="http://schemas.microsoft.com/office/powerpoint/2010/main" val="2002665412"/>
-      </p:ext>
-    </p:extLst>
-  </p:cSld>
-  <p:clrMapOvr>
-    <a:masterClrMapping/>
-  </p:clrMapOvr>
-</p:sld>
-</file>
-
-<file path=ppt/slides/slide37.xml><?xml version="1.0" encoding="utf-8"?>
-<p:sld xmlns:a="http://schemas.openxmlformats.org/drawingml/2006/main" xmlns:r="http://schemas.openxmlformats.org/officeDocument/2006/relationships" xmlns:p="http://schemas.openxmlformats.org/presentationml/2006/main" show="0">
-  <p:cSld>
-    <p:spTree>
-      <p:nvGrpSpPr>
-        <p:cNvPr id="1" name=""/>
-        <p:cNvGrpSpPr/>
-        <p:nvPr/>
-      </p:nvGrpSpPr>
-      <p:grpSpPr>
-        <a:xfrm>
-          <a:off x="0" y="0"/>
-          <a:ext cx="0" cy="0"/>
-          <a:chOff x="0" y="0"/>
-          <a:chExt cx="0" cy="0"/>
-        </a:xfrm>
-      </p:grpSpPr>
-      <p:sp>
-        <p:nvSpPr>
-          <p:cNvPr id="2" name="Titre 1">
-            <a:extLst>
-              <a:ext uri="{FF2B5EF4-FFF2-40B4-BE49-F238E27FC236}">
-                <a16:creationId xmlns:a16="http://schemas.microsoft.com/office/drawing/2014/main" id="{85E3F7EE-17D6-40A3-BCB3-3942F2D29FD3}"/>
-              </a:ext>
-            </a:extLst>
-          </p:cNvPr>
-          <p:cNvSpPr>
-            <a:spLocks noGrp="1"/>
-          </p:cNvSpPr>
-          <p:nvPr>
-            <p:ph type="title"/>
-          </p:nvPr>
-        </p:nvSpPr>
-        <p:spPr/>
-        <p:txBody>
-          <a:bodyPr/>
-          <a:lstStyle/>
-          <a:p>
-            <a:pPr algn="ctr"/>
-            <a:r>
-              <a:rPr lang="fr-FR" dirty="0"/>
-              <a:t>!</a:t>
-            </a:r>
-          </a:p>
-        </p:txBody>
-      </p:sp>
-      <p:sp>
-        <p:nvSpPr>
-          <p:cNvPr id="3" name="Espace réservé du contenu 2">
-            <a:extLst>
-              <a:ext uri="{FF2B5EF4-FFF2-40B4-BE49-F238E27FC236}">
-                <a16:creationId xmlns:a16="http://schemas.microsoft.com/office/drawing/2014/main" id="{DC34A4C7-8990-43F1-93B7-614A56682D37}"/>
-              </a:ext>
-            </a:extLst>
-          </p:cNvPr>
-          <p:cNvSpPr>
-            <a:spLocks noGrp="1"/>
-          </p:cNvSpPr>
-          <p:nvPr>
-            <p:ph idx="1"/>
-          </p:nvPr>
-        </p:nvSpPr>
-        <p:spPr/>
-        <p:txBody>
-          <a:bodyPr/>
-          <a:lstStyle/>
-          <a:p>
-            <a:endParaRPr lang="fr-FR"/>
-          </a:p>
-        </p:txBody>
-      </p:sp>
-    </p:spTree>
-    <p:extLst>
-      <p:ext uri="{BB962C8B-B14F-4D97-AF65-F5344CB8AC3E}">
-        <p14:creationId xmlns:p14="http://schemas.microsoft.com/office/powerpoint/2010/main" val="4289694283"/>
       </p:ext>
     </p:extLst>
   </p:cSld>
@@ -14202,15 +15750,15 @@
       </p:sp>
       <p:pic>
         <p:nvPicPr>
-          <p:cNvPr id="4" name="Espace réservé du contenu 3">
+          <p:cNvPr id="6" name="Espace réservé du contenu 5">
             <a:extLst>
               <a:ext uri="{FF2B5EF4-FFF2-40B4-BE49-F238E27FC236}">
-                <a16:creationId xmlns:a16="http://schemas.microsoft.com/office/drawing/2014/main" id="{83EB64FD-7446-483A-8DEC-D9C5E05C00AE}"/>
+                <a16:creationId xmlns:a16="http://schemas.microsoft.com/office/drawing/2014/main" id="{64C431EC-BE3B-4C4D-93DD-9C7CABF0E30E}"/>
               </a:ext>
             </a:extLst>
           </p:cNvPr>
           <p:cNvPicPr>
-            <a:picLocks noGrp="1" noChangeAspect="1"/>
+            <a:picLocks noGrp="1"/>
           </p:cNvPicPr>
           <p:nvPr>
             <p:ph idx="1"/>
@@ -14273,6 +15821,103 @@
           <p:cNvPr id="2" name="Titre 1">
             <a:extLst>
               <a:ext uri="{FF2B5EF4-FFF2-40B4-BE49-F238E27FC236}">
+                <a16:creationId xmlns:a16="http://schemas.microsoft.com/office/drawing/2014/main" id="{3C2E317D-425E-40EF-8646-FFD73E1535F8}"/>
+              </a:ext>
+            </a:extLst>
+          </p:cNvPr>
+          <p:cNvSpPr>
+            <a:spLocks noGrp="1"/>
+          </p:cNvSpPr>
+          <p:nvPr>
+            <p:ph type="title"/>
+          </p:nvPr>
+        </p:nvSpPr>
+        <p:spPr/>
+        <p:txBody>
+          <a:bodyPr/>
+          <a:lstStyle/>
+          <a:p>
+            <a:pPr algn="ctr"/>
+            <a:r>
+              <a:rPr lang="fr-FR" dirty="0"/>
+              <a:t>Répartition des SIREN en défaut</a:t>
+            </a:r>
+          </a:p>
+        </p:txBody>
+      </p:sp>
+      <p:pic>
+        <p:nvPicPr>
+          <p:cNvPr id="4" name="Espace réservé du contenu 3">
+            <a:extLst>
+              <a:ext uri="{FF2B5EF4-FFF2-40B4-BE49-F238E27FC236}">
+                <a16:creationId xmlns:a16="http://schemas.microsoft.com/office/drawing/2014/main" id="{8D3DD057-E75D-45C4-924F-1B99FCE68DB2}"/>
+              </a:ext>
+            </a:extLst>
+          </p:cNvPr>
+          <p:cNvPicPr>
+            <a:picLocks noGrp="1"/>
+          </p:cNvPicPr>
+          <p:nvPr>
+            <p:ph idx="1"/>
+          </p:nvPr>
+        </p:nvPicPr>
+        <p:blipFill>
+          <a:blip r:embed="rId2">
+            <a:extLst>
+              <a:ext uri="{28A0092B-C50C-407E-A947-70E740481C1C}">
+                <a14:useLocalDpi xmlns:a14="http://schemas.microsoft.com/office/drawing/2010/main" val="0"/>
+              </a:ext>
+            </a:extLst>
+          </a:blip>
+          <a:stretch>
+            <a:fillRect/>
+          </a:stretch>
+        </p:blipFill>
+        <p:spPr>
+          <a:xfrm>
+            <a:off x="1744662" y="1825625"/>
+            <a:ext cx="8702676" cy="4351338"/>
+          </a:xfrm>
+          <a:prstGeom prst="rect">
+            <a:avLst/>
+          </a:prstGeom>
+        </p:spPr>
+      </p:pic>
+    </p:spTree>
+    <p:extLst>
+      <p:ext uri="{BB962C8B-B14F-4D97-AF65-F5344CB8AC3E}">
+        <p14:creationId xmlns:p14="http://schemas.microsoft.com/office/powerpoint/2010/main" val="3327677976"/>
+      </p:ext>
+    </p:extLst>
+  </p:cSld>
+  <p:clrMapOvr>
+    <a:masterClrMapping/>
+  </p:clrMapOvr>
+</p:sld>
+</file>
+
+<file path=ppt/slides/slide7.xml><?xml version="1.0" encoding="utf-8"?>
+<p:sld xmlns:a="http://schemas.openxmlformats.org/drawingml/2006/main" xmlns:r="http://schemas.openxmlformats.org/officeDocument/2006/relationships" xmlns:p="http://schemas.openxmlformats.org/presentationml/2006/main">
+  <p:cSld>
+    <p:spTree>
+      <p:nvGrpSpPr>
+        <p:cNvPr id="1" name=""/>
+        <p:cNvGrpSpPr/>
+        <p:nvPr/>
+      </p:nvGrpSpPr>
+      <p:grpSpPr>
+        <a:xfrm>
+          <a:off x="0" y="0"/>
+          <a:ext cx="0" cy="0"/>
+          <a:chOff x="0" y="0"/>
+          <a:chExt cx="0" cy="0"/>
+        </a:xfrm>
+      </p:grpSpPr>
+      <p:sp>
+        <p:nvSpPr>
+          <p:cNvPr id="2" name="Titre 1">
+            <a:extLst>
+              <a:ext uri="{FF2B5EF4-FFF2-40B4-BE49-F238E27FC236}">
                 <a16:creationId xmlns:a16="http://schemas.microsoft.com/office/drawing/2014/main" id="{1601E64B-4903-4467-A9A6-6E08FF64FF92}"/>
               </a:ext>
             </a:extLst>
@@ -14319,7 +15964,7 @@
           </p:nvPr>
         </p:nvPicPr>
         <p:blipFill>
-          <a:blip r:embed="rId2">
+          <a:blip r:embed="rId3">
             <a:extLst>
               <a:ext uri="{28A0092B-C50C-407E-A947-70E740481C1C}">
                 <a14:useLocalDpi xmlns:a14="http://schemas.microsoft.com/office/drawing/2010/main" val="0"/>
@@ -14353,7 +15998,7 @@
 </p:sld>
 </file>
 
-<file path=ppt/slides/slide7.xml><?xml version="1.0" encoding="utf-8"?>
+<file path=ppt/slides/slide8.xml><?xml version="1.0" encoding="utf-8"?>
 <p:sld xmlns:a="http://schemas.openxmlformats.org/drawingml/2006/main" xmlns:r="http://schemas.openxmlformats.org/officeDocument/2006/relationships" xmlns:p="http://schemas.openxmlformats.org/presentationml/2006/main">
   <p:cSld>
     <p:spTree>
@@ -14772,7 +16417,7 @@
 </p:sld>
 </file>
 
-<file path=ppt/slides/slide8.xml><?xml version="1.0" encoding="utf-8"?>
+<file path=ppt/slides/slide9.xml><?xml version="1.0" encoding="utf-8"?>
 <p:sld xmlns:a="http://schemas.openxmlformats.org/drawingml/2006/main" xmlns:r="http://schemas.openxmlformats.org/officeDocument/2006/relationships" xmlns:p="http://schemas.openxmlformats.org/presentationml/2006/main">
   <p:cSld>
     <p:spTree>
@@ -15086,7 +16731,7 @@
           <a:p>
             <a:r>
               <a:rPr lang="fr-FR" dirty="0"/>
-              <a:t>Venant de jo.liens2:</a:t>
+              <a:t>Venant d’autres tables :</a:t>
             </a:r>
           </a:p>
           <a:p>
@@ -15104,67 +16749,84 @@
             </a:r>
           </a:p>
           <a:p>
-            <a:r>
-              <a:rPr lang="fr-FR" dirty="0"/>
-              <a:t>Venant de </a:t>
+            <a:pPr lvl="1"/>
+            <a:r>
+              <a:rPr lang="fr-FR" dirty="0"/>
+              <a:t>Nombre de Personne Moral et Personne Physique</a:t>
+            </a:r>
+          </a:p>
+          <a:p>
+            <a:pPr lvl="1"/>
+            <a:r>
+              <a:rPr lang="fr-FR" dirty="0"/>
+              <a:t>Cotation en bourse</a:t>
+            </a:r>
+          </a:p>
+          <a:p>
+            <a:pPr lvl="1"/>
+            <a:r>
+              <a:rPr lang="fr-FR" dirty="0"/>
+              <a:t>Nombre de contentieux en tant que défenseur ou demandeur</a:t>
+            </a:r>
+          </a:p>
+          <a:p>
+            <a:pPr lvl="1"/>
+            <a:r>
+              <a:rPr lang="fr-FR" dirty="0"/>
+              <a:t>Nombre de marques déposées </a:t>
+            </a:r>
+          </a:p>
+          <a:p>
+            <a:pPr lvl="1"/>
+            <a:r>
+              <a:rPr lang="fr-FR" dirty="0"/>
+              <a:t>Valeurs principales du bilan (avec historique sur 3 ans)</a:t>
+            </a:r>
+          </a:p>
+          <a:p>
+            <a:pPr lvl="1"/>
+            <a:r>
+              <a:rPr lang="fr-FR" dirty="0"/>
+              <a:t>'</a:t>
             </a:r>
             <a:r>
               <a:rPr lang="fr-FR" dirty="0" err="1"/>
-              <a:t>jo.dirigeants</a:t>
-            </a:r>
-            <a:r>
-              <a:rPr lang="fr-FR" dirty="0"/>
-              <a:t>:</a:t>
+              <a:t>indiScore</a:t>
+            </a:r>
+            <a:r>
+              <a:rPr lang="fr-FR" dirty="0"/>
+              <a:t>’ sur 5 années (Score actuel)</a:t>
             </a:r>
           </a:p>
           <a:p>
             <a:pPr lvl="1"/>
             <a:r>
               <a:rPr lang="fr-FR" dirty="0"/>
-              <a:t>Nombre de Personne Moral et Personne Physique</a:t>
-            </a:r>
-          </a:p>
-          <a:p>
-            <a:r>
-              <a:rPr lang="fr-FR" dirty="0"/>
-              <a:t>Venant de </a:t>
+              <a:t>‘encours’ sur 5 années (Calculé avec le score)</a:t>
+            </a:r>
+          </a:p>
+          <a:p>
+            <a:pPr lvl="1"/>
+            <a:r>
+              <a:rPr lang="fr-FR" dirty="0"/>
+              <a:t>‘</a:t>
             </a:r>
             <a:r>
               <a:rPr lang="fr-FR" dirty="0" err="1"/>
-              <a:t>sdvl.bourse_in</a:t>
-            </a:r>
-            <a:r>
-              <a:rPr lang="fr-FR" dirty="0"/>
-              <a:t>:</a:t>
+              <a:t>procol</a:t>
+            </a:r>
+            <a:r>
+              <a:rPr lang="fr-FR" dirty="0"/>
+              <a:t>’ sur 5 années (Target)</a:t>
             </a:r>
           </a:p>
           <a:p>
             <a:pPr lvl="1"/>
-            <a:r>
-              <a:rPr lang="fr-FR" dirty="0"/>
-              <a:t>Cotation en bourse</a:t>
-            </a:r>
-          </a:p>
-          <a:p>
-            <a:r>
-              <a:rPr lang="fr-FR" dirty="0"/>
-              <a:t>Venant de </a:t>
-            </a:r>
-            <a:r>
-              <a:rPr lang="fr-FR" dirty="0" err="1"/>
-              <a:t>jo.greffes_affaires_siren</a:t>
-            </a:r>
-            <a:r>
-              <a:rPr lang="fr-FR" dirty="0"/>
-              <a:t>:</a:t>
-            </a:r>
+            <a:endParaRPr lang="fr-FR" dirty="0"/>
           </a:p>
           <a:p>
             <a:pPr lvl="1"/>
-            <a:r>
-              <a:rPr lang="fr-FR" dirty="0"/>
-              <a:t>Nombre de contentieux en tant que défenseur ou demandeur</a:t>
-            </a:r>
+            <a:endParaRPr lang="fr-FR" dirty="0"/>
           </a:p>
           <a:p>
             <a:endParaRPr lang="fr-FR" dirty="0"/>
@@ -15175,189 +16837,6 @@
     <p:extLst>
       <p:ext uri="{BB962C8B-B14F-4D97-AF65-F5344CB8AC3E}">
         <p14:creationId xmlns:p14="http://schemas.microsoft.com/office/powerpoint/2010/main" val="1689845486"/>
-      </p:ext>
-    </p:extLst>
-  </p:cSld>
-  <p:clrMapOvr>
-    <a:masterClrMapping/>
-  </p:clrMapOvr>
-</p:sld>
-</file>
-
-<file path=ppt/slides/slide9.xml><?xml version="1.0" encoding="utf-8"?>
-<p:sld xmlns:a="http://schemas.openxmlformats.org/drawingml/2006/main" xmlns:r="http://schemas.openxmlformats.org/officeDocument/2006/relationships" xmlns:p="http://schemas.openxmlformats.org/presentationml/2006/main">
-  <p:cSld>
-    <p:spTree>
-      <p:nvGrpSpPr>
-        <p:cNvPr id="1" name=""/>
-        <p:cNvGrpSpPr/>
-        <p:nvPr/>
-      </p:nvGrpSpPr>
-      <p:grpSpPr>
-        <a:xfrm>
-          <a:off x="0" y="0"/>
-          <a:ext cx="0" cy="0"/>
-          <a:chOff x="0" y="0"/>
-          <a:chExt cx="0" cy="0"/>
-        </a:xfrm>
-      </p:grpSpPr>
-      <p:sp>
-        <p:nvSpPr>
-          <p:cNvPr id="6146" name="Titre 1">
-            <a:extLst>
-              <a:ext uri="{FF2B5EF4-FFF2-40B4-BE49-F238E27FC236}">
-                <a16:creationId xmlns:a16="http://schemas.microsoft.com/office/drawing/2014/main" id="{FC57AEC4-51EA-4889-A04B-C93F02A62BF0}"/>
-              </a:ext>
-            </a:extLst>
-          </p:cNvPr>
-          <p:cNvSpPr>
-            <a:spLocks noGrp="1" noChangeArrowheads="1"/>
-          </p:cNvSpPr>
-          <p:nvPr>
-            <p:ph type="title"/>
-          </p:nvPr>
-        </p:nvSpPr>
-        <p:spPr/>
-        <p:txBody>
-          <a:bodyPr/>
-          <a:lstStyle/>
-          <a:p>
-            <a:pPr algn="ctr"/>
-            <a:r>
-              <a:rPr lang="fr-FR" altLang="fr-FR" dirty="0"/>
-              <a:t>Les données</a:t>
-            </a:r>
-          </a:p>
-        </p:txBody>
-      </p:sp>
-      <p:sp>
-        <p:nvSpPr>
-          <p:cNvPr id="3" name="Espace réservé du contenu 2">
-            <a:extLst>
-              <a:ext uri="{FF2B5EF4-FFF2-40B4-BE49-F238E27FC236}">
-                <a16:creationId xmlns:a16="http://schemas.microsoft.com/office/drawing/2014/main" id="{E0F2A827-233C-40A0-8FC8-48760F4D9112}"/>
-              </a:ext>
-            </a:extLst>
-          </p:cNvPr>
-          <p:cNvSpPr>
-            <a:spLocks noGrp="1"/>
-          </p:cNvSpPr>
-          <p:nvPr>
-            <p:ph idx="1"/>
-          </p:nvPr>
-        </p:nvSpPr>
-        <p:spPr>
-          <a:xfrm>
-            <a:off x="838200" y="1825625"/>
-            <a:ext cx="10515599" cy="4351338"/>
-          </a:xfrm>
-        </p:spPr>
-        <p:txBody>
-          <a:bodyPr/>
-          <a:lstStyle/>
-          <a:p>
-            <a:r>
-              <a:rPr lang="fr-FR" dirty="0"/>
-              <a:t>Venant de </a:t>
-            </a:r>
-            <a:r>
-              <a:rPr lang="fr-FR" dirty="0" err="1"/>
-              <a:t>bopi.marques</a:t>
-            </a:r>
-            <a:r>
-              <a:rPr lang="fr-FR" dirty="0"/>
-              <a:t>:</a:t>
-            </a:r>
-          </a:p>
-          <a:p>
-            <a:pPr lvl="1"/>
-            <a:r>
-              <a:rPr lang="fr-FR" dirty="0"/>
-              <a:t>Nombre de marques déposées </a:t>
-            </a:r>
-          </a:p>
-          <a:p>
-            <a:r>
-              <a:rPr lang="fr-FR" dirty="0"/>
-              <a:t>Venant de </a:t>
-            </a:r>
-            <a:r>
-              <a:rPr lang="fr-FR" dirty="0" err="1"/>
-              <a:t>jo.bilans_postes</a:t>
-            </a:r>
-            <a:r>
-              <a:rPr lang="fr-FR" dirty="0"/>
-              <a:t>:</a:t>
-            </a:r>
-          </a:p>
-          <a:p>
-            <a:pPr lvl="1"/>
-            <a:r>
-              <a:rPr lang="fr-FR" dirty="0"/>
-              <a:t>Valeurs principales du bilan (avec historique sur 3 ans)</a:t>
-            </a:r>
-          </a:p>
-          <a:p>
-            <a:r>
-              <a:rPr lang="fr-FR" dirty="0"/>
-              <a:t>Venant de la table </a:t>
-            </a:r>
-            <a:r>
-              <a:rPr lang="fr-FR" dirty="0" err="1"/>
-              <a:t>scores_surveillance</a:t>
-            </a:r>
-            <a:r>
-              <a:rPr lang="fr-FR" dirty="0"/>
-              <a:t>:</a:t>
-            </a:r>
-          </a:p>
-          <a:p>
-            <a:pPr lvl="1"/>
-            <a:r>
-              <a:rPr lang="fr-FR" dirty="0"/>
-              <a:t>'</a:t>
-            </a:r>
-            <a:r>
-              <a:rPr lang="fr-FR" dirty="0" err="1"/>
-              <a:t>indiScore</a:t>
-            </a:r>
-            <a:r>
-              <a:rPr lang="fr-FR" dirty="0"/>
-              <a:t>’ sur 5 années (Score actuel)</a:t>
-            </a:r>
-          </a:p>
-          <a:p>
-            <a:pPr lvl="1"/>
-            <a:r>
-              <a:rPr lang="fr-FR" dirty="0"/>
-              <a:t>‘encours’ sur 5 années (Calculé avec le score)</a:t>
-            </a:r>
-          </a:p>
-          <a:p>
-            <a:pPr lvl="1"/>
-            <a:r>
-              <a:rPr lang="fr-FR" dirty="0"/>
-              <a:t>‘</a:t>
-            </a:r>
-            <a:r>
-              <a:rPr lang="fr-FR" dirty="0" err="1"/>
-              <a:t>procol</a:t>
-            </a:r>
-            <a:r>
-              <a:rPr lang="fr-FR" dirty="0"/>
-              <a:t>’ sur 5 années (Target)</a:t>
-            </a:r>
-          </a:p>
-          <a:p>
-            <a:pPr lvl="1"/>
-            <a:endParaRPr lang="fr-FR" dirty="0"/>
-          </a:p>
-        </p:txBody>
-      </p:sp>
-    </p:spTree>
-    <p:extLst>
-      <p:ext uri="{BB962C8B-B14F-4D97-AF65-F5344CB8AC3E}">
-        <p14:creationId xmlns:p14="http://schemas.microsoft.com/office/powerpoint/2010/main" val="2893493069"/>
       </p:ext>
     </p:extLst>
   </p:cSld>
